--- a/source/ArchitectureInDetail/WebApplicationDetail/images_Pagination/materialPagination.pptx
+++ b/source/ArchitectureInDetail/WebApplicationDetail/images_Pagination/materialPagination.pptx
@@ -8,7 +8,7 @@
     <p:notesMasterId r:id="rId19"/>
   </p:notesMasterIdLst>
   <p:sldIdLst>
-    <p:sldId id="283" r:id="rId2"/>
+    <p:sldId id="303" r:id="rId2"/>
     <p:sldId id="284" r:id="rId3"/>
     <p:sldId id="285" r:id="rId4"/>
     <p:sldId id="286" r:id="rId5"/>
@@ -128,7 +128,7 @@
       <p14:sectionLst xmlns:p14="http://schemas.microsoft.com/office/powerpoint/2010/main">
         <p14:section name="既定のセクション" id="{B0D6C479-3D78-4E00-970A-88F7D4B46CCD}">
           <p14:sldIdLst>
-            <p14:sldId id="283"/>
+            <p14:sldId id="303"/>
             <p14:sldId id="284"/>
             <p14:sldId id="285"/>
             <p14:sldId id="286"/>
@@ -148,6 +148,20 @@
           </p14:sldIdLst>
         </p14:section>
       </p14:sectionLst>
+    </p:ext>
+    <p:ext uri="{EFAFB233-063F-42B5-8137-9DF3F51BA10A}">
+      <p15:sldGuideLst xmlns:p15="http://schemas.microsoft.com/office/powerpoint/2012/main">
+        <p15:guide id="1" orient="horz" pos="2160">
+          <p15:clr>
+            <a:srgbClr val="A4A3A4"/>
+          </p15:clr>
+        </p15:guide>
+        <p15:guide id="2" pos="2880">
+          <p15:clr>
+            <a:srgbClr val="A4A3A4"/>
+          </p15:clr>
+        </p15:guide>
+      </p15:sldGuideLst>
     </p:ext>
   </p:extLst>
 </p:presentation>
@@ -236,7 +250,7 @@
             <a:fld id="{3BB47352-BF5A-4CD2-B029-996118CD8E01}" type="datetimeFigureOut">
               <a:rPr kumimoji="1" lang="ja-JP" altLang="en-US" smtClean="0"/>
               <a:pPr/>
-              <a:t>2015/1/8</a:t>
+              <a:t>2018/2/28</a:t>
             </a:fld>
             <a:endParaRPr kumimoji="1" lang="ja-JP" altLang="en-US"/>
           </a:p>
@@ -719,7 +733,7 @@
             <a:fld id="{7B9B12EC-6AA0-374B-A2D3-850081A07A26}" type="datetimeFigureOut">
               <a:rPr kumimoji="1" lang="ja-JP" altLang="en-US" smtClean="0"/>
               <a:pPr/>
-              <a:t>2015/1/8</a:t>
+              <a:t>2018/2/28</a:t>
             </a:fld>
             <a:endParaRPr kumimoji="1" lang="ja-JP" altLang="en-US"/>
           </a:p>
@@ -923,7 +937,7 @@
             <a:fld id="{7B9B12EC-6AA0-374B-A2D3-850081A07A26}" type="datetimeFigureOut">
               <a:rPr kumimoji="1" lang="ja-JP" altLang="en-US" smtClean="0"/>
               <a:pPr/>
-              <a:t>2015/1/8</a:t>
+              <a:t>2018/2/28</a:t>
             </a:fld>
             <a:endParaRPr kumimoji="1" lang="ja-JP" altLang="en-US"/>
           </a:p>
@@ -1137,7 +1151,7 @@
             <a:fld id="{7B9B12EC-6AA0-374B-A2D3-850081A07A26}" type="datetimeFigureOut">
               <a:rPr kumimoji="1" lang="ja-JP" altLang="en-US" smtClean="0"/>
               <a:pPr/>
-              <a:t>2015/1/8</a:t>
+              <a:t>2018/2/28</a:t>
             </a:fld>
             <a:endParaRPr kumimoji="1" lang="ja-JP" altLang="en-US"/>
           </a:p>
@@ -1341,7 +1355,7 @@
             <a:fld id="{7B9B12EC-6AA0-374B-A2D3-850081A07A26}" type="datetimeFigureOut">
               <a:rPr kumimoji="1" lang="ja-JP" altLang="en-US" smtClean="0"/>
               <a:pPr/>
-              <a:t>2015/1/8</a:t>
+              <a:t>2018/2/28</a:t>
             </a:fld>
             <a:endParaRPr kumimoji="1" lang="ja-JP" altLang="en-US"/>
           </a:p>
@@ -1589,7 +1603,7 @@
             <a:fld id="{7B9B12EC-6AA0-374B-A2D3-850081A07A26}" type="datetimeFigureOut">
               <a:rPr kumimoji="1" lang="ja-JP" altLang="en-US" smtClean="0"/>
               <a:pPr/>
-              <a:t>2015/1/8</a:t>
+              <a:t>2018/2/28</a:t>
             </a:fld>
             <a:endParaRPr kumimoji="1" lang="ja-JP" altLang="en-US"/>
           </a:p>
@@ -1943,7 +1957,7 @@
             <a:fld id="{7B9B12EC-6AA0-374B-A2D3-850081A07A26}" type="datetimeFigureOut">
               <a:rPr kumimoji="1" lang="ja-JP" altLang="en-US" smtClean="0"/>
               <a:pPr/>
-              <a:t>2015/1/8</a:t>
+              <a:t>2018/2/28</a:t>
             </a:fld>
             <a:endParaRPr kumimoji="1" lang="ja-JP" altLang="en-US"/>
           </a:p>
@@ -2431,7 +2445,7 @@
             <a:fld id="{7B9B12EC-6AA0-374B-A2D3-850081A07A26}" type="datetimeFigureOut">
               <a:rPr kumimoji="1" lang="ja-JP" altLang="en-US" smtClean="0"/>
               <a:pPr/>
-              <a:t>2015/1/8</a:t>
+              <a:t>2018/2/28</a:t>
             </a:fld>
             <a:endParaRPr kumimoji="1" lang="ja-JP" altLang="en-US"/>
           </a:p>
@@ -2551,7 +2565,7 @@
             <a:fld id="{7B9B12EC-6AA0-374B-A2D3-850081A07A26}" type="datetimeFigureOut">
               <a:rPr kumimoji="1" lang="ja-JP" altLang="en-US" smtClean="0"/>
               <a:pPr/>
-              <a:t>2015/1/8</a:t>
+              <a:t>2018/2/28</a:t>
             </a:fld>
             <a:endParaRPr kumimoji="1" lang="ja-JP" altLang="en-US"/>
           </a:p>
@@ -2648,7 +2662,7 @@
             <a:fld id="{7B9B12EC-6AA0-374B-A2D3-850081A07A26}" type="datetimeFigureOut">
               <a:rPr kumimoji="1" lang="ja-JP" altLang="en-US" smtClean="0"/>
               <a:pPr/>
-              <a:t>2015/1/8</a:t>
+              <a:t>2018/2/28</a:t>
             </a:fld>
             <a:endParaRPr kumimoji="1" lang="ja-JP" altLang="en-US"/>
           </a:p>
@@ -2959,7 +2973,7 @@
             <a:fld id="{7B9B12EC-6AA0-374B-A2D3-850081A07A26}" type="datetimeFigureOut">
               <a:rPr kumimoji="1" lang="ja-JP" altLang="en-US" smtClean="0"/>
               <a:pPr/>
-              <a:t>2015/1/8</a:t>
+              <a:t>2018/2/28</a:t>
             </a:fld>
             <a:endParaRPr kumimoji="1" lang="ja-JP" altLang="en-US"/>
           </a:p>
@@ -3214,7 +3228,7 @@
             <a:fld id="{7B9B12EC-6AA0-374B-A2D3-850081A07A26}" type="datetimeFigureOut">
               <a:rPr kumimoji="1" lang="ja-JP" altLang="en-US" smtClean="0"/>
               <a:pPr/>
-              <a:t>2015/1/8</a:t>
+              <a:t>2018/2/28</a:t>
             </a:fld>
             <a:endParaRPr kumimoji="1" lang="ja-JP" altLang="en-US"/>
           </a:p>
@@ -3461,7 +3475,7 @@
             <a:fld id="{7B9B12EC-6AA0-374B-A2D3-850081A07A26}" type="datetimeFigureOut">
               <a:rPr kumimoji="1" lang="ja-JP" altLang="en-US" smtClean="0"/>
               <a:pPr/>
-              <a:t>2015/1/8</a:t>
+              <a:t>2018/2/28</a:t>
             </a:fld>
             <a:endParaRPr kumimoji="1" lang="ja-JP" altLang="en-US"/>
           </a:p>
@@ -3981,6 +3995,129 @@
       </p:sp>
       <p:sp>
         <p:nvSpPr>
+          <p:cNvPr id="10" name="線吹き出し 2 (枠付き) 9"/>
+          <p:cNvSpPr/>
+          <p:nvPr/>
+        </p:nvSpPr>
+        <p:spPr>
+          <a:xfrm>
+            <a:off x="5747655" y="5794829"/>
+            <a:ext cx="1509487" cy="885372"/>
+          </a:xfrm>
+          <a:prstGeom prst="borderCallout2">
+            <a:avLst>
+              <a:gd name="adj1" fmla="val 50717"/>
+              <a:gd name="adj2" fmla="val -5448"/>
+              <a:gd name="adj3" fmla="val 50717"/>
+              <a:gd name="adj4" fmla="val -24141"/>
+              <a:gd name="adj5" fmla="val 14046"/>
+              <a:gd name="adj6" fmla="val -41991"/>
+            </a:avLst>
+          </a:prstGeom>
+          <a:solidFill>
+            <a:schemeClr val="bg1"/>
+          </a:solidFill>
+        </p:spPr>
+        <p:style>
+          <a:lnRef idx="1">
+            <a:schemeClr val="accent1"/>
+          </a:lnRef>
+          <a:fillRef idx="3">
+            <a:schemeClr val="accent1"/>
+          </a:fillRef>
+          <a:effectRef idx="2">
+            <a:schemeClr val="accent1"/>
+          </a:effectRef>
+          <a:fontRef idx="minor">
+            <a:schemeClr val="lt1"/>
+          </a:fontRef>
+        </p:style>
+        <p:txBody>
+          <a:bodyPr rtlCol="0" anchor="ctr"/>
+          <a:lstStyle/>
+          <a:p>
+            <a:pPr algn="ctr"/>
+            <a:r>
+              <a:rPr lang="en-US" altLang="ja-JP" dirty="0" smtClean="0">
+                <a:solidFill>
+                  <a:schemeClr val="tx1"/>
+                </a:solidFill>
+              </a:rPr>
+              <a:t>(3)</a:t>
+            </a:r>
+          </a:p>
+          <a:p>
+            <a:pPr algn="ctr"/>
+            <a:r>
+              <a:rPr lang="en-US" altLang="ja-JP" dirty="0" smtClean="0">
+                <a:solidFill>
+                  <a:schemeClr val="tx1"/>
+                </a:solidFill>
+              </a:rPr>
+              <a:t>Pagination  </a:t>
+            </a:r>
+            <a:r>
+              <a:rPr lang="en-US" altLang="ja-JP" dirty="0">
+                <a:solidFill>
+                  <a:schemeClr val="tx1"/>
+                </a:solidFill>
+              </a:rPr>
+              <a:t>Information</a:t>
+            </a:r>
+            <a:endParaRPr kumimoji="1" lang="ja-JP" altLang="en-US" dirty="0">
+              <a:solidFill>
+                <a:schemeClr val="tx1"/>
+              </a:solidFill>
+            </a:endParaRPr>
+          </a:p>
+        </p:txBody>
+      </p:sp>
+      <p:sp>
+        <p:nvSpPr>
+          <p:cNvPr id="7" name="角丸四角形 6"/>
+          <p:cNvSpPr/>
+          <p:nvPr/>
+        </p:nvSpPr>
+        <p:spPr>
+          <a:xfrm>
+            <a:off x="1463039" y="2236993"/>
+            <a:ext cx="6260951" cy="2634734"/>
+          </a:xfrm>
+          <a:prstGeom prst="roundRect">
+            <a:avLst/>
+          </a:prstGeom>
+          <a:noFill/>
+          <a:ln w="41275">
+            <a:solidFill>
+              <a:srgbClr val="FF0000"/>
+            </a:solidFill>
+          </a:ln>
+        </p:spPr>
+        <p:style>
+          <a:lnRef idx="1">
+            <a:schemeClr val="accent1"/>
+          </a:lnRef>
+          <a:fillRef idx="3">
+            <a:schemeClr val="accent1"/>
+          </a:fillRef>
+          <a:effectRef idx="2">
+            <a:schemeClr val="accent1"/>
+          </a:effectRef>
+          <a:fontRef idx="minor">
+            <a:schemeClr val="lt1"/>
+          </a:fontRef>
+        </p:style>
+        <p:txBody>
+          <a:bodyPr rtlCol="0" anchor="ctr"/>
+          <a:lstStyle/>
+          <a:p>
+            <a:pPr algn="ctr"/>
+            <a:endParaRPr kumimoji="1" lang="ja-JP" altLang="en-US"/>
+          </a:p>
+        </p:txBody>
+      </p:sp>
+      <p:sp>
+        <p:nvSpPr>
           <p:cNvPr id="6" name="線吹き出し 2 (枠付き) 5"/>
           <p:cNvSpPr/>
           <p:nvPr/>
@@ -4029,7 +4166,7 @@
                   <a:schemeClr val="tx1"/>
                 </a:solidFill>
               </a:rPr>
-              <a:t>(1)</a:t>
+              <a:t>(2)</a:t>
             </a:r>
           </a:p>
           <a:p>
@@ -4040,15 +4177,7 @@
                   <a:schemeClr val="tx1"/>
                 </a:solidFill>
               </a:rPr>
-              <a:t>Pagination </a:t>
-            </a:r>
-            <a:r>
-              <a:rPr lang="en-US" altLang="ja-JP" dirty="0">
-                <a:solidFill>
-                  <a:schemeClr val="tx1"/>
-                </a:solidFill>
-              </a:rPr>
-              <a:t>Links</a:t>
+              <a:t>Pagination Links</a:t>
             </a:r>
             <a:endParaRPr kumimoji="1" lang="ja-JP" altLang="en-US" dirty="0">
               <a:solidFill>
@@ -4060,23 +4189,23 @@
       </p:sp>
       <p:sp>
         <p:nvSpPr>
-          <p:cNvPr id="10" name="線吹き出し 2 (枠付き) 9"/>
+          <p:cNvPr id="9" name="線吹き出し 2 (枠付き) 8"/>
           <p:cNvSpPr/>
           <p:nvPr/>
         </p:nvSpPr>
         <p:spPr>
           <a:xfrm>
-            <a:off x="5747655" y="5794829"/>
-            <a:ext cx="1509487" cy="885372"/>
+            <a:off x="1270001" y="5181983"/>
+            <a:ext cx="1429655" cy="907144"/>
           </a:xfrm>
           <a:prstGeom prst="borderCallout2">
             <a:avLst>
-              <a:gd name="adj1" fmla="val 50717"/>
-              <a:gd name="adj2" fmla="val -5448"/>
-              <a:gd name="adj3" fmla="val 50717"/>
-              <a:gd name="adj4" fmla="val -24141"/>
-              <a:gd name="adj5" fmla="val 14046"/>
-              <a:gd name="adj6" fmla="val -41991"/>
+              <a:gd name="adj1" fmla="val -6153"/>
+              <a:gd name="adj2" fmla="val 12736"/>
+              <a:gd name="adj3" fmla="val -42916"/>
+              <a:gd name="adj4" fmla="val 13001"/>
+              <a:gd name="adj5" fmla="val -58832"/>
+              <a:gd name="adj6" fmla="val 39421"/>
             </a:avLst>
           </a:prstGeom>
           <a:solidFill>
@@ -4108,7 +4237,7 @@
                   <a:schemeClr val="tx1"/>
                 </a:solidFill>
               </a:rPr>
-              <a:t>(2)</a:t>
+              <a:t>(1)</a:t>
             </a:r>
           </a:p>
           <a:p>
@@ -4119,15 +4248,7 @@
                   <a:schemeClr val="tx1"/>
                 </a:solidFill>
               </a:rPr>
-              <a:t>Pagination  </a:t>
-            </a:r>
-            <a:r>
-              <a:rPr lang="en-US" altLang="ja-JP" dirty="0">
-                <a:solidFill>
-                  <a:schemeClr val="tx1"/>
-                </a:solidFill>
-              </a:rPr>
-              <a:t>Information</a:t>
+              <a:t>Fetched data</a:t>
             </a:r>
             <a:endParaRPr kumimoji="1" lang="ja-JP" altLang="en-US" dirty="0">
               <a:solidFill>
@@ -4140,7 +4261,7 @@
     </p:spTree>
     <p:extLst>
       <p:ext uri="{BB962C8B-B14F-4D97-AF65-F5344CB8AC3E}">
-        <p14:creationId xmlns:p14="http://schemas.microsoft.com/office/powerpoint/2010/main" val="2283870519"/>
+        <p14:creationId xmlns:p14="http://schemas.microsoft.com/office/powerpoint/2010/main" val="3519420217"/>
       </p:ext>
     </p:extLst>
   </p:cSld>
@@ -11961,11 +12082,7 @@
             </a:r>
             <a:r>
               <a:rPr lang="en-US" altLang="ja-JP" sz="1300" dirty="0"/>
-              <a:t>(0)"&gt;</a:t>
-            </a:r>
-            <a:r>
-              <a:rPr lang="en-US" altLang="ja-JP" sz="1300" dirty="0"/>
-              <a:t>1&lt;/a&gt;</a:t>
+              <a:t>(0)"&gt;1&lt;/a&gt;</a:t>
             </a:r>
           </a:p>
           <a:p>
@@ -15021,11 +15138,7 @@
             </a:r>
             <a:r>
               <a:rPr lang="en-US" altLang="ja-JP" sz="1300" dirty="0"/>
-              <a:t>(0)"&gt;</a:t>
-            </a:r>
-            <a:r>
-              <a:rPr lang="en-US" altLang="ja-JP" sz="1300" dirty="0"/>
-              <a:t>1&lt;/a&gt;</a:t>
+              <a:t>(0)"&gt;1&lt;/a&gt;</a:t>
             </a:r>
           </a:p>
           <a:p>
@@ -16132,11 +16245,7 @@
             </a:r>
             <a:r>
               <a:rPr lang="en-US" altLang="ja-JP" sz="1300" dirty="0"/>
-              <a:t>"&gt;</a:t>
-            </a:r>
-            <a:r>
-              <a:rPr lang="en-US" altLang="ja-JP" sz="1300" dirty="0"/>
-              <a:t>1&lt;/a&gt;</a:t>
+              <a:t>"&gt;1&lt;/a&gt;</a:t>
             </a:r>
           </a:p>
           <a:p>

--- a/source/ArchitectureInDetail/WebApplicationDetail/images_Pagination/materialPagination.pptx
+++ b/source/ArchitectureInDetail/WebApplicationDetail/images_Pagination/materialPagination.pptx
@@ -5,7 +5,7 @@
     <p:sldMasterId id="2147483648" r:id="rId1"/>
   </p:sldMasterIdLst>
   <p:notesMasterIdLst>
-    <p:notesMasterId r:id="rId19"/>
+    <p:notesMasterId r:id="rId11"/>
   </p:notesMasterIdLst>
   <p:sldIdLst>
     <p:sldId id="283" r:id="rId2"/>
@@ -15,16 +15,8 @@
     <p:sldId id="287" r:id="rId6"/>
     <p:sldId id="288" r:id="rId7"/>
     <p:sldId id="289" r:id="rId8"/>
-    <p:sldId id="292" r:id="rId9"/>
-    <p:sldId id="293" r:id="rId10"/>
-    <p:sldId id="295" r:id="rId11"/>
-    <p:sldId id="296" r:id="rId12"/>
-    <p:sldId id="297" r:id="rId13"/>
-    <p:sldId id="298" r:id="rId14"/>
-    <p:sldId id="299" r:id="rId15"/>
-    <p:sldId id="300" r:id="rId16"/>
-    <p:sldId id="301" r:id="rId17"/>
-    <p:sldId id="302" r:id="rId18"/>
+    <p:sldId id="295" r:id="rId9"/>
+    <p:sldId id="296" r:id="rId10"/>
   </p:sldIdLst>
   <p:sldSz cx="9144000" cy="6858000" type="screen4x3"/>
   <p:notesSz cx="6858000" cy="9144000"/>
@@ -135,19 +127,25 @@
             <p14:sldId id="287"/>
             <p14:sldId id="288"/>
             <p14:sldId id="289"/>
-            <p14:sldId id="292"/>
-            <p14:sldId id="293"/>
             <p14:sldId id="295"/>
             <p14:sldId id="296"/>
-            <p14:sldId id="297"/>
-            <p14:sldId id="298"/>
-            <p14:sldId id="299"/>
-            <p14:sldId id="300"/>
-            <p14:sldId id="301"/>
-            <p14:sldId id="302"/>
           </p14:sldIdLst>
         </p14:section>
       </p14:sectionLst>
+    </p:ext>
+    <p:ext uri="{EFAFB233-063F-42B5-8137-9DF3F51BA10A}">
+      <p15:sldGuideLst xmlns:p15="http://schemas.microsoft.com/office/powerpoint/2012/main">
+        <p15:guide id="1" orient="horz" pos="2160">
+          <p15:clr>
+            <a:srgbClr val="A4A3A4"/>
+          </p15:clr>
+        </p15:guide>
+        <p15:guide id="2" pos="2880">
+          <p15:clr>
+            <a:srgbClr val="A4A3A4"/>
+          </p15:clr>
+        </p15:guide>
+      </p15:sldGuideLst>
     </p:ext>
   </p:extLst>
 </p:presentation>
@@ -236,7 +234,7 @@
             <a:fld id="{3BB47352-BF5A-4CD2-B029-996118CD8E01}" type="datetimeFigureOut">
               <a:rPr kumimoji="1" lang="ja-JP" altLang="en-US" smtClean="0"/>
               <a:pPr/>
-              <a:t>2015/1/8</a:t>
+              <a:t>2018/1/30</a:t>
             </a:fld>
             <a:endParaRPr kumimoji="1" lang="ja-JP" altLang="en-US"/>
           </a:p>
@@ -719,7 +717,7 @@
             <a:fld id="{7B9B12EC-6AA0-374B-A2D3-850081A07A26}" type="datetimeFigureOut">
               <a:rPr kumimoji="1" lang="ja-JP" altLang="en-US" smtClean="0"/>
               <a:pPr/>
-              <a:t>2015/1/8</a:t>
+              <a:t>2018/1/30</a:t>
             </a:fld>
             <a:endParaRPr kumimoji="1" lang="ja-JP" altLang="en-US"/>
           </a:p>
@@ -923,7 +921,7 @@
             <a:fld id="{7B9B12EC-6AA0-374B-A2D3-850081A07A26}" type="datetimeFigureOut">
               <a:rPr kumimoji="1" lang="ja-JP" altLang="en-US" smtClean="0"/>
               <a:pPr/>
-              <a:t>2015/1/8</a:t>
+              <a:t>2018/1/30</a:t>
             </a:fld>
             <a:endParaRPr kumimoji="1" lang="ja-JP" altLang="en-US"/>
           </a:p>
@@ -1137,7 +1135,7 @@
             <a:fld id="{7B9B12EC-6AA0-374B-A2D3-850081A07A26}" type="datetimeFigureOut">
               <a:rPr kumimoji="1" lang="ja-JP" altLang="en-US" smtClean="0"/>
               <a:pPr/>
-              <a:t>2015/1/8</a:t>
+              <a:t>2018/1/30</a:t>
             </a:fld>
             <a:endParaRPr kumimoji="1" lang="ja-JP" altLang="en-US"/>
           </a:p>
@@ -1341,7 +1339,7 @@
             <a:fld id="{7B9B12EC-6AA0-374B-A2D3-850081A07A26}" type="datetimeFigureOut">
               <a:rPr kumimoji="1" lang="ja-JP" altLang="en-US" smtClean="0"/>
               <a:pPr/>
-              <a:t>2015/1/8</a:t>
+              <a:t>2018/1/30</a:t>
             </a:fld>
             <a:endParaRPr kumimoji="1" lang="ja-JP" altLang="en-US"/>
           </a:p>
@@ -1589,7 +1587,7 @@
             <a:fld id="{7B9B12EC-6AA0-374B-A2D3-850081A07A26}" type="datetimeFigureOut">
               <a:rPr kumimoji="1" lang="ja-JP" altLang="en-US" smtClean="0"/>
               <a:pPr/>
-              <a:t>2015/1/8</a:t>
+              <a:t>2018/1/30</a:t>
             </a:fld>
             <a:endParaRPr kumimoji="1" lang="ja-JP" altLang="en-US"/>
           </a:p>
@@ -1943,7 +1941,7 @@
             <a:fld id="{7B9B12EC-6AA0-374B-A2D3-850081A07A26}" type="datetimeFigureOut">
               <a:rPr kumimoji="1" lang="ja-JP" altLang="en-US" smtClean="0"/>
               <a:pPr/>
-              <a:t>2015/1/8</a:t>
+              <a:t>2018/1/30</a:t>
             </a:fld>
             <a:endParaRPr kumimoji="1" lang="ja-JP" altLang="en-US"/>
           </a:p>
@@ -2431,7 +2429,7 @@
             <a:fld id="{7B9B12EC-6AA0-374B-A2D3-850081A07A26}" type="datetimeFigureOut">
               <a:rPr kumimoji="1" lang="ja-JP" altLang="en-US" smtClean="0"/>
               <a:pPr/>
-              <a:t>2015/1/8</a:t>
+              <a:t>2018/1/30</a:t>
             </a:fld>
             <a:endParaRPr kumimoji="1" lang="ja-JP" altLang="en-US"/>
           </a:p>
@@ -2551,7 +2549,7 @@
             <a:fld id="{7B9B12EC-6AA0-374B-A2D3-850081A07A26}" type="datetimeFigureOut">
               <a:rPr kumimoji="1" lang="ja-JP" altLang="en-US" smtClean="0"/>
               <a:pPr/>
-              <a:t>2015/1/8</a:t>
+              <a:t>2018/1/30</a:t>
             </a:fld>
             <a:endParaRPr kumimoji="1" lang="ja-JP" altLang="en-US"/>
           </a:p>
@@ -2648,7 +2646,7 @@
             <a:fld id="{7B9B12EC-6AA0-374B-A2D3-850081A07A26}" type="datetimeFigureOut">
               <a:rPr kumimoji="1" lang="ja-JP" altLang="en-US" smtClean="0"/>
               <a:pPr/>
-              <a:t>2015/1/8</a:t>
+              <a:t>2018/1/30</a:t>
             </a:fld>
             <a:endParaRPr kumimoji="1" lang="ja-JP" altLang="en-US"/>
           </a:p>
@@ -2959,7 +2957,7 @@
             <a:fld id="{7B9B12EC-6AA0-374B-A2D3-850081A07A26}" type="datetimeFigureOut">
               <a:rPr kumimoji="1" lang="ja-JP" altLang="en-US" smtClean="0"/>
               <a:pPr/>
-              <a:t>2015/1/8</a:t>
+              <a:t>2018/1/30</a:t>
             </a:fld>
             <a:endParaRPr kumimoji="1" lang="ja-JP" altLang="en-US"/>
           </a:p>
@@ -3214,7 +3212,7 @@
             <a:fld id="{7B9B12EC-6AA0-374B-A2D3-850081A07A26}" type="datetimeFigureOut">
               <a:rPr kumimoji="1" lang="ja-JP" altLang="en-US" smtClean="0"/>
               <a:pPr/>
-              <a:t>2015/1/8</a:t>
+              <a:t>2018/1/30</a:t>
             </a:fld>
             <a:endParaRPr kumimoji="1" lang="ja-JP" altLang="en-US"/>
           </a:p>
@@ -3461,7 +3459,7 @@
             <a:fld id="{7B9B12EC-6AA0-374B-A2D3-850081A07A26}" type="datetimeFigureOut">
               <a:rPr kumimoji="1" lang="ja-JP" altLang="en-US" smtClean="0"/>
               <a:pPr/>
-              <a:t>2015/1/8</a:t>
+              <a:t>2018/1/30</a:t>
             </a:fld>
             <a:endParaRPr kumimoji="1" lang="ja-JP" altLang="en-US"/>
           </a:p>
@@ -3981,6 +3979,129 @@
       </p:sp>
       <p:sp>
         <p:nvSpPr>
+          <p:cNvPr id="10" name="線吹き出し 2 (枠付き) 9"/>
+          <p:cNvSpPr/>
+          <p:nvPr/>
+        </p:nvSpPr>
+        <p:spPr>
+          <a:xfrm>
+            <a:off x="5747655" y="5794829"/>
+            <a:ext cx="1509487" cy="885372"/>
+          </a:xfrm>
+          <a:prstGeom prst="borderCallout2">
+            <a:avLst>
+              <a:gd name="adj1" fmla="val 50717"/>
+              <a:gd name="adj2" fmla="val -5448"/>
+              <a:gd name="adj3" fmla="val 50717"/>
+              <a:gd name="adj4" fmla="val -24141"/>
+              <a:gd name="adj5" fmla="val 14046"/>
+              <a:gd name="adj6" fmla="val -41991"/>
+            </a:avLst>
+          </a:prstGeom>
+          <a:solidFill>
+            <a:schemeClr val="bg1"/>
+          </a:solidFill>
+        </p:spPr>
+        <p:style>
+          <a:lnRef idx="1">
+            <a:schemeClr val="accent1"/>
+          </a:lnRef>
+          <a:fillRef idx="3">
+            <a:schemeClr val="accent1"/>
+          </a:fillRef>
+          <a:effectRef idx="2">
+            <a:schemeClr val="accent1"/>
+          </a:effectRef>
+          <a:fontRef idx="minor">
+            <a:schemeClr val="lt1"/>
+          </a:fontRef>
+        </p:style>
+        <p:txBody>
+          <a:bodyPr rtlCol="0" anchor="ctr"/>
+          <a:lstStyle/>
+          <a:p>
+            <a:pPr algn="ctr"/>
+            <a:r>
+              <a:rPr lang="en-US" altLang="ja-JP" dirty="0" smtClean="0">
+                <a:solidFill>
+                  <a:schemeClr val="tx1"/>
+                </a:solidFill>
+              </a:rPr>
+              <a:t>(3)</a:t>
+            </a:r>
+          </a:p>
+          <a:p>
+            <a:pPr algn="ctr"/>
+            <a:r>
+              <a:rPr lang="en-US" altLang="ja-JP" dirty="0" smtClean="0">
+                <a:solidFill>
+                  <a:schemeClr val="tx1"/>
+                </a:solidFill>
+              </a:rPr>
+              <a:t>Pagination  </a:t>
+            </a:r>
+            <a:r>
+              <a:rPr lang="en-US" altLang="ja-JP" dirty="0">
+                <a:solidFill>
+                  <a:schemeClr val="tx1"/>
+                </a:solidFill>
+              </a:rPr>
+              <a:t>Information</a:t>
+            </a:r>
+            <a:endParaRPr kumimoji="1" lang="ja-JP" altLang="en-US" dirty="0">
+              <a:solidFill>
+                <a:schemeClr val="tx1"/>
+              </a:solidFill>
+            </a:endParaRPr>
+          </a:p>
+        </p:txBody>
+      </p:sp>
+      <p:sp>
+        <p:nvSpPr>
+          <p:cNvPr id="7" name="角丸四角形 6"/>
+          <p:cNvSpPr/>
+          <p:nvPr/>
+        </p:nvSpPr>
+        <p:spPr>
+          <a:xfrm>
+            <a:off x="1463039" y="2236993"/>
+            <a:ext cx="6260951" cy="2634734"/>
+          </a:xfrm>
+          <a:prstGeom prst="roundRect">
+            <a:avLst/>
+          </a:prstGeom>
+          <a:noFill/>
+          <a:ln w="41275">
+            <a:solidFill>
+              <a:srgbClr val="FF0000"/>
+            </a:solidFill>
+          </a:ln>
+        </p:spPr>
+        <p:style>
+          <a:lnRef idx="1">
+            <a:schemeClr val="accent1"/>
+          </a:lnRef>
+          <a:fillRef idx="3">
+            <a:schemeClr val="accent1"/>
+          </a:fillRef>
+          <a:effectRef idx="2">
+            <a:schemeClr val="accent1"/>
+          </a:effectRef>
+          <a:fontRef idx="minor">
+            <a:schemeClr val="lt1"/>
+          </a:fontRef>
+        </p:style>
+        <p:txBody>
+          <a:bodyPr rtlCol="0" anchor="ctr"/>
+          <a:lstStyle/>
+          <a:p>
+            <a:pPr algn="ctr"/>
+            <a:endParaRPr kumimoji="1" lang="ja-JP" altLang="en-US"/>
+          </a:p>
+        </p:txBody>
+      </p:sp>
+      <p:sp>
+        <p:nvSpPr>
           <p:cNvPr id="6" name="線吹き出し 2 (枠付き) 5"/>
           <p:cNvSpPr/>
           <p:nvPr/>
@@ -4029,7 +4150,7 @@
                   <a:schemeClr val="tx1"/>
                 </a:solidFill>
               </a:rPr>
-              <a:t>(1)</a:t>
+              <a:t>(2)</a:t>
             </a:r>
           </a:p>
           <a:p>
@@ -4040,15 +4161,7 @@
                   <a:schemeClr val="tx1"/>
                 </a:solidFill>
               </a:rPr>
-              <a:t>Pagination </a:t>
-            </a:r>
-            <a:r>
-              <a:rPr lang="en-US" altLang="ja-JP" dirty="0">
-                <a:solidFill>
-                  <a:schemeClr val="tx1"/>
-                </a:solidFill>
-              </a:rPr>
-              <a:t>Links</a:t>
+              <a:t>Pagination Links</a:t>
             </a:r>
             <a:endParaRPr kumimoji="1" lang="ja-JP" altLang="en-US" dirty="0">
               <a:solidFill>
@@ -4060,23 +4173,23 @@
       </p:sp>
       <p:sp>
         <p:nvSpPr>
-          <p:cNvPr id="10" name="線吹き出し 2 (枠付き) 9"/>
+          <p:cNvPr id="9" name="線吹き出し 2 (枠付き) 8"/>
           <p:cNvSpPr/>
           <p:nvPr/>
         </p:nvSpPr>
         <p:spPr>
           <a:xfrm>
-            <a:off x="5747655" y="5794829"/>
-            <a:ext cx="1509487" cy="885372"/>
+            <a:off x="1270001" y="5181983"/>
+            <a:ext cx="1429655" cy="907144"/>
           </a:xfrm>
           <a:prstGeom prst="borderCallout2">
             <a:avLst>
-              <a:gd name="adj1" fmla="val 50717"/>
-              <a:gd name="adj2" fmla="val -5448"/>
-              <a:gd name="adj3" fmla="val 50717"/>
-              <a:gd name="adj4" fmla="val -24141"/>
-              <a:gd name="adj5" fmla="val 14046"/>
-              <a:gd name="adj6" fmla="val -41991"/>
+              <a:gd name="adj1" fmla="val -6153"/>
+              <a:gd name="adj2" fmla="val 12736"/>
+              <a:gd name="adj3" fmla="val -42916"/>
+              <a:gd name="adj4" fmla="val 13001"/>
+              <a:gd name="adj5" fmla="val -58832"/>
+              <a:gd name="adj6" fmla="val 39421"/>
             </a:avLst>
           </a:prstGeom>
           <a:solidFill>
@@ -4108,7 +4221,7 @@
                   <a:schemeClr val="tx1"/>
                 </a:solidFill>
               </a:rPr>
-              <a:t>(2)</a:t>
+              <a:t>(1)</a:t>
             </a:r>
           </a:p>
           <a:p>
@@ -4119,15 +4232,7 @@
                   <a:schemeClr val="tx1"/>
                 </a:solidFill>
               </a:rPr>
-              <a:t>Pagination  </a:t>
-            </a:r>
-            <a:r>
-              <a:rPr lang="en-US" altLang="ja-JP" dirty="0">
-                <a:solidFill>
-                  <a:schemeClr val="tx1"/>
-                </a:solidFill>
-              </a:rPr>
-              <a:t>Information</a:t>
+              <a:t>Fetched data</a:t>
             </a:r>
             <a:endParaRPr kumimoji="1" lang="ja-JP" altLang="en-US" dirty="0">
               <a:solidFill>
@@ -4141,2949 +4246,6 @@
     <p:extLst>
       <p:ext uri="{BB962C8B-B14F-4D97-AF65-F5344CB8AC3E}">
         <p14:creationId xmlns:p14="http://schemas.microsoft.com/office/powerpoint/2010/main" val="2283870519"/>
-      </p:ext>
-    </p:extLst>
-  </p:cSld>
-  <p:clrMapOvr>
-    <a:masterClrMapping/>
-  </p:clrMapOvr>
-  <p:timing>
-    <p:tnLst>
-      <p:par>
-        <p:cTn id="1" dur="indefinite" restart="never" nodeType="tmRoot"/>
-      </p:par>
-    </p:tnLst>
-  </p:timing>
-</p:sld>
-</file>
-
-<file path=ppt/slides/slide10.xml><?xml version="1.0" encoding="utf-8"?>
-<p:sld xmlns:a="http://schemas.openxmlformats.org/drawingml/2006/main" xmlns:r="http://schemas.openxmlformats.org/officeDocument/2006/relationships" xmlns:p="http://schemas.openxmlformats.org/presentationml/2006/main">
-  <p:cSld>
-    <p:spTree>
-      <p:nvGrpSpPr>
-        <p:cNvPr id="1" name=""/>
-        <p:cNvGrpSpPr/>
-        <p:nvPr/>
-      </p:nvGrpSpPr>
-      <p:grpSpPr>
-        <a:xfrm>
-          <a:off x="0" y="0"/>
-          <a:ext cx="0" cy="0"/>
-          <a:chOff x="0" y="0"/>
-          <a:chExt cx="0" cy="0"/>
-        </a:xfrm>
-      </p:grpSpPr>
-      <p:pic>
-        <p:nvPicPr>
-          <p:cNvPr id="2051" name="Picture 3"/>
-          <p:cNvPicPr>
-            <a:picLocks noChangeAspect="1" noChangeArrowheads="1"/>
-          </p:cNvPicPr>
-          <p:nvPr/>
-        </p:nvPicPr>
-        <p:blipFill>
-          <a:blip r:embed="rId2">
-            <a:extLst>
-              <a:ext uri="{28A0092B-C50C-407E-A947-70E740481C1C}">
-                <a14:useLocalDpi xmlns:a14="http://schemas.microsoft.com/office/drawing/2010/main" val="0"/>
-              </a:ext>
-            </a:extLst>
-          </a:blip>
-          <a:srcRect/>
-          <a:stretch>
-            <a:fillRect/>
-          </a:stretch>
-        </p:blipFill>
-        <p:spPr bwMode="auto">
-          <a:xfrm>
-            <a:off x="3045053" y="2311853"/>
-            <a:ext cx="3859876" cy="2383518"/>
-          </a:xfrm>
-          <a:prstGeom prst="rect">
-            <a:avLst/>
-          </a:prstGeom>
-          <a:noFill/>
-          <a:ln>
-            <a:noFill/>
-          </a:ln>
-          <a:extLst>
-            <a:ext uri="{909E8E84-426E-40DD-AFC4-6F175D3DCCD1}">
-              <a14:hiddenFill xmlns:a14="http://schemas.microsoft.com/office/drawing/2010/main">
-                <a:solidFill>
-                  <a:schemeClr val="accent1"/>
-                </a:solidFill>
-              </a14:hiddenFill>
-            </a:ext>
-            <a:ext uri="{91240B29-F687-4F45-9708-019B960494DF}">
-              <a14:hiddenLine xmlns:a14="http://schemas.microsoft.com/office/drawing/2010/main" w="9525">
-                <a:solidFill>
-                  <a:schemeClr val="tx1"/>
-                </a:solidFill>
-                <a:miter lim="800000"/>
-                <a:headEnd/>
-                <a:tailEnd/>
-              </a14:hiddenLine>
-            </a:ext>
-          </a:extLst>
-        </p:spPr>
-      </p:pic>
-      <p:sp>
-        <p:nvSpPr>
-          <p:cNvPr id="9" name="角丸四角形 8"/>
-          <p:cNvSpPr/>
-          <p:nvPr/>
-        </p:nvSpPr>
-        <p:spPr>
-          <a:xfrm>
-            <a:off x="4506682" y="3752877"/>
-            <a:ext cx="397673" cy="298444"/>
-          </a:xfrm>
-          <a:prstGeom prst="roundRect">
-            <a:avLst/>
-          </a:prstGeom>
-          <a:noFill/>
-          <a:ln w="19050">
-            <a:solidFill>
-              <a:schemeClr val="tx2">
-                <a:lumMod val="60000"/>
-                <a:lumOff val="40000"/>
-              </a:schemeClr>
-            </a:solidFill>
-            <a:prstDash val="solid"/>
-          </a:ln>
-        </p:spPr>
-        <p:style>
-          <a:lnRef idx="1">
-            <a:schemeClr val="accent1"/>
-          </a:lnRef>
-          <a:fillRef idx="3">
-            <a:schemeClr val="accent1"/>
-          </a:fillRef>
-          <a:effectRef idx="2">
-            <a:schemeClr val="accent1"/>
-          </a:effectRef>
-          <a:fontRef idx="minor">
-            <a:schemeClr val="lt1"/>
-          </a:fontRef>
-        </p:style>
-        <p:txBody>
-          <a:bodyPr rtlCol="0" anchor="ctr"/>
-          <a:lstStyle/>
-          <a:p>
-            <a:pPr algn="ctr"/>
-            <a:endParaRPr kumimoji="1" lang="ja-JP" altLang="en-US"/>
-          </a:p>
-        </p:txBody>
-      </p:sp>
-      <p:sp>
-        <p:nvSpPr>
-          <p:cNvPr id="10" name="角丸四角形 9"/>
-          <p:cNvSpPr/>
-          <p:nvPr/>
-        </p:nvSpPr>
-        <p:spPr>
-          <a:xfrm>
-            <a:off x="4260650" y="4145702"/>
-            <a:ext cx="367222" cy="237612"/>
-          </a:xfrm>
-          <a:prstGeom prst="roundRect">
-            <a:avLst/>
-          </a:prstGeom>
-          <a:noFill/>
-          <a:ln w="19050">
-            <a:solidFill>
-              <a:schemeClr val="tx2">
-                <a:lumMod val="60000"/>
-                <a:lumOff val="40000"/>
-              </a:schemeClr>
-            </a:solidFill>
-            <a:prstDash val="solid"/>
-          </a:ln>
-        </p:spPr>
-        <p:style>
-          <a:lnRef idx="1">
-            <a:schemeClr val="accent1"/>
-          </a:lnRef>
-          <a:fillRef idx="3">
-            <a:schemeClr val="accent1"/>
-          </a:fillRef>
-          <a:effectRef idx="2">
-            <a:schemeClr val="accent1"/>
-          </a:effectRef>
-          <a:fontRef idx="minor">
-            <a:schemeClr val="lt1"/>
-          </a:fontRef>
-        </p:style>
-        <p:txBody>
-          <a:bodyPr rtlCol="0" anchor="ctr"/>
-          <a:lstStyle/>
-          <a:p>
-            <a:pPr algn="ctr"/>
-            <a:endParaRPr kumimoji="1" lang="ja-JP" altLang="en-US"/>
-          </a:p>
-        </p:txBody>
-      </p:sp>
-      <p:sp>
-        <p:nvSpPr>
-          <p:cNvPr id="11" name="角丸四角形 10"/>
-          <p:cNvSpPr/>
-          <p:nvPr/>
-        </p:nvSpPr>
-        <p:spPr>
-          <a:xfrm>
-            <a:off x="4791380" y="4145702"/>
-            <a:ext cx="367222" cy="237612"/>
-          </a:xfrm>
-          <a:prstGeom prst="roundRect">
-            <a:avLst/>
-          </a:prstGeom>
-          <a:noFill/>
-          <a:ln w="19050">
-            <a:solidFill>
-              <a:schemeClr val="tx2">
-                <a:lumMod val="60000"/>
-                <a:lumOff val="40000"/>
-              </a:schemeClr>
-            </a:solidFill>
-            <a:prstDash val="solid"/>
-          </a:ln>
-        </p:spPr>
-        <p:style>
-          <a:lnRef idx="1">
-            <a:schemeClr val="accent1"/>
-          </a:lnRef>
-          <a:fillRef idx="3">
-            <a:schemeClr val="accent1"/>
-          </a:fillRef>
-          <a:effectRef idx="2">
-            <a:schemeClr val="accent1"/>
-          </a:effectRef>
-          <a:fontRef idx="minor">
-            <a:schemeClr val="lt1"/>
-          </a:fontRef>
-        </p:style>
-        <p:txBody>
-          <a:bodyPr rtlCol="0" anchor="ctr"/>
-          <a:lstStyle/>
-          <a:p>
-            <a:pPr algn="ctr"/>
-            <a:endParaRPr kumimoji="1" lang="ja-JP" altLang="en-US"/>
-          </a:p>
-        </p:txBody>
-      </p:sp>
-      <p:sp>
-        <p:nvSpPr>
-          <p:cNvPr id="12" name="テキスト ボックス 11"/>
-          <p:cNvSpPr txBox="1"/>
-          <p:nvPr/>
-        </p:nvSpPr>
-        <p:spPr>
-          <a:xfrm>
-            <a:off x="4285307" y="3397918"/>
-            <a:ext cx="442750" cy="369332"/>
-          </a:xfrm>
-          <a:prstGeom prst="rect">
-            <a:avLst/>
-          </a:prstGeom>
-          <a:noFill/>
-        </p:spPr>
-        <p:txBody>
-          <a:bodyPr wrap="none" rtlCol="0">
-            <a:spAutoFit/>
-          </a:bodyPr>
-          <a:lstStyle/>
-          <a:p>
-            <a:r>
-              <a:rPr kumimoji="1" lang="en-US" altLang="ja-JP" dirty="0" smtClean="0"/>
-              <a:t>(1)</a:t>
-            </a:r>
-            <a:endParaRPr kumimoji="1" lang="ja-JP" altLang="en-US" dirty="0"/>
-          </a:p>
-        </p:txBody>
-      </p:sp>
-      <p:sp>
-        <p:nvSpPr>
-          <p:cNvPr id="13" name="テキスト ボックス 12"/>
-          <p:cNvSpPr txBox="1"/>
-          <p:nvPr/>
-        </p:nvSpPr>
-        <p:spPr>
-          <a:xfrm>
-            <a:off x="4010434" y="4326039"/>
-            <a:ext cx="442750" cy="369332"/>
-          </a:xfrm>
-          <a:prstGeom prst="rect">
-            <a:avLst/>
-          </a:prstGeom>
-          <a:noFill/>
-        </p:spPr>
-        <p:txBody>
-          <a:bodyPr wrap="none" rtlCol="0">
-            <a:spAutoFit/>
-          </a:bodyPr>
-          <a:lstStyle/>
-          <a:p>
-            <a:r>
-              <a:rPr kumimoji="1" lang="en-US" altLang="ja-JP" dirty="0" smtClean="0"/>
-              <a:t>(2)</a:t>
-            </a:r>
-            <a:endParaRPr kumimoji="1" lang="ja-JP" altLang="en-US" dirty="0"/>
-          </a:p>
-        </p:txBody>
-      </p:sp>
-      <p:sp>
-        <p:nvSpPr>
-          <p:cNvPr id="14" name="テキスト ボックス 13"/>
-          <p:cNvSpPr txBox="1"/>
-          <p:nvPr/>
-        </p:nvSpPr>
-        <p:spPr>
-          <a:xfrm>
-            <a:off x="4605584" y="4326039"/>
-            <a:ext cx="442750" cy="369332"/>
-          </a:xfrm>
-          <a:prstGeom prst="rect">
-            <a:avLst/>
-          </a:prstGeom>
-          <a:noFill/>
-        </p:spPr>
-        <p:txBody>
-          <a:bodyPr wrap="none" rtlCol="0">
-            <a:spAutoFit/>
-          </a:bodyPr>
-          <a:lstStyle/>
-          <a:p>
-            <a:r>
-              <a:rPr kumimoji="1" lang="en-US" altLang="ja-JP" dirty="0" smtClean="0"/>
-              <a:t>(3)</a:t>
-            </a:r>
-            <a:endParaRPr kumimoji="1" lang="ja-JP" altLang="en-US" dirty="0"/>
-          </a:p>
-        </p:txBody>
-      </p:sp>
-    </p:spTree>
-    <p:extLst>
-      <p:ext uri="{BB962C8B-B14F-4D97-AF65-F5344CB8AC3E}">
-        <p14:creationId xmlns:p14="http://schemas.microsoft.com/office/powerpoint/2010/main" val="792715876"/>
-      </p:ext>
-    </p:extLst>
-  </p:cSld>
-  <p:clrMapOvr>
-    <a:masterClrMapping/>
-  </p:clrMapOvr>
-  <p:timing>
-    <p:tnLst>
-      <p:par>
-        <p:cTn id="1" dur="indefinite" restart="never" nodeType="tmRoot"/>
-      </p:par>
-    </p:tnLst>
-  </p:timing>
-</p:sld>
-</file>
-
-<file path=ppt/slides/slide11.xml><?xml version="1.0" encoding="utf-8"?>
-<p:sld xmlns:a="http://schemas.openxmlformats.org/drawingml/2006/main" xmlns:r="http://schemas.openxmlformats.org/officeDocument/2006/relationships" xmlns:p="http://schemas.openxmlformats.org/presentationml/2006/main">
-  <p:cSld>
-    <p:spTree>
-      <p:nvGrpSpPr>
-        <p:cNvPr id="1" name=""/>
-        <p:cNvGrpSpPr/>
-        <p:nvPr/>
-      </p:nvGrpSpPr>
-      <p:grpSpPr>
-        <a:xfrm>
-          <a:off x="0" y="0"/>
-          <a:ext cx="0" cy="0"/>
-          <a:chOff x="0" y="0"/>
-          <a:chExt cx="0" cy="0"/>
-        </a:xfrm>
-      </p:grpSpPr>
-      <p:pic>
-        <p:nvPicPr>
-          <p:cNvPr id="7" name="Picture 4"/>
-          <p:cNvPicPr>
-            <a:picLocks noChangeAspect="1" noChangeArrowheads="1"/>
-          </p:cNvPicPr>
-          <p:nvPr/>
-        </p:nvPicPr>
-        <p:blipFill>
-          <a:blip r:embed="rId2">
-            <a:extLst>
-              <a:ext uri="{28A0092B-C50C-407E-A947-70E740481C1C}">
-                <a14:useLocalDpi xmlns:a14="http://schemas.microsoft.com/office/drawing/2010/main" val="0"/>
-              </a:ext>
-            </a:extLst>
-          </a:blip>
-          <a:srcRect/>
-          <a:stretch>
-            <a:fillRect/>
-          </a:stretch>
-        </p:blipFill>
-        <p:spPr bwMode="auto">
-          <a:xfrm>
-            <a:off x="2493510" y="1724528"/>
-            <a:ext cx="3558947" cy="2159555"/>
-          </a:xfrm>
-          <a:prstGeom prst="rect">
-            <a:avLst/>
-          </a:prstGeom>
-          <a:noFill/>
-          <a:ln>
-            <a:noFill/>
-          </a:ln>
-          <a:extLst>
-            <a:ext uri="{909E8E84-426E-40DD-AFC4-6F175D3DCCD1}">
-              <a14:hiddenFill xmlns:a14="http://schemas.microsoft.com/office/drawing/2010/main">
-                <a:solidFill>
-                  <a:schemeClr val="accent1"/>
-                </a:solidFill>
-              </a14:hiddenFill>
-            </a:ext>
-            <a:ext uri="{91240B29-F687-4F45-9708-019B960494DF}">
-              <a14:hiddenLine xmlns:a14="http://schemas.microsoft.com/office/drawing/2010/main" w="9525">
-                <a:solidFill>
-                  <a:schemeClr val="tx1"/>
-                </a:solidFill>
-                <a:miter lim="800000"/>
-                <a:headEnd/>
-                <a:tailEnd/>
-              </a14:hiddenLine>
-            </a:ext>
-          </a:extLst>
-        </p:spPr>
-      </p:pic>
-      <p:sp>
-        <p:nvSpPr>
-          <p:cNvPr id="8" name="角丸四角形 7"/>
-          <p:cNvSpPr/>
-          <p:nvPr/>
-        </p:nvSpPr>
-        <p:spPr>
-          <a:xfrm>
-            <a:off x="4176711" y="3106991"/>
-            <a:ext cx="397673" cy="298444"/>
-          </a:xfrm>
-          <a:prstGeom prst="roundRect">
-            <a:avLst/>
-          </a:prstGeom>
-          <a:noFill/>
-          <a:ln w="19050">
-            <a:solidFill>
-              <a:schemeClr val="tx2">
-                <a:lumMod val="60000"/>
-                <a:lumOff val="40000"/>
-              </a:schemeClr>
-            </a:solidFill>
-            <a:prstDash val="solid"/>
-          </a:ln>
-        </p:spPr>
-        <p:style>
-          <a:lnRef idx="1">
-            <a:schemeClr val="accent1"/>
-          </a:lnRef>
-          <a:fillRef idx="3">
-            <a:schemeClr val="accent1"/>
-          </a:fillRef>
-          <a:effectRef idx="2">
-            <a:schemeClr val="accent1"/>
-          </a:effectRef>
-          <a:fontRef idx="minor">
-            <a:schemeClr val="lt1"/>
-          </a:fontRef>
-        </p:style>
-        <p:txBody>
-          <a:bodyPr rtlCol="0" anchor="ctr"/>
-          <a:lstStyle/>
-          <a:p>
-            <a:pPr algn="ctr"/>
-            <a:endParaRPr kumimoji="1" lang="ja-JP" altLang="en-US"/>
-          </a:p>
-        </p:txBody>
-      </p:sp>
-      <p:sp>
-        <p:nvSpPr>
-          <p:cNvPr id="9" name="角丸四角形 8"/>
-          <p:cNvSpPr/>
-          <p:nvPr/>
-        </p:nvSpPr>
-        <p:spPr>
-          <a:xfrm>
-            <a:off x="4700139" y="3092477"/>
-            <a:ext cx="397673" cy="298444"/>
-          </a:xfrm>
-          <a:prstGeom prst="roundRect">
-            <a:avLst/>
-          </a:prstGeom>
-          <a:noFill/>
-          <a:ln w="19050">
-            <a:solidFill>
-              <a:schemeClr val="tx2">
-                <a:lumMod val="60000"/>
-                <a:lumOff val="40000"/>
-              </a:schemeClr>
-            </a:solidFill>
-            <a:prstDash val="solid"/>
-          </a:ln>
-        </p:spPr>
-        <p:style>
-          <a:lnRef idx="1">
-            <a:schemeClr val="accent1"/>
-          </a:lnRef>
-          <a:fillRef idx="3">
-            <a:schemeClr val="accent1"/>
-          </a:fillRef>
-          <a:effectRef idx="2">
-            <a:schemeClr val="accent1"/>
-          </a:effectRef>
-          <a:fontRef idx="minor">
-            <a:schemeClr val="lt1"/>
-          </a:fontRef>
-        </p:style>
-        <p:txBody>
-          <a:bodyPr rtlCol="0" anchor="ctr"/>
-          <a:lstStyle/>
-          <a:p>
-            <a:pPr algn="ctr"/>
-            <a:endParaRPr kumimoji="1" lang="ja-JP" altLang="en-US"/>
-          </a:p>
-        </p:txBody>
-      </p:sp>
-      <p:sp>
-        <p:nvSpPr>
-          <p:cNvPr id="10" name="テキスト ボックス 9"/>
-          <p:cNvSpPr txBox="1"/>
-          <p:nvPr/>
-        </p:nvSpPr>
-        <p:spPr>
-          <a:xfrm>
-            <a:off x="4015323" y="2768020"/>
-            <a:ext cx="442750" cy="369332"/>
-          </a:xfrm>
-          <a:prstGeom prst="rect">
-            <a:avLst/>
-          </a:prstGeom>
-          <a:noFill/>
-        </p:spPr>
-        <p:txBody>
-          <a:bodyPr wrap="none" rtlCol="0">
-            <a:spAutoFit/>
-          </a:bodyPr>
-          <a:lstStyle/>
-          <a:p>
-            <a:r>
-              <a:rPr kumimoji="1" lang="en-US" altLang="ja-JP" dirty="0" smtClean="0"/>
-              <a:t>(4)</a:t>
-            </a:r>
-            <a:endParaRPr kumimoji="1" lang="ja-JP" altLang="en-US" dirty="0"/>
-          </a:p>
-        </p:txBody>
-      </p:sp>
-      <p:sp>
-        <p:nvSpPr>
-          <p:cNvPr id="11" name="テキスト ボックス 10"/>
-          <p:cNvSpPr txBox="1"/>
-          <p:nvPr/>
-        </p:nvSpPr>
-        <p:spPr>
-          <a:xfrm>
-            <a:off x="4567127" y="2756555"/>
-            <a:ext cx="442750" cy="369332"/>
-          </a:xfrm>
-          <a:prstGeom prst="rect">
-            <a:avLst/>
-          </a:prstGeom>
-          <a:noFill/>
-        </p:spPr>
-        <p:txBody>
-          <a:bodyPr wrap="none" rtlCol="0">
-            <a:spAutoFit/>
-          </a:bodyPr>
-          <a:lstStyle/>
-          <a:p>
-            <a:r>
-              <a:rPr kumimoji="1" lang="en-US" altLang="ja-JP" dirty="0" smtClean="0"/>
-              <a:t>(5)</a:t>
-            </a:r>
-            <a:endParaRPr kumimoji="1" lang="ja-JP" altLang="en-US" dirty="0"/>
-          </a:p>
-        </p:txBody>
-      </p:sp>
-    </p:spTree>
-    <p:extLst>
-      <p:ext uri="{BB962C8B-B14F-4D97-AF65-F5344CB8AC3E}">
-        <p14:creationId xmlns:p14="http://schemas.microsoft.com/office/powerpoint/2010/main" val="287039117"/>
-      </p:ext>
-    </p:extLst>
-  </p:cSld>
-  <p:clrMapOvr>
-    <a:masterClrMapping/>
-  </p:clrMapOvr>
-  <p:timing>
-    <p:tnLst>
-      <p:par>
-        <p:cTn id="1" dur="indefinite" restart="never" nodeType="tmRoot"/>
-      </p:par>
-    </p:tnLst>
-  </p:timing>
-</p:sld>
-</file>
-
-<file path=ppt/slides/slide12.xml><?xml version="1.0" encoding="utf-8"?>
-<p:sld xmlns:a="http://schemas.openxmlformats.org/drawingml/2006/main" xmlns:r="http://schemas.openxmlformats.org/officeDocument/2006/relationships" xmlns:p="http://schemas.openxmlformats.org/presentationml/2006/main">
-  <p:cSld>
-    <p:spTree>
-      <p:nvGrpSpPr>
-        <p:cNvPr id="1" name=""/>
-        <p:cNvGrpSpPr/>
-        <p:nvPr/>
-      </p:nvGrpSpPr>
-      <p:grpSpPr>
-        <a:xfrm>
-          <a:off x="0" y="0"/>
-          <a:ext cx="0" cy="0"/>
-          <a:chOff x="0" y="0"/>
-          <a:chExt cx="0" cy="0"/>
-        </a:xfrm>
-      </p:grpSpPr>
-      <p:pic>
-        <p:nvPicPr>
-          <p:cNvPr id="4098" name="Picture 2"/>
-          <p:cNvPicPr>
-            <a:picLocks noChangeAspect="1" noChangeArrowheads="1"/>
-          </p:cNvPicPr>
-          <p:nvPr/>
-        </p:nvPicPr>
-        <p:blipFill>
-          <a:blip r:embed="rId2">
-            <a:extLst>
-              <a:ext uri="{28A0092B-C50C-407E-A947-70E740481C1C}">
-                <a14:useLocalDpi xmlns:a14="http://schemas.microsoft.com/office/drawing/2010/main" val="0"/>
-              </a:ext>
-            </a:extLst>
-          </a:blip>
-          <a:srcRect/>
-          <a:stretch>
-            <a:fillRect/>
-          </a:stretch>
-        </p:blipFill>
-        <p:spPr bwMode="auto">
-          <a:xfrm>
-            <a:off x="2048102" y="1629909"/>
-            <a:ext cx="4772025" cy="695325"/>
-          </a:xfrm>
-          <a:prstGeom prst="rect">
-            <a:avLst/>
-          </a:prstGeom>
-          <a:noFill/>
-          <a:ln>
-            <a:noFill/>
-          </a:ln>
-          <a:extLst>
-            <a:ext uri="{909E8E84-426E-40DD-AFC4-6F175D3DCCD1}">
-              <a14:hiddenFill xmlns:a14="http://schemas.microsoft.com/office/drawing/2010/main">
-                <a:solidFill>
-                  <a:schemeClr val="accent1"/>
-                </a:solidFill>
-              </a14:hiddenFill>
-            </a:ext>
-            <a:ext uri="{91240B29-F687-4F45-9708-019B960494DF}">
-              <a14:hiddenLine xmlns:a14="http://schemas.microsoft.com/office/drawing/2010/main" w="9525">
-                <a:solidFill>
-                  <a:schemeClr val="tx1"/>
-                </a:solidFill>
-                <a:miter lim="800000"/>
-                <a:headEnd/>
-                <a:tailEnd/>
-              </a14:hiddenLine>
-            </a:ext>
-          </a:extLst>
-        </p:spPr>
-      </p:pic>
-      <p:sp>
-        <p:nvSpPr>
-          <p:cNvPr id="7" name="線吹き出し 2 (枠付き) 6"/>
-          <p:cNvSpPr/>
-          <p:nvPr/>
-        </p:nvSpPr>
-        <p:spPr>
-          <a:xfrm>
-            <a:off x="3686628" y="2396219"/>
-            <a:ext cx="1690916" cy="535667"/>
-          </a:xfrm>
-          <a:prstGeom prst="borderCallout2">
-            <a:avLst>
-              <a:gd name="adj1" fmla="val 18750"/>
-              <a:gd name="adj2" fmla="val -8333"/>
-              <a:gd name="adj3" fmla="val 7018"/>
-              <a:gd name="adj4" fmla="val -22667"/>
-              <a:gd name="adj5" fmla="val -45625"/>
-              <a:gd name="adj6" fmla="val -73786"/>
-            </a:avLst>
-          </a:prstGeom>
-          <a:solidFill>
-            <a:schemeClr val="bg1"/>
-          </a:solidFill>
-          <a:ln w="19050"/>
-        </p:spPr>
-        <p:style>
-          <a:lnRef idx="1">
-            <a:schemeClr val="accent1"/>
-          </a:lnRef>
-          <a:fillRef idx="3">
-            <a:schemeClr val="accent1"/>
-          </a:fillRef>
-          <a:effectRef idx="2">
-            <a:schemeClr val="accent1"/>
-          </a:effectRef>
-          <a:fontRef idx="minor">
-            <a:schemeClr val="lt1"/>
-          </a:fontRef>
-        </p:style>
-        <p:txBody>
-          <a:bodyPr rtlCol="0" anchor="ctr"/>
-          <a:lstStyle/>
-          <a:p>
-            <a:pPr algn="ctr"/>
-            <a:r>
-              <a:rPr lang="en-US" altLang="ja-JP" dirty="0" smtClean="0">
-                <a:solidFill>
-                  <a:schemeClr val="tx1"/>
-                </a:solidFill>
-              </a:rPr>
-              <a:t>Removed</a:t>
-            </a:r>
-            <a:r>
-              <a:rPr lang="en-US" altLang="ja-JP" dirty="0">
-                <a:solidFill>
-                  <a:schemeClr val="tx1"/>
-                </a:solidFill>
-              </a:rPr>
-              <a:t>.</a:t>
-            </a:r>
-            <a:endParaRPr kumimoji="1" lang="ja-JP" altLang="en-US" dirty="0">
-              <a:solidFill>
-                <a:schemeClr val="tx1"/>
-              </a:solidFill>
-            </a:endParaRPr>
-          </a:p>
-        </p:txBody>
-      </p:sp>
-      <p:cxnSp>
-        <p:nvCxnSpPr>
-          <p:cNvPr id="8" name="直線コネクタ 7"/>
-          <p:cNvCxnSpPr/>
-          <p:nvPr/>
-        </p:nvCxnSpPr>
-        <p:spPr>
-          <a:xfrm flipV="1">
-            <a:off x="5493657" y="2136325"/>
-            <a:ext cx="950568" cy="519790"/>
-          </a:xfrm>
-          <a:prstGeom prst="line">
-            <a:avLst/>
-          </a:prstGeom>
-        </p:spPr>
-        <p:style>
-          <a:lnRef idx="2">
-            <a:schemeClr val="accent1"/>
-          </a:lnRef>
-          <a:fillRef idx="0">
-            <a:schemeClr val="accent1"/>
-          </a:fillRef>
-          <a:effectRef idx="1">
-            <a:schemeClr val="accent1"/>
-          </a:effectRef>
-          <a:fontRef idx="minor">
-            <a:schemeClr val="tx1"/>
-          </a:fontRef>
-        </p:style>
-      </p:cxnSp>
-      <p:pic>
-        <p:nvPicPr>
-          <p:cNvPr id="4099" name="Picture 3"/>
-          <p:cNvPicPr>
-            <a:picLocks noChangeAspect="1" noChangeArrowheads="1"/>
-          </p:cNvPicPr>
-          <p:nvPr/>
-        </p:nvPicPr>
-        <p:blipFill>
-          <a:blip r:embed="rId3">
-            <a:extLst>
-              <a:ext uri="{28A0092B-C50C-407E-A947-70E740481C1C}">
-                <a14:useLocalDpi xmlns:a14="http://schemas.microsoft.com/office/drawing/2010/main" val="0"/>
-              </a:ext>
-            </a:extLst>
-          </a:blip>
-          <a:srcRect/>
-          <a:stretch>
-            <a:fillRect/>
-          </a:stretch>
-        </p:blipFill>
-        <p:spPr bwMode="auto">
-          <a:xfrm>
-            <a:off x="6444225" y="1763945"/>
-            <a:ext cx="409575" cy="361950"/>
-          </a:xfrm>
-          <a:prstGeom prst="rect">
-            <a:avLst/>
-          </a:prstGeom>
-          <a:noFill/>
-          <a:ln>
-            <a:noFill/>
-          </a:ln>
-          <a:extLst>
-            <a:ext uri="{909E8E84-426E-40DD-AFC4-6F175D3DCCD1}">
-              <a14:hiddenFill xmlns:a14="http://schemas.microsoft.com/office/drawing/2010/main">
-                <a:solidFill>
-                  <a:schemeClr val="accent1"/>
-                </a:solidFill>
-              </a14:hiddenFill>
-            </a:ext>
-            <a:ext uri="{91240B29-F687-4F45-9708-019B960494DF}">
-              <a14:hiddenLine xmlns:a14="http://schemas.microsoft.com/office/drawing/2010/main" w="9525">
-                <a:solidFill>
-                  <a:schemeClr val="tx1"/>
-                </a:solidFill>
-                <a:miter lim="800000"/>
-                <a:headEnd/>
-                <a:tailEnd/>
-              </a14:hiddenLine>
-            </a:ext>
-          </a:extLst>
-        </p:spPr>
-      </p:pic>
-      <p:sp>
-        <p:nvSpPr>
-          <p:cNvPr id="15" name="角丸四角形 14"/>
-          <p:cNvSpPr/>
-          <p:nvPr/>
-        </p:nvSpPr>
-        <p:spPr>
-          <a:xfrm>
-            <a:off x="6444225" y="1747166"/>
-            <a:ext cx="397673" cy="389159"/>
-          </a:xfrm>
-          <a:prstGeom prst="roundRect">
-            <a:avLst/>
-          </a:prstGeom>
-          <a:noFill/>
-          <a:ln w="19050">
-            <a:solidFill>
-              <a:schemeClr val="tx2">
-                <a:lumMod val="60000"/>
-                <a:lumOff val="40000"/>
-              </a:schemeClr>
-            </a:solidFill>
-            <a:prstDash val="dash"/>
-          </a:ln>
-        </p:spPr>
-        <p:style>
-          <a:lnRef idx="1">
-            <a:schemeClr val="accent1"/>
-          </a:lnRef>
-          <a:fillRef idx="3">
-            <a:schemeClr val="accent1"/>
-          </a:fillRef>
-          <a:effectRef idx="2">
-            <a:schemeClr val="accent1"/>
-          </a:effectRef>
-          <a:fontRef idx="minor">
-            <a:schemeClr val="lt1"/>
-          </a:fontRef>
-        </p:style>
-        <p:txBody>
-          <a:bodyPr rtlCol="0" anchor="ctr"/>
-          <a:lstStyle/>
-          <a:p>
-            <a:pPr algn="ctr"/>
-            <a:endParaRPr kumimoji="1" lang="ja-JP" altLang="en-US"/>
-          </a:p>
-        </p:txBody>
-      </p:sp>
-      <p:pic>
-        <p:nvPicPr>
-          <p:cNvPr id="4100" name="Picture 4"/>
-          <p:cNvPicPr>
-            <a:picLocks noChangeAspect="1" noChangeArrowheads="1"/>
-          </p:cNvPicPr>
-          <p:nvPr/>
-        </p:nvPicPr>
-        <p:blipFill>
-          <a:blip r:embed="rId4">
-            <a:extLst>
-              <a:ext uri="{28A0092B-C50C-407E-A947-70E740481C1C}">
-                <a14:useLocalDpi xmlns:a14="http://schemas.microsoft.com/office/drawing/2010/main" val="0"/>
-              </a:ext>
-            </a:extLst>
-          </a:blip>
-          <a:srcRect/>
-          <a:stretch>
-            <a:fillRect/>
-          </a:stretch>
-        </p:blipFill>
-        <p:spPr bwMode="auto">
-          <a:xfrm>
-            <a:off x="2091534" y="1771202"/>
-            <a:ext cx="400050" cy="323850"/>
-          </a:xfrm>
-          <a:prstGeom prst="rect">
-            <a:avLst/>
-          </a:prstGeom>
-          <a:noFill/>
-          <a:ln>
-            <a:noFill/>
-          </a:ln>
-          <a:extLst>
-            <a:ext uri="{909E8E84-426E-40DD-AFC4-6F175D3DCCD1}">
-              <a14:hiddenFill xmlns:a14="http://schemas.microsoft.com/office/drawing/2010/main">
-                <a:solidFill>
-                  <a:schemeClr val="accent1"/>
-                </a:solidFill>
-              </a14:hiddenFill>
-            </a:ext>
-            <a:ext uri="{91240B29-F687-4F45-9708-019B960494DF}">
-              <a14:hiddenLine xmlns:a14="http://schemas.microsoft.com/office/drawing/2010/main" w="9525">
-                <a:solidFill>
-                  <a:schemeClr val="tx1"/>
-                </a:solidFill>
-                <a:miter lim="800000"/>
-                <a:headEnd/>
-                <a:tailEnd/>
-              </a14:hiddenLine>
-            </a:ext>
-          </a:extLst>
-        </p:spPr>
-      </p:pic>
-      <p:sp>
-        <p:nvSpPr>
-          <p:cNvPr id="18" name="角丸四角形 17"/>
-          <p:cNvSpPr/>
-          <p:nvPr/>
-        </p:nvSpPr>
-        <p:spPr>
-          <a:xfrm>
-            <a:off x="2093911" y="1769397"/>
-            <a:ext cx="397673" cy="389159"/>
-          </a:xfrm>
-          <a:prstGeom prst="roundRect">
-            <a:avLst/>
-          </a:prstGeom>
-          <a:noFill/>
-          <a:ln w="19050">
-            <a:solidFill>
-              <a:schemeClr val="tx2">
-                <a:lumMod val="60000"/>
-                <a:lumOff val="40000"/>
-              </a:schemeClr>
-            </a:solidFill>
-            <a:prstDash val="dash"/>
-          </a:ln>
-        </p:spPr>
-        <p:style>
-          <a:lnRef idx="1">
-            <a:schemeClr val="accent1"/>
-          </a:lnRef>
-          <a:fillRef idx="3">
-            <a:schemeClr val="accent1"/>
-          </a:fillRef>
-          <a:effectRef idx="2">
-            <a:schemeClr val="accent1"/>
-          </a:effectRef>
-          <a:fontRef idx="minor">
-            <a:schemeClr val="lt1"/>
-          </a:fontRef>
-        </p:style>
-        <p:txBody>
-          <a:bodyPr rtlCol="0" anchor="ctr"/>
-          <a:lstStyle/>
-          <a:p>
-            <a:pPr algn="ctr"/>
-            <a:endParaRPr kumimoji="1" lang="ja-JP" altLang="en-US"/>
-          </a:p>
-        </p:txBody>
-      </p:sp>
-      <p:sp>
-        <p:nvSpPr>
-          <p:cNvPr id="19" name="乗算記号 18"/>
-          <p:cNvSpPr/>
-          <p:nvPr/>
-        </p:nvSpPr>
-        <p:spPr>
-          <a:xfrm>
-            <a:off x="6485585" y="1791610"/>
-            <a:ext cx="314951" cy="326572"/>
-          </a:xfrm>
-          <a:prstGeom prst="mathMultiply">
-            <a:avLst/>
-          </a:prstGeom>
-          <a:gradFill>
-            <a:gsLst>
-              <a:gs pos="0">
-                <a:schemeClr val="dk1">
-                  <a:tint val="100000"/>
-                  <a:shade val="100000"/>
-                  <a:satMod val="130000"/>
-                  <a:alpha val="0"/>
-                </a:schemeClr>
-              </a:gs>
-              <a:gs pos="100000">
-                <a:schemeClr val="dk1">
-                  <a:tint val="50000"/>
-                  <a:shade val="100000"/>
-                  <a:satMod val="350000"/>
-                </a:schemeClr>
-              </a:gs>
-            </a:gsLst>
-          </a:gradFill>
-        </p:spPr>
-        <p:style>
-          <a:lnRef idx="1">
-            <a:schemeClr val="dk1"/>
-          </a:lnRef>
-          <a:fillRef idx="3">
-            <a:schemeClr val="dk1"/>
-          </a:fillRef>
-          <a:effectRef idx="2">
-            <a:schemeClr val="dk1"/>
-          </a:effectRef>
-          <a:fontRef idx="minor">
-            <a:schemeClr val="lt1"/>
-          </a:fontRef>
-        </p:style>
-        <p:txBody>
-          <a:bodyPr rtlCol="0" anchor="ctr"/>
-          <a:lstStyle/>
-          <a:p>
-            <a:pPr algn="ctr"/>
-            <a:endParaRPr kumimoji="1" lang="ja-JP" altLang="en-US"/>
-          </a:p>
-        </p:txBody>
-      </p:sp>
-      <p:sp>
-        <p:nvSpPr>
-          <p:cNvPr id="20" name="乗算記号 19"/>
-          <p:cNvSpPr/>
-          <p:nvPr/>
-        </p:nvSpPr>
-        <p:spPr>
-          <a:xfrm>
-            <a:off x="2135271" y="1803862"/>
-            <a:ext cx="314951" cy="326572"/>
-          </a:xfrm>
-          <a:prstGeom prst="mathMultiply">
-            <a:avLst/>
-          </a:prstGeom>
-          <a:gradFill>
-            <a:gsLst>
-              <a:gs pos="0">
-                <a:schemeClr val="dk1">
-                  <a:tint val="100000"/>
-                  <a:shade val="100000"/>
-                  <a:satMod val="130000"/>
-                  <a:alpha val="0"/>
-                </a:schemeClr>
-              </a:gs>
-              <a:gs pos="100000">
-                <a:schemeClr val="dk1">
-                  <a:tint val="50000"/>
-                  <a:shade val="100000"/>
-                  <a:satMod val="350000"/>
-                </a:schemeClr>
-              </a:gs>
-            </a:gsLst>
-          </a:gradFill>
-        </p:spPr>
-        <p:style>
-          <a:lnRef idx="1">
-            <a:schemeClr val="dk1"/>
-          </a:lnRef>
-          <a:fillRef idx="3">
-            <a:schemeClr val="dk1"/>
-          </a:fillRef>
-          <a:effectRef idx="2">
-            <a:schemeClr val="dk1"/>
-          </a:effectRef>
-          <a:fontRef idx="minor">
-            <a:schemeClr val="lt1"/>
-          </a:fontRef>
-        </p:style>
-        <p:txBody>
-          <a:bodyPr rtlCol="0" anchor="ctr"/>
-          <a:lstStyle/>
-          <a:p>
-            <a:pPr algn="ctr"/>
-            <a:endParaRPr kumimoji="1" lang="ja-JP" altLang="en-US"/>
-          </a:p>
-        </p:txBody>
-      </p:sp>
-    </p:spTree>
-    <p:extLst>
-      <p:ext uri="{BB962C8B-B14F-4D97-AF65-F5344CB8AC3E}">
-        <p14:creationId xmlns:p14="http://schemas.microsoft.com/office/powerpoint/2010/main" val="1438657672"/>
-      </p:ext>
-    </p:extLst>
-  </p:cSld>
-  <p:clrMapOvr>
-    <a:masterClrMapping/>
-  </p:clrMapOvr>
-  <p:timing>
-    <p:tnLst>
-      <p:par>
-        <p:cTn id="1" dur="indefinite" restart="never" nodeType="tmRoot"/>
-      </p:par>
-    </p:tnLst>
-  </p:timing>
-</p:sld>
-</file>
-
-<file path=ppt/slides/slide13.xml><?xml version="1.0" encoding="utf-8"?>
-<p:sld xmlns:a="http://schemas.openxmlformats.org/drawingml/2006/main" xmlns:r="http://schemas.openxmlformats.org/officeDocument/2006/relationships" xmlns:p="http://schemas.openxmlformats.org/presentationml/2006/main">
-  <p:cSld>
-    <p:spTree>
-      <p:nvGrpSpPr>
-        <p:cNvPr id="1" name=""/>
-        <p:cNvGrpSpPr/>
-        <p:nvPr/>
-      </p:nvGrpSpPr>
-      <p:grpSpPr>
-        <a:xfrm>
-          <a:off x="0" y="0"/>
-          <a:ext cx="0" cy="0"/>
-          <a:chOff x="0" y="0"/>
-          <a:chExt cx="0" cy="0"/>
-        </a:xfrm>
-      </p:grpSpPr>
-      <p:pic>
-        <p:nvPicPr>
-          <p:cNvPr id="5122" name="Picture 2"/>
-          <p:cNvPicPr>
-            <a:picLocks noChangeAspect="1" noChangeArrowheads="1"/>
-          </p:cNvPicPr>
-          <p:nvPr/>
-        </p:nvPicPr>
-        <p:blipFill>
-          <a:blip r:embed="rId2">
-            <a:extLst>
-              <a:ext uri="{28A0092B-C50C-407E-A947-70E740481C1C}">
-                <a14:useLocalDpi xmlns:a14="http://schemas.microsoft.com/office/drawing/2010/main" val="0"/>
-              </a:ext>
-            </a:extLst>
-          </a:blip>
-          <a:srcRect/>
-          <a:stretch>
-            <a:fillRect/>
-          </a:stretch>
-        </p:blipFill>
-        <p:spPr bwMode="auto">
-          <a:xfrm>
-            <a:off x="2362200" y="2358359"/>
-            <a:ext cx="4419600" cy="733425"/>
-          </a:xfrm>
-          <a:prstGeom prst="rect">
-            <a:avLst/>
-          </a:prstGeom>
-          <a:noFill/>
-          <a:ln>
-            <a:noFill/>
-          </a:ln>
-          <a:extLst>
-            <a:ext uri="{909E8E84-426E-40DD-AFC4-6F175D3DCCD1}">
-              <a14:hiddenFill xmlns:a14="http://schemas.microsoft.com/office/drawing/2010/main">
-                <a:solidFill>
-                  <a:schemeClr val="accent1"/>
-                </a:solidFill>
-              </a14:hiddenFill>
-            </a:ext>
-            <a:ext uri="{91240B29-F687-4F45-9708-019B960494DF}">
-              <a14:hiddenLine xmlns:a14="http://schemas.microsoft.com/office/drawing/2010/main" w="9525">
-                <a:solidFill>
-                  <a:schemeClr val="tx1"/>
-                </a:solidFill>
-                <a:miter lim="800000"/>
-                <a:headEnd/>
-                <a:tailEnd/>
-              </a14:hiddenLine>
-            </a:ext>
-          </a:extLst>
-        </p:spPr>
-      </p:pic>
-      <p:sp>
-        <p:nvSpPr>
-          <p:cNvPr id="5" name="角丸四角形 4"/>
-          <p:cNvSpPr/>
-          <p:nvPr/>
-        </p:nvSpPr>
-        <p:spPr>
-          <a:xfrm>
-            <a:off x="2671586" y="3215837"/>
-            <a:ext cx="397673" cy="389159"/>
-          </a:xfrm>
-          <a:prstGeom prst="roundRect">
-            <a:avLst/>
-          </a:prstGeom>
-          <a:noFill/>
-          <a:ln w="19050">
-            <a:solidFill>
-              <a:schemeClr val="tx2">
-                <a:lumMod val="60000"/>
-                <a:lumOff val="40000"/>
-              </a:schemeClr>
-            </a:solidFill>
-            <a:prstDash val="dash"/>
-          </a:ln>
-        </p:spPr>
-        <p:style>
-          <a:lnRef idx="1">
-            <a:schemeClr val="accent1"/>
-          </a:lnRef>
-          <a:fillRef idx="3">
-            <a:schemeClr val="accent1"/>
-          </a:fillRef>
-          <a:effectRef idx="2">
-            <a:schemeClr val="accent1"/>
-          </a:effectRef>
-          <a:fontRef idx="minor">
-            <a:schemeClr val="lt1"/>
-          </a:fontRef>
-        </p:style>
-        <p:txBody>
-          <a:bodyPr rtlCol="0" anchor="ctr"/>
-          <a:lstStyle/>
-          <a:p>
-            <a:pPr algn="ctr"/>
-            <a:endParaRPr kumimoji="1" lang="ja-JP" altLang="en-US"/>
-          </a:p>
-        </p:txBody>
-      </p:sp>
-      <p:cxnSp>
-        <p:nvCxnSpPr>
-          <p:cNvPr id="6" name="直線矢印コネクタ 5"/>
-          <p:cNvCxnSpPr/>
-          <p:nvPr/>
-        </p:nvCxnSpPr>
-        <p:spPr>
-          <a:xfrm flipV="1">
-            <a:off x="2896761" y="2893797"/>
-            <a:ext cx="0" cy="312057"/>
-          </a:xfrm>
-          <a:prstGeom prst="straightConnector1">
-            <a:avLst/>
-          </a:prstGeom>
-          <a:ln>
-            <a:tailEnd type="arrow"/>
-          </a:ln>
-        </p:spPr>
-        <p:style>
-          <a:lnRef idx="2">
-            <a:schemeClr val="accent1"/>
-          </a:lnRef>
-          <a:fillRef idx="0">
-            <a:schemeClr val="accent1"/>
-          </a:fillRef>
-          <a:effectRef idx="1">
-            <a:schemeClr val="accent1"/>
-          </a:effectRef>
-          <a:fontRef idx="minor">
-            <a:schemeClr val="tx1"/>
-          </a:fontRef>
-        </p:style>
-      </p:cxnSp>
-      <p:sp>
-        <p:nvSpPr>
-          <p:cNvPr id="12" name="線吹き出し 2 (枠付き) 11"/>
-          <p:cNvSpPr/>
-          <p:nvPr/>
-        </p:nvSpPr>
-        <p:spPr>
-          <a:xfrm>
-            <a:off x="3726542" y="3883947"/>
-            <a:ext cx="1690916" cy="535667"/>
-          </a:xfrm>
-          <a:prstGeom prst="borderCallout2">
-            <a:avLst>
-              <a:gd name="adj1" fmla="val 18750"/>
-              <a:gd name="adj2" fmla="val -8333"/>
-              <a:gd name="adj3" fmla="val -1111"/>
-              <a:gd name="adj4" fmla="val -21809"/>
-              <a:gd name="adj5" fmla="val -41561"/>
-              <a:gd name="adj6" fmla="val -45031"/>
-            </a:avLst>
-          </a:prstGeom>
-          <a:solidFill>
-            <a:schemeClr val="bg1"/>
-          </a:solidFill>
-          <a:ln w="19050"/>
-        </p:spPr>
-        <p:style>
-          <a:lnRef idx="1">
-            <a:schemeClr val="accent1"/>
-          </a:lnRef>
-          <a:fillRef idx="3">
-            <a:schemeClr val="accent1"/>
-          </a:fillRef>
-          <a:effectRef idx="2">
-            <a:schemeClr val="accent1"/>
-          </a:effectRef>
-          <a:fontRef idx="minor">
-            <a:schemeClr val="lt1"/>
-          </a:fontRef>
-        </p:style>
-        <p:txBody>
-          <a:bodyPr rtlCol="0" anchor="ctr"/>
-          <a:lstStyle/>
-          <a:p>
-            <a:pPr algn="ctr"/>
-            <a:r>
-              <a:rPr lang="en-US" altLang="ja-JP" dirty="0" smtClean="0">
-                <a:solidFill>
-                  <a:schemeClr val="tx1"/>
-                </a:solidFill>
-              </a:rPr>
-              <a:t>Removed</a:t>
-            </a:r>
-            <a:r>
-              <a:rPr lang="en-US" altLang="ja-JP" dirty="0">
-                <a:solidFill>
-                  <a:schemeClr val="tx1"/>
-                </a:solidFill>
-              </a:rPr>
-              <a:t>.</a:t>
-            </a:r>
-            <a:endParaRPr kumimoji="1" lang="ja-JP" altLang="en-US" dirty="0">
-              <a:solidFill>
-                <a:schemeClr val="tx1"/>
-              </a:solidFill>
-            </a:endParaRPr>
-          </a:p>
-        </p:txBody>
-      </p:sp>
-      <p:sp>
-        <p:nvSpPr>
-          <p:cNvPr id="13" name="角丸四角形 12"/>
-          <p:cNvSpPr/>
-          <p:nvPr/>
-        </p:nvSpPr>
-        <p:spPr>
-          <a:xfrm>
-            <a:off x="5879242" y="3211306"/>
-            <a:ext cx="397673" cy="389159"/>
-          </a:xfrm>
-          <a:prstGeom prst="roundRect">
-            <a:avLst/>
-          </a:prstGeom>
-          <a:noFill/>
-          <a:ln w="19050">
-            <a:solidFill>
-              <a:schemeClr val="tx2">
-                <a:lumMod val="60000"/>
-                <a:lumOff val="40000"/>
-              </a:schemeClr>
-            </a:solidFill>
-            <a:prstDash val="dash"/>
-          </a:ln>
-        </p:spPr>
-        <p:style>
-          <a:lnRef idx="1">
-            <a:schemeClr val="accent1"/>
-          </a:lnRef>
-          <a:fillRef idx="3">
-            <a:schemeClr val="accent1"/>
-          </a:fillRef>
-          <a:effectRef idx="2">
-            <a:schemeClr val="accent1"/>
-          </a:effectRef>
-          <a:fontRef idx="minor">
-            <a:schemeClr val="lt1"/>
-          </a:fontRef>
-        </p:style>
-        <p:txBody>
-          <a:bodyPr rtlCol="0" anchor="ctr"/>
-          <a:lstStyle/>
-          <a:p>
-            <a:pPr algn="ctr"/>
-            <a:endParaRPr kumimoji="1" lang="ja-JP" altLang="en-US"/>
-          </a:p>
-        </p:txBody>
-      </p:sp>
-      <p:cxnSp>
-        <p:nvCxnSpPr>
-          <p:cNvPr id="14" name="直線矢印コネクタ 13"/>
-          <p:cNvCxnSpPr/>
-          <p:nvPr/>
-        </p:nvCxnSpPr>
-        <p:spPr>
-          <a:xfrm flipV="1">
-            <a:off x="6104417" y="2889266"/>
-            <a:ext cx="0" cy="312057"/>
-          </a:xfrm>
-          <a:prstGeom prst="straightConnector1">
-            <a:avLst/>
-          </a:prstGeom>
-          <a:ln>
-            <a:tailEnd type="arrow"/>
-          </a:ln>
-        </p:spPr>
-        <p:style>
-          <a:lnRef idx="2">
-            <a:schemeClr val="accent1"/>
-          </a:lnRef>
-          <a:fillRef idx="0">
-            <a:schemeClr val="accent1"/>
-          </a:fillRef>
-          <a:effectRef idx="1">
-            <a:schemeClr val="accent1"/>
-          </a:effectRef>
-          <a:fontRef idx="minor">
-            <a:schemeClr val="tx1"/>
-          </a:fontRef>
-        </p:style>
-      </p:cxnSp>
-      <p:cxnSp>
-        <p:nvCxnSpPr>
-          <p:cNvPr id="16" name="直線コネクタ 15"/>
-          <p:cNvCxnSpPr/>
-          <p:nvPr/>
-        </p:nvCxnSpPr>
-        <p:spPr>
-          <a:xfrm flipV="1">
-            <a:off x="5448411" y="3686642"/>
-            <a:ext cx="447429" cy="338360"/>
-          </a:xfrm>
-          <a:prstGeom prst="line">
-            <a:avLst/>
-          </a:prstGeom>
-        </p:spPr>
-        <p:style>
-          <a:lnRef idx="2">
-            <a:schemeClr val="accent1"/>
-          </a:lnRef>
-          <a:fillRef idx="0">
-            <a:schemeClr val="accent1"/>
-          </a:fillRef>
-          <a:effectRef idx="1">
-            <a:schemeClr val="accent1"/>
-          </a:effectRef>
-          <a:fontRef idx="minor">
-            <a:schemeClr val="tx1"/>
-          </a:fontRef>
-        </p:style>
-      </p:cxnSp>
-      <p:pic>
-        <p:nvPicPr>
-          <p:cNvPr id="5123" name="Picture 3"/>
-          <p:cNvPicPr>
-            <a:picLocks noChangeAspect="1" noChangeArrowheads="1"/>
-          </p:cNvPicPr>
-          <p:nvPr/>
-        </p:nvPicPr>
-        <p:blipFill>
-          <a:blip r:embed="rId3">
-            <a:extLst>
-              <a:ext uri="{28A0092B-C50C-407E-A947-70E740481C1C}">
-                <a14:useLocalDpi xmlns:a14="http://schemas.microsoft.com/office/drawing/2010/main" val="0"/>
-              </a:ext>
-            </a:extLst>
-          </a:blip>
-          <a:srcRect/>
-          <a:stretch>
-            <a:fillRect/>
-          </a:stretch>
-        </p:blipFill>
-        <p:spPr bwMode="auto">
-          <a:xfrm>
-            <a:off x="5916153" y="3257565"/>
-            <a:ext cx="323850" cy="342900"/>
-          </a:xfrm>
-          <a:prstGeom prst="rect">
-            <a:avLst/>
-          </a:prstGeom>
-          <a:noFill/>
-          <a:ln>
-            <a:noFill/>
-          </a:ln>
-          <a:extLst>
-            <a:ext uri="{909E8E84-426E-40DD-AFC4-6F175D3DCCD1}">
-              <a14:hiddenFill xmlns:a14="http://schemas.microsoft.com/office/drawing/2010/main">
-                <a:solidFill>
-                  <a:schemeClr val="accent1"/>
-                </a:solidFill>
-              </a14:hiddenFill>
-            </a:ext>
-            <a:ext uri="{91240B29-F687-4F45-9708-019B960494DF}">
-              <a14:hiddenLine xmlns:a14="http://schemas.microsoft.com/office/drawing/2010/main" w="9525">
-                <a:solidFill>
-                  <a:schemeClr val="tx1"/>
-                </a:solidFill>
-                <a:miter lim="800000"/>
-                <a:headEnd/>
-                <a:tailEnd/>
-              </a14:hiddenLine>
-            </a:ext>
-          </a:extLst>
-        </p:spPr>
-      </p:pic>
-      <p:pic>
-        <p:nvPicPr>
-          <p:cNvPr id="5124" name="Picture 4"/>
-          <p:cNvPicPr>
-            <a:picLocks noChangeAspect="1" noChangeArrowheads="1"/>
-          </p:cNvPicPr>
-          <p:nvPr/>
-        </p:nvPicPr>
-        <p:blipFill>
-          <a:blip r:embed="rId4">
-            <a:extLst>
-              <a:ext uri="{28A0092B-C50C-407E-A947-70E740481C1C}">
-                <a14:useLocalDpi xmlns:a14="http://schemas.microsoft.com/office/drawing/2010/main" val="0"/>
-              </a:ext>
-            </a:extLst>
-          </a:blip>
-          <a:srcRect/>
-          <a:stretch>
-            <a:fillRect/>
-          </a:stretch>
-        </p:blipFill>
-        <p:spPr bwMode="auto">
-          <a:xfrm>
-            <a:off x="2708497" y="3257565"/>
-            <a:ext cx="323850" cy="314325"/>
-          </a:xfrm>
-          <a:prstGeom prst="rect">
-            <a:avLst/>
-          </a:prstGeom>
-          <a:noFill/>
-          <a:ln>
-            <a:noFill/>
-          </a:ln>
-          <a:extLst>
-            <a:ext uri="{909E8E84-426E-40DD-AFC4-6F175D3DCCD1}">
-              <a14:hiddenFill xmlns:a14="http://schemas.microsoft.com/office/drawing/2010/main">
-                <a:solidFill>
-                  <a:schemeClr val="accent1"/>
-                </a:solidFill>
-              </a14:hiddenFill>
-            </a:ext>
-            <a:ext uri="{91240B29-F687-4F45-9708-019B960494DF}">
-              <a14:hiddenLine xmlns:a14="http://schemas.microsoft.com/office/drawing/2010/main" w="9525">
-                <a:solidFill>
-                  <a:schemeClr val="tx1"/>
-                </a:solidFill>
-                <a:miter lim="800000"/>
-                <a:headEnd/>
-                <a:tailEnd/>
-              </a14:hiddenLine>
-            </a:ext>
-          </a:extLst>
-        </p:spPr>
-      </p:pic>
-      <p:sp>
-        <p:nvSpPr>
-          <p:cNvPr id="21" name="乗算記号 20"/>
-          <p:cNvSpPr/>
-          <p:nvPr/>
-        </p:nvSpPr>
-        <p:spPr>
-          <a:xfrm>
-            <a:off x="5925052" y="3257565"/>
-            <a:ext cx="314951" cy="326572"/>
-          </a:xfrm>
-          <a:prstGeom prst="mathMultiply">
-            <a:avLst/>
-          </a:prstGeom>
-          <a:gradFill>
-            <a:gsLst>
-              <a:gs pos="0">
-                <a:schemeClr val="dk1">
-                  <a:tint val="100000"/>
-                  <a:shade val="100000"/>
-                  <a:satMod val="130000"/>
-                  <a:alpha val="0"/>
-                </a:schemeClr>
-              </a:gs>
-              <a:gs pos="100000">
-                <a:schemeClr val="dk1">
-                  <a:tint val="50000"/>
-                  <a:shade val="100000"/>
-                  <a:satMod val="350000"/>
-                </a:schemeClr>
-              </a:gs>
-            </a:gsLst>
-          </a:gradFill>
-        </p:spPr>
-        <p:style>
-          <a:lnRef idx="1">
-            <a:schemeClr val="dk1"/>
-          </a:lnRef>
-          <a:fillRef idx="3">
-            <a:schemeClr val="dk1"/>
-          </a:fillRef>
-          <a:effectRef idx="2">
-            <a:schemeClr val="dk1"/>
-          </a:effectRef>
-          <a:fontRef idx="minor">
-            <a:schemeClr val="lt1"/>
-          </a:fontRef>
-        </p:style>
-        <p:txBody>
-          <a:bodyPr rtlCol="0" anchor="ctr"/>
-          <a:lstStyle/>
-          <a:p>
-            <a:pPr algn="ctr"/>
-            <a:endParaRPr kumimoji="1" lang="ja-JP" altLang="en-US"/>
-          </a:p>
-        </p:txBody>
-      </p:sp>
-      <p:sp>
-        <p:nvSpPr>
-          <p:cNvPr id="22" name="乗算記号 21"/>
-          <p:cNvSpPr/>
-          <p:nvPr/>
-        </p:nvSpPr>
-        <p:spPr>
-          <a:xfrm>
-            <a:off x="2739285" y="3273893"/>
-            <a:ext cx="314951" cy="326572"/>
-          </a:xfrm>
-          <a:prstGeom prst="mathMultiply">
-            <a:avLst/>
-          </a:prstGeom>
-          <a:gradFill>
-            <a:gsLst>
-              <a:gs pos="0">
-                <a:schemeClr val="dk1">
-                  <a:tint val="100000"/>
-                  <a:shade val="100000"/>
-                  <a:satMod val="130000"/>
-                  <a:alpha val="0"/>
-                </a:schemeClr>
-              </a:gs>
-              <a:gs pos="100000">
-                <a:schemeClr val="dk1">
-                  <a:tint val="50000"/>
-                  <a:shade val="100000"/>
-                  <a:satMod val="350000"/>
-                </a:schemeClr>
-              </a:gs>
-            </a:gsLst>
-          </a:gradFill>
-        </p:spPr>
-        <p:style>
-          <a:lnRef idx="1">
-            <a:schemeClr val="dk1"/>
-          </a:lnRef>
-          <a:fillRef idx="3">
-            <a:schemeClr val="dk1"/>
-          </a:fillRef>
-          <a:effectRef idx="2">
-            <a:schemeClr val="dk1"/>
-          </a:effectRef>
-          <a:fontRef idx="minor">
-            <a:schemeClr val="lt1"/>
-          </a:fontRef>
-        </p:style>
-        <p:txBody>
-          <a:bodyPr rtlCol="0" anchor="ctr"/>
-          <a:lstStyle/>
-          <a:p>
-            <a:pPr algn="ctr"/>
-            <a:endParaRPr kumimoji="1" lang="ja-JP" altLang="en-US"/>
-          </a:p>
-        </p:txBody>
-      </p:sp>
-    </p:spTree>
-    <p:extLst>
-      <p:ext uri="{BB962C8B-B14F-4D97-AF65-F5344CB8AC3E}">
-        <p14:creationId xmlns:p14="http://schemas.microsoft.com/office/powerpoint/2010/main" val="1273982592"/>
-      </p:ext>
-    </p:extLst>
-  </p:cSld>
-  <p:clrMapOvr>
-    <a:masterClrMapping/>
-  </p:clrMapOvr>
-  <p:timing>
-    <p:tnLst>
-      <p:par>
-        <p:cTn id="1" dur="indefinite" restart="never" nodeType="tmRoot"/>
-      </p:par>
-    </p:tnLst>
-  </p:timing>
-</p:sld>
-</file>
-
-<file path=ppt/slides/slide14.xml><?xml version="1.0" encoding="utf-8"?>
-<p:sld xmlns:a="http://schemas.openxmlformats.org/drawingml/2006/main" xmlns:r="http://schemas.openxmlformats.org/officeDocument/2006/relationships" xmlns:p="http://schemas.openxmlformats.org/presentationml/2006/main">
-  <p:cSld>
-    <p:spTree>
-      <p:nvGrpSpPr>
-        <p:cNvPr id="1" name=""/>
-        <p:cNvGrpSpPr/>
-        <p:nvPr/>
-      </p:nvGrpSpPr>
-      <p:grpSpPr>
-        <a:xfrm>
-          <a:off x="0" y="0"/>
-          <a:ext cx="0" cy="0"/>
-          <a:chOff x="0" y="0"/>
-          <a:chExt cx="0" cy="0"/>
-        </a:xfrm>
-      </p:grpSpPr>
-      <p:pic>
-        <p:nvPicPr>
-          <p:cNvPr id="1027" name="Picture 3"/>
-          <p:cNvPicPr>
-            <a:picLocks noChangeAspect="1" noChangeArrowheads="1"/>
-          </p:cNvPicPr>
-          <p:nvPr/>
-        </p:nvPicPr>
-        <p:blipFill>
-          <a:blip r:embed="rId2">
-            <a:extLst>
-              <a:ext uri="{28A0092B-C50C-407E-A947-70E740481C1C}">
-                <a14:useLocalDpi xmlns:a14="http://schemas.microsoft.com/office/drawing/2010/main" val="0"/>
-              </a:ext>
-            </a:extLst>
-          </a:blip>
-          <a:srcRect/>
-          <a:stretch>
-            <a:fillRect/>
-          </a:stretch>
-        </p:blipFill>
-        <p:spPr bwMode="auto">
-          <a:xfrm>
-            <a:off x="1909990" y="1048199"/>
-            <a:ext cx="4743450" cy="552450"/>
-          </a:xfrm>
-          <a:prstGeom prst="rect">
-            <a:avLst/>
-          </a:prstGeom>
-          <a:noFill/>
-          <a:ln>
-            <a:noFill/>
-          </a:ln>
-          <a:extLst>
-            <a:ext uri="{909E8E84-426E-40DD-AFC4-6F175D3DCCD1}">
-              <a14:hiddenFill xmlns:a14="http://schemas.microsoft.com/office/drawing/2010/main">
-                <a:solidFill>
-                  <a:schemeClr val="accent1"/>
-                </a:solidFill>
-              </a14:hiddenFill>
-            </a:ext>
-            <a:ext uri="{91240B29-F687-4F45-9708-019B960494DF}">
-              <a14:hiddenLine xmlns:a14="http://schemas.microsoft.com/office/drawing/2010/main" w="9525">
-                <a:solidFill>
-                  <a:schemeClr val="tx1"/>
-                </a:solidFill>
-                <a:miter lim="800000"/>
-                <a:headEnd/>
-                <a:tailEnd/>
-              </a14:hiddenLine>
-            </a:ext>
-          </a:extLst>
-        </p:spPr>
-      </p:pic>
-      <p:pic>
-        <p:nvPicPr>
-          <p:cNvPr id="1028" name="Picture 4"/>
-          <p:cNvPicPr>
-            <a:picLocks noChangeAspect="1" noChangeArrowheads="1"/>
-          </p:cNvPicPr>
-          <p:nvPr/>
-        </p:nvPicPr>
-        <p:blipFill>
-          <a:blip r:embed="rId3">
-            <a:extLst>
-              <a:ext uri="{28A0092B-C50C-407E-A947-70E740481C1C}">
-                <a14:useLocalDpi xmlns:a14="http://schemas.microsoft.com/office/drawing/2010/main" val="0"/>
-              </a:ext>
-            </a:extLst>
-          </a:blip>
-          <a:srcRect/>
-          <a:stretch>
-            <a:fillRect/>
-          </a:stretch>
-        </p:blipFill>
-        <p:spPr bwMode="auto">
-          <a:xfrm>
-            <a:off x="1621745" y="2364222"/>
-            <a:ext cx="4391025" cy="561975"/>
-          </a:xfrm>
-          <a:prstGeom prst="rect">
-            <a:avLst/>
-          </a:prstGeom>
-          <a:noFill/>
-          <a:ln>
-            <a:noFill/>
-          </a:ln>
-          <a:extLst>
-            <a:ext uri="{909E8E84-426E-40DD-AFC4-6F175D3DCCD1}">
-              <a14:hiddenFill xmlns:a14="http://schemas.microsoft.com/office/drawing/2010/main">
-                <a:solidFill>
-                  <a:schemeClr val="accent1"/>
-                </a:solidFill>
-              </a14:hiddenFill>
-            </a:ext>
-            <a:ext uri="{91240B29-F687-4F45-9708-019B960494DF}">
-              <a14:hiddenLine xmlns:a14="http://schemas.microsoft.com/office/drawing/2010/main" w="9525">
-                <a:solidFill>
-                  <a:schemeClr val="tx1"/>
-                </a:solidFill>
-                <a:miter lim="800000"/>
-                <a:headEnd/>
-                <a:tailEnd/>
-              </a14:hiddenLine>
-            </a:ext>
-          </a:extLst>
-        </p:spPr>
-      </p:pic>
-      <p:pic>
-        <p:nvPicPr>
-          <p:cNvPr id="1029" name="Picture 5"/>
-          <p:cNvPicPr>
-            <a:picLocks noChangeAspect="1" noChangeArrowheads="1"/>
-          </p:cNvPicPr>
-          <p:nvPr/>
-        </p:nvPicPr>
-        <p:blipFill>
-          <a:blip r:embed="rId4">
-            <a:extLst>
-              <a:ext uri="{28A0092B-C50C-407E-A947-70E740481C1C}">
-                <a14:useLocalDpi xmlns:a14="http://schemas.microsoft.com/office/drawing/2010/main" val="0"/>
-              </a:ext>
-            </a:extLst>
-          </a:blip>
-          <a:srcRect/>
-          <a:stretch>
-            <a:fillRect/>
-          </a:stretch>
-        </p:blipFill>
-        <p:spPr bwMode="auto">
-          <a:xfrm>
-            <a:off x="1762125" y="1627178"/>
-            <a:ext cx="742950" cy="361950"/>
-          </a:xfrm>
-          <a:prstGeom prst="rect">
-            <a:avLst/>
-          </a:prstGeom>
-          <a:noFill/>
-          <a:ln>
-            <a:noFill/>
-          </a:ln>
-          <a:extLst>
-            <a:ext uri="{909E8E84-426E-40DD-AFC4-6F175D3DCCD1}">
-              <a14:hiddenFill xmlns:a14="http://schemas.microsoft.com/office/drawing/2010/main">
-                <a:solidFill>
-                  <a:schemeClr val="accent1"/>
-                </a:solidFill>
-              </a14:hiddenFill>
-            </a:ext>
-            <a:ext uri="{91240B29-F687-4F45-9708-019B960494DF}">
-              <a14:hiddenLine xmlns:a14="http://schemas.microsoft.com/office/drawing/2010/main" w="9525">
-                <a:solidFill>
-                  <a:schemeClr val="tx1"/>
-                </a:solidFill>
-                <a:miter lim="800000"/>
-                <a:headEnd/>
-                <a:tailEnd/>
-              </a14:hiddenLine>
-            </a:ext>
-          </a:extLst>
-        </p:spPr>
-      </p:pic>
-      <p:pic>
-        <p:nvPicPr>
-          <p:cNvPr id="1031" name="Picture 7"/>
-          <p:cNvPicPr>
-            <a:picLocks noChangeAspect="1" noChangeArrowheads="1"/>
-          </p:cNvPicPr>
-          <p:nvPr/>
-        </p:nvPicPr>
-        <p:blipFill>
-          <a:blip r:embed="rId5">
-            <a:extLst>
-              <a:ext uri="{28A0092B-C50C-407E-A947-70E740481C1C}">
-                <a14:useLocalDpi xmlns:a14="http://schemas.microsoft.com/office/drawing/2010/main" val="0"/>
-              </a:ext>
-            </a:extLst>
-          </a:blip>
-          <a:srcRect/>
-          <a:stretch>
-            <a:fillRect/>
-          </a:stretch>
-        </p:blipFill>
-        <p:spPr bwMode="auto">
-          <a:xfrm>
-            <a:off x="5775323" y="1954415"/>
-            <a:ext cx="723900" cy="352425"/>
-          </a:xfrm>
-          <a:prstGeom prst="rect">
-            <a:avLst/>
-          </a:prstGeom>
-          <a:noFill/>
-          <a:ln>
-            <a:noFill/>
-          </a:ln>
-          <a:extLst>
-            <a:ext uri="{909E8E84-426E-40DD-AFC4-6F175D3DCCD1}">
-              <a14:hiddenFill xmlns:a14="http://schemas.microsoft.com/office/drawing/2010/main">
-                <a:solidFill>
-                  <a:schemeClr val="accent1"/>
-                </a:solidFill>
-              </a14:hiddenFill>
-            </a:ext>
-            <a:ext uri="{91240B29-F687-4F45-9708-019B960494DF}">
-              <a14:hiddenLine xmlns:a14="http://schemas.microsoft.com/office/drawing/2010/main" w="9525">
-                <a:solidFill>
-                  <a:schemeClr val="tx1"/>
-                </a:solidFill>
-                <a:miter lim="800000"/>
-                <a:headEnd/>
-                <a:tailEnd/>
-              </a14:hiddenLine>
-            </a:ext>
-          </a:extLst>
-        </p:spPr>
-      </p:pic>
-      <p:sp>
-        <p:nvSpPr>
-          <p:cNvPr id="10" name="角丸四角形 9"/>
-          <p:cNvSpPr/>
-          <p:nvPr/>
-        </p:nvSpPr>
-        <p:spPr>
-          <a:xfrm>
-            <a:off x="1769382" y="1606316"/>
-            <a:ext cx="742950" cy="389159"/>
-          </a:xfrm>
-          <a:prstGeom prst="roundRect">
-            <a:avLst/>
-          </a:prstGeom>
-          <a:noFill/>
-          <a:ln w="19050">
-            <a:solidFill>
-              <a:schemeClr val="tx2">
-                <a:lumMod val="60000"/>
-                <a:lumOff val="40000"/>
-              </a:schemeClr>
-            </a:solidFill>
-            <a:prstDash val="dash"/>
-          </a:ln>
-        </p:spPr>
-        <p:style>
-          <a:lnRef idx="1">
-            <a:schemeClr val="accent1"/>
-          </a:lnRef>
-          <a:fillRef idx="3">
-            <a:schemeClr val="accent1"/>
-          </a:fillRef>
-          <a:effectRef idx="2">
-            <a:schemeClr val="accent1"/>
-          </a:effectRef>
-          <a:fontRef idx="minor">
-            <a:schemeClr val="lt1"/>
-          </a:fontRef>
-        </p:style>
-        <p:txBody>
-          <a:bodyPr rtlCol="0" anchor="ctr"/>
-          <a:lstStyle/>
-          <a:p>
-            <a:pPr algn="ctr"/>
-            <a:endParaRPr kumimoji="1" lang="ja-JP" altLang="en-US"/>
-          </a:p>
-        </p:txBody>
-      </p:sp>
-      <p:sp>
-        <p:nvSpPr>
-          <p:cNvPr id="11" name="角丸四角形 10"/>
-          <p:cNvSpPr/>
-          <p:nvPr/>
-        </p:nvSpPr>
-        <p:spPr>
-          <a:xfrm>
-            <a:off x="5758541" y="1932195"/>
-            <a:ext cx="742950" cy="389159"/>
-          </a:xfrm>
-          <a:prstGeom prst="roundRect">
-            <a:avLst/>
-          </a:prstGeom>
-          <a:noFill/>
-          <a:ln w="19050">
-            <a:solidFill>
-              <a:schemeClr val="tx2">
-                <a:lumMod val="60000"/>
-                <a:lumOff val="40000"/>
-              </a:schemeClr>
-            </a:solidFill>
-            <a:prstDash val="dash"/>
-          </a:ln>
-        </p:spPr>
-        <p:style>
-          <a:lnRef idx="1">
-            <a:schemeClr val="accent1"/>
-          </a:lnRef>
-          <a:fillRef idx="3">
-            <a:schemeClr val="accent1"/>
-          </a:fillRef>
-          <a:effectRef idx="2">
-            <a:schemeClr val="accent1"/>
-          </a:effectRef>
-          <a:fontRef idx="minor">
-            <a:schemeClr val="lt1"/>
-          </a:fontRef>
-        </p:style>
-        <p:txBody>
-          <a:bodyPr rtlCol="0" anchor="ctr"/>
-          <a:lstStyle/>
-          <a:p>
-            <a:pPr algn="ctr"/>
-            <a:endParaRPr kumimoji="1" lang="ja-JP" altLang="en-US"/>
-          </a:p>
-        </p:txBody>
-      </p:sp>
-      <p:sp>
-        <p:nvSpPr>
-          <p:cNvPr id="12" name="乗算記号 11"/>
-          <p:cNvSpPr/>
-          <p:nvPr/>
-        </p:nvSpPr>
-        <p:spPr>
-          <a:xfrm>
-            <a:off x="1983381" y="1644867"/>
-            <a:ext cx="314951" cy="326572"/>
-          </a:xfrm>
-          <a:prstGeom prst="mathMultiply">
-            <a:avLst/>
-          </a:prstGeom>
-          <a:gradFill>
-            <a:gsLst>
-              <a:gs pos="0">
-                <a:schemeClr val="dk1">
-                  <a:tint val="100000"/>
-                  <a:shade val="100000"/>
-                  <a:satMod val="130000"/>
-                  <a:alpha val="0"/>
-                </a:schemeClr>
-              </a:gs>
-              <a:gs pos="100000">
-                <a:schemeClr val="dk1">
-                  <a:tint val="50000"/>
-                  <a:shade val="100000"/>
-                  <a:satMod val="350000"/>
-                </a:schemeClr>
-              </a:gs>
-            </a:gsLst>
-          </a:gradFill>
-        </p:spPr>
-        <p:style>
-          <a:lnRef idx="1">
-            <a:schemeClr val="dk1"/>
-          </a:lnRef>
-          <a:fillRef idx="3">
-            <a:schemeClr val="dk1"/>
-          </a:fillRef>
-          <a:effectRef idx="2">
-            <a:schemeClr val="dk1"/>
-          </a:effectRef>
-          <a:fontRef idx="minor">
-            <a:schemeClr val="lt1"/>
-          </a:fontRef>
-        </p:style>
-        <p:txBody>
-          <a:bodyPr rtlCol="0" anchor="ctr"/>
-          <a:lstStyle/>
-          <a:p>
-            <a:pPr algn="ctr"/>
-            <a:endParaRPr kumimoji="1" lang="ja-JP" altLang="en-US"/>
-          </a:p>
-        </p:txBody>
-      </p:sp>
-      <p:sp>
-        <p:nvSpPr>
-          <p:cNvPr id="13" name="乗算記号 12"/>
-          <p:cNvSpPr/>
-          <p:nvPr/>
-        </p:nvSpPr>
-        <p:spPr>
-          <a:xfrm>
-            <a:off x="5936253" y="1973011"/>
-            <a:ext cx="314951" cy="326572"/>
-          </a:xfrm>
-          <a:prstGeom prst="mathMultiply">
-            <a:avLst/>
-          </a:prstGeom>
-          <a:gradFill>
-            <a:gsLst>
-              <a:gs pos="0">
-                <a:schemeClr val="dk1">
-                  <a:tint val="100000"/>
-                  <a:shade val="100000"/>
-                  <a:satMod val="130000"/>
-                  <a:alpha val="0"/>
-                </a:schemeClr>
-              </a:gs>
-              <a:gs pos="100000">
-                <a:schemeClr val="dk1">
-                  <a:tint val="50000"/>
-                  <a:shade val="100000"/>
-                  <a:satMod val="350000"/>
-                </a:schemeClr>
-              </a:gs>
-            </a:gsLst>
-          </a:gradFill>
-        </p:spPr>
-        <p:style>
-          <a:lnRef idx="1">
-            <a:schemeClr val="dk1"/>
-          </a:lnRef>
-          <a:fillRef idx="3">
-            <a:schemeClr val="dk1"/>
-          </a:fillRef>
-          <a:effectRef idx="2">
-            <a:schemeClr val="dk1"/>
-          </a:effectRef>
-          <a:fontRef idx="minor">
-            <a:schemeClr val="lt1"/>
-          </a:fontRef>
-        </p:style>
-        <p:txBody>
-          <a:bodyPr rtlCol="0" anchor="ctr"/>
-          <a:lstStyle/>
-          <a:p>
-            <a:pPr algn="ctr"/>
-            <a:endParaRPr kumimoji="1" lang="ja-JP" altLang="en-US"/>
-          </a:p>
-        </p:txBody>
-      </p:sp>
-      <p:sp>
-        <p:nvSpPr>
-          <p:cNvPr id="15" name="線吹き出し 2 (枠付き) 14"/>
-          <p:cNvSpPr/>
-          <p:nvPr/>
-        </p:nvSpPr>
-        <p:spPr>
-          <a:xfrm>
-            <a:off x="3436257" y="1763916"/>
-            <a:ext cx="1690916" cy="535667"/>
-          </a:xfrm>
-          <a:prstGeom prst="borderCallout2">
-            <a:avLst>
-              <a:gd name="adj1" fmla="val 18750"/>
-              <a:gd name="adj2" fmla="val -8333"/>
-              <a:gd name="adj3" fmla="val 12437"/>
-              <a:gd name="adj4" fmla="val -23526"/>
-              <a:gd name="adj5" fmla="val -2272"/>
-              <a:gd name="adj6" fmla="val -48894"/>
-            </a:avLst>
-          </a:prstGeom>
-          <a:solidFill>
-            <a:schemeClr val="bg1"/>
-          </a:solidFill>
-          <a:ln w="19050"/>
-        </p:spPr>
-        <p:style>
-          <a:lnRef idx="1">
-            <a:schemeClr val="accent1"/>
-          </a:lnRef>
-          <a:fillRef idx="3">
-            <a:schemeClr val="accent1"/>
-          </a:fillRef>
-          <a:effectRef idx="2">
-            <a:schemeClr val="accent1"/>
-          </a:effectRef>
-          <a:fontRef idx="minor">
-            <a:schemeClr val="lt1"/>
-          </a:fontRef>
-        </p:style>
-        <p:txBody>
-          <a:bodyPr rtlCol="0" anchor="ctr"/>
-          <a:lstStyle/>
-          <a:p>
-            <a:pPr algn="ctr"/>
-            <a:r>
-              <a:rPr lang="en-US" altLang="ja-JP" dirty="0" smtClean="0">
-                <a:solidFill>
-                  <a:schemeClr val="tx1"/>
-                </a:solidFill>
-              </a:rPr>
-              <a:t>Hide</a:t>
-            </a:r>
-            <a:r>
-              <a:rPr lang="en-US" altLang="ja-JP" dirty="0">
-                <a:solidFill>
-                  <a:schemeClr val="tx1"/>
-                </a:solidFill>
-              </a:rPr>
-              <a:t>.</a:t>
-            </a:r>
-            <a:endParaRPr kumimoji="1" lang="ja-JP" altLang="en-US" dirty="0">
-              <a:solidFill>
-                <a:schemeClr val="tx1"/>
-              </a:solidFill>
-            </a:endParaRPr>
-          </a:p>
-        </p:txBody>
-      </p:sp>
-      <p:cxnSp>
-        <p:nvCxnSpPr>
-          <p:cNvPr id="16" name="直線コネクタ 15"/>
-          <p:cNvCxnSpPr/>
-          <p:nvPr/>
-        </p:nvCxnSpPr>
-        <p:spPr>
-          <a:xfrm>
-            <a:off x="5210629" y="2031749"/>
-            <a:ext cx="478971" cy="167160"/>
-          </a:xfrm>
-          <a:prstGeom prst="line">
-            <a:avLst/>
-          </a:prstGeom>
-        </p:spPr>
-        <p:style>
-          <a:lnRef idx="2">
-            <a:schemeClr val="accent1"/>
-          </a:lnRef>
-          <a:fillRef idx="0">
-            <a:schemeClr val="accent1"/>
-          </a:fillRef>
-          <a:effectRef idx="1">
-            <a:schemeClr val="accent1"/>
-          </a:effectRef>
-          <a:fontRef idx="minor">
-            <a:schemeClr val="tx1"/>
-          </a:fontRef>
-        </p:style>
-      </p:cxnSp>
-    </p:spTree>
-    <p:extLst>
-      <p:ext uri="{BB962C8B-B14F-4D97-AF65-F5344CB8AC3E}">
-        <p14:creationId xmlns:p14="http://schemas.microsoft.com/office/powerpoint/2010/main" val="3222136932"/>
-      </p:ext>
-    </p:extLst>
-  </p:cSld>
-  <p:clrMapOvr>
-    <a:masterClrMapping/>
-  </p:clrMapOvr>
-  <p:timing>
-    <p:tnLst>
-      <p:par>
-        <p:cTn id="1" dur="indefinite" restart="never" nodeType="tmRoot"/>
-      </p:par>
-    </p:tnLst>
-  </p:timing>
-</p:sld>
-</file>
-
-<file path=ppt/slides/slide15.xml><?xml version="1.0" encoding="utf-8"?>
-<p:sld xmlns:a="http://schemas.openxmlformats.org/drawingml/2006/main" xmlns:r="http://schemas.openxmlformats.org/officeDocument/2006/relationships" xmlns:p="http://schemas.openxmlformats.org/presentationml/2006/main">
-  <p:cSld>
-    <p:spTree>
-      <p:nvGrpSpPr>
-        <p:cNvPr id="1" name=""/>
-        <p:cNvGrpSpPr/>
-        <p:nvPr/>
-      </p:nvGrpSpPr>
-      <p:grpSpPr>
-        <a:xfrm>
-          <a:off x="0" y="0"/>
-          <a:ext cx="0" cy="0"/>
-          <a:chOff x="0" y="0"/>
-          <a:chExt cx="0" cy="0"/>
-        </a:xfrm>
-      </p:grpSpPr>
-      <p:pic>
-        <p:nvPicPr>
-          <p:cNvPr id="2050" name="Picture 2"/>
-          <p:cNvPicPr>
-            <a:picLocks noChangeAspect="1" noChangeArrowheads="1"/>
-          </p:cNvPicPr>
-          <p:nvPr/>
-        </p:nvPicPr>
-        <p:blipFill>
-          <a:blip r:embed="rId2">
-            <a:extLst>
-              <a:ext uri="{28A0092B-C50C-407E-A947-70E740481C1C}">
-                <a14:useLocalDpi xmlns:a14="http://schemas.microsoft.com/office/drawing/2010/main" val="0"/>
-              </a:ext>
-            </a:extLst>
-          </a:blip>
-          <a:srcRect/>
-          <a:stretch>
-            <a:fillRect/>
-          </a:stretch>
-        </p:blipFill>
-        <p:spPr bwMode="auto">
-          <a:xfrm>
-            <a:off x="2890838" y="3152775"/>
-            <a:ext cx="3362325" cy="552450"/>
-          </a:xfrm>
-          <a:prstGeom prst="rect">
-            <a:avLst/>
-          </a:prstGeom>
-          <a:noFill/>
-          <a:ln>
-            <a:noFill/>
-          </a:ln>
-          <a:extLst>
-            <a:ext uri="{909E8E84-426E-40DD-AFC4-6F175D3DCCD1}">
-              <a14:hiddenFill xmlns:a14="http://schemas.microsoft.com/office/drawing/2010/main">
-                <a:solidFill>
-                  <a:schemeClr val="accent1"/>
-                </a:solidFill>
-              </a14:hiddenFill>
-            </a:ext>
-            <a:ext uri="{91240B29-F687-4F45-9708-019B960494DF}">
-              <a14:hiddenLine xmlns:a14="http://schemas.microsoft.com/office/drawing/2010/main" w="9525">
-                <a:solidFill>
-                  <a:schemeClr val="tx1"/>
-                </a:solidFill>
-                <a:miter lim="800000"/>
-                <a:headEnd/>
-                <a:tailEnd/>
-              </a14:hiddenLine>
-            </a:ext>
-          </a:extLst>
-        </p:spPr>
-      </p:pic>
-      <p:sp>
-        <p:nvSpPr>
-          <p:cNvPr id="5" name="角丸四角形 4"/>
-          <p:cNvSpPr/>
-          <p:nvPr/>
-        </p:nvSpPr>
-        <p:spPr>
-          <a:xfrm>
-            <a:off x="3724728" y="3181593"/>
-            <a:ext cx="1689101" cy="468749"/>
-          </a:xfrm>
-          <a:prstGeom prst="roundRect">
-            <a:avLst/>
-          </a:prstGeom>
-          <a:noFill/>
-          <a:ln w="19050">
-            <a:solidFill>
-              <a:schemeClr val="tx2">
-                <a:lumMod val="60000"/>
-                <a:lumOff val="40000"/>
-              </a:schemeClr>
-            </a:solidFill>
-            <a:prstDash val="solid"/>
-          </a:ln>
-        </p:spPr>
-        <p:style>
-          <a:lnRef idx="1">
-            <a:schemeClr val="accent1"/>
-          </a:lnRef>
-          <a:fillRef idx="3">
-            <a:schemeClr val="accent1"/>
-          </a:fillRef>
-          <a:effectRef idx="2">
-            <a:schemeClr val="accent1"/>
-          </a:effectRef>
-          <a:fontRef idx="minor">
-            <a:schemeClr val="lt1"/>
-          </a:fontRef>
-        </p:style>
-        <p:txBody>
-          <a:bodyPr rtlCol="0" anchor="ctr"/>
-          <a:lstStyle/>
-          <a:p>
-            <a:pPr algn="ctr"/>
-            <a:endParaRPr kumimoji="1" lang="ja-JP" altLang="en-US"/>
-          </a:p>
-        </p:txBody>
-      </p:sp>
-      <p:sp>
-        <p:nvSpPr>
-          <p:cNvPr id="6" name="線吹き出し 2 (枠付き) 5"/>
-          <p:cNvSpPr/>
-          <p:nvPr/>
-        </p:nvSpPr>
-        <p:spPr>
-          <a:xfrm>
-            <a:off x="5214258" y="1690914"/>
-            <a:ext cx="1868714" cy="1139371"/>
-          </a:xfrm>
-          <a:prstGeom prst="borderCallout2">
-            <a:avLst>
-              <a:gd name="adj1" fmla="val 81070"/>
-              <a:gd name="adj2" fmla="val -5329"/>
-              <a:gd name="adj3" fmla="val 81531"/>
-              <a:gd name="adj4" fmla="val -18376"/>
-              <a:gd name="adj5" fmla="val 128202"/>
-              <a:gd name="adj6" fmla="val -34630"/>
-            </a:avLst>
-          </a:prstGeom>
-          <a:solidFill>
-            <a:schemeClr val="bg1"/>
-          </a:solidFill>
-          <a:ln w="19050"/>
-        </p:spPr>
-        <p:style>
-          <a:lnRef idx="1">
-            <a:schemeClr val="accent1"/>
-          </a:lnRef>
-          <a:fillRef idx="3">
-            <a:schemeClr val="accent1"/>
-          </a:fillRef>
-          <a:effectRef idx="2">
-            <a:schemeClr val="accent1"/>
-          </a:effectRef>
-          <a:fontRef idx="minor">
-            <a:schemeClr val="lt1"/>
-          </a:fontRef>
-        </p:style>
-        <p:txBody>
-          <a:bodyPr rtlCol="0" anchor="ctr"/>
-          <a:lstStyle/>
-          <a:p>
-            <a:pPr algn="ctr"/>
-            <a:r>
-              <a:rPr lang="en-US" altLang="ja-JP" dirty="0">
-                <a:solidFill>
-                  <a:schemeClr val="tx1"/>
-                </a:solidFill>
-              </a:rPr>
-              <a:t>Changed </a:t>
-            </a:r>
-            <a:endParaRPr lang="en-US" altLang="ja-JP" dirty="0" smtClean="0">
-              <a:solidFill>
-                <a:schemeClr val="tx1"/>
-              </a:solidFill>
-            </a:endParaRPr>
-          </a:p>
-          <a:p>
-            <a:pPr algn="ctr"/>
-            <a:r>
-              <a:rPr lang="en-US" altLang="ja-JP" dirty="0" smtClean="0">
-                <a:solidFill>
-                  <a:schemeClr val="tx1"/>
-                </a:solidFill>
-              </a:rPr>
-              <a:t>max display count.</a:t>
-            </a:r>
-          </a:p>
-          <a:p>
-            <a:pPr algn="ctr"/>
-            <a:endParaRPr lang="en-US" altLang="ja-JP" dirty="0" smtClean="0">
-              <a:solidFill>
-                <a:schemeClr val="tx1"/>
-              </a:solidFill>
-            </a:endParaRPr>
-          </a:p>
-          <a:p>
-            <a:pPr algn="ctr"/>
-            <a:r>
-              <a:rPr lang="en-US" altLang="ja-JP" dirty="0">
-                <a:solidFill>
-                  <a:schemeClr val="tx1"/>
-                </a:solidFill>
-              </a:rPr>
-              <a:t>d</a:t>
-            </a:r>
-            <a:r>
-              <a:rPr kumimoji="1" lang="en-US" altLang="ja-JP" dirty="0" smtClean="0">
-                <a:solidFill>
-                  <a:schemeClr val="tx1"/>
-                </a:solidFill>
-              </a:rPr>
-              <a:t>efault(10) -&gt; 5</a:t>
-            </a:r>
-            <a:endParaRPr kumimoji="1" lang="ja-JP" altLang="en-US" dirty="0">
-              <a:solidFill>
-                <a:schemeClr val="tx1"/>
-              </a:solidFill>
-            </a:endParaRPr>
-          </a:p>
-        </p:txBody>
-      </p:sp>
-    </p:spTree>
-    <p:extLst>
-      <p:ext uri="{BB962C8B-B14F-4D97-AF65-F5344CB8AC3E}">
-        <p14:creationId xmlns:p14="http://schemas.microsoft.com/office/powerpoint/2010/main" val="3375418445"/>
-      </p:ext>
-    </p:extLst>
-  </p:cSld>
-  <p:clrMapOvr>
-    <a:masterClrMapping/>
-  </p:clrMapOvr>
-  <p:timing>
-    <p:tnLst>
-      <p:par>
-        <p:cTn id="1" dur="indefinite" restart="never" nodeType="tmRoot"/>
-      </p:par>
-    </p:tnLst>
-  </p:timing>
-</p:sld>
-</file>
-
-<file path=ppt/slides/slide16.xml><?xml version="1.0" encoding="utf-8"?>
-<p:sld xmlns:a="http://schemas.openxmlformats.org/drawingml/2006/main" xmlns:r="http://schemas.openxmlformats.org/officeDocument/2006/relationships" xmlns:p="http://schemas.openxmlformats.org/presentationml/2006/main">
-  <p:cSld>
-    <p:spTree>
-      <p:nvGrpSpPr>
-        <p:cNvPr id="1" name=""/>
-        <p:cNvGrpSpPr/>
-        <p:nvPr/>
-      </p:nvGrpSpPr>
-      <p:grpSpPr>
-        <a:xfrm>
-          <a:off x="0" y="0"/>
-          <a:ext cx="0" cy="0"/>
-          <a:chOff x="0" y="0"/>
-          <a:chExt cx="0" cy="0"/>
-        </a:xfrm>
-      </p:grpSpPr>
-      <p:pic>
-        <p:nvPicPr>
-          <p:cNvPr id="3074" name="Picture 2"/>
-          <p:cNvPicPr>
-            <a:picLocks noChangeAspect="1" noChangeArrowheads="1"/>
-          </p:cNvPicPr>
-          <p:nvPr/>
-        </p:nvPicPr>
-        <p:blipFill>
-          <a:blip r:embed="rId2">
-            <a:extLst>
-              <a:ext uri="{28A0092B-C50C-407E-A947-70E740481C1C}">
-                <a14:useLocalDpi xmlns:a14="http://schemas.microsoft.com/office/drawing/2010/main" val="0"/>
-              </a:ext>
-            </a:extLst>
-          </a:blip>
-          <a:srcRect/>
-          <a:stretch>
-            <a:fillRect/>
-          </a:stretch>
-        </p:blipFill>
-        <p:spPr bwMode="auto">
-          <a:xfrm>
-            <a:off x="3658280" y="1963059"/>
-            <a:ext cx="1828800" cy="609600"/>
-          </a:xfrm>
-          <a:prstGeom prst="rect">
-            <a:avLst/>
-          </a:prstGeom>
-          <a:noFill/>
-          <a:ln>
-            <a:noFill/>
-          </a:ln>
-          <a:extLst>
-            <a:ext uri="{909E8E84-426E-40DD-AFC4-6F175D3DCCD1}">
-              <a14:hiddenFill xmlns:a14="http://schemas.microsoft.com/office/drawing/2010/main">
-                <a:solidFill>
-                  <a:schemeClr val="accent1"/>
-                </a:solidFill>
-              </a14:hiddenFill>
-            </a:ext>
-            <a:ext uri="{91240B29-F687-4F45-9708-019B960494DF}">
-              <a14:hiddenLine xmlns:a14="http://schemas.microsoft.com/office/drawing/2010/main" w="9525">
-                <a:solidFill>
-                  <a:schemeClr val="tx1"/>
-                </a:solidFill>
-                <a:miter lim="800000"/>
-                <a:headEnd/>
-                <a:tailEnd/>
-              </a14:hiddenLine>
-            </a:ext>
-          </a:extLst>
-        </p:spPr>
-      </p:pic>
-      <p:pic>
-        <p:nvPicPr>
-          <p:cNvPr id="3075" name="Picture 3"/>
-          <p:cNvPicPr>
-            <a:picLocks noChangeAspect="1" noChangeArrowheads="1"/>
-          </p:cNvPicPr>
-          <p:nvPr/>
-        </p:nvPicPr>
-        <p:blipFill>
-          <a:blip r:embed="rId3">
-            <a:extLst>
-              <a:ext uri="{28A0092B-C50C-407E-A947-70E740481C1C}">
-                <a14:useLocalDpi xmlns:a14="http://schemas.microsoft.com/office/drawing/2010/main" val="0"/>
-              </a:ext>
-            </a:extLst>
-          </a:blip>
-          <a:srcRect/>
-          <a:stretch>
-            <a:fillRect/>
-          </a:stretch>
-        </p:blipFill>
-        <p:spPr bwMode="auto">
-          <a:xfrm>
-            <a:off x="2949348" y="2822124"/>
-            <a:ext cx="3248025" cy="342900"/>
-          </a:xfrm>
-          <a:prstGeom prst="rect">
-            <a:avLst/>
-          </a:prstGeom>
-          <a:noFill/>
-          <a:ln>
-            <a:noFill/>
-          </a:ln>
-          <a:extLst>
-            <a:ext uri="{909E8E84-426E-40DD-AFC4-6F175D3DCCD1}">
-              <a14:hiddenFill xmlns:a14="http://schemas.microsoft.com/office/drawing/2010/main">
-                <a:solidFill>
-                  <a:schemeClr val="accent1"/>
-                </a:solidFill>
-              </a14:hiddenFill>
-            </a:ext>
-            <a:ext uri="{91240B29-F687-4F45-9708-019B960494DF}">
-              <a14:hiddenLine xmlns:a14="http://schemas.microsoft.com/office/drawing/2010/main" w="9525">
-                <a:solidFill>
-                  <a:schemeClr val="tx1"/>
-                </a:solidFill>
-                <a:miter lim="800000"/>
-                <a:headEnd/>
-                <a:tailEnd/>
-              </a14:hiddenLine>
-            </a:ext>
-          </a:extLst>
-        </p:spPr>
-      </p:pic>
-      <p:sp>
-        <p:nvSpPr>
-          <p:cNvPr id="7" name="角丸四角形 6"/>
-          <p:cNvSpPr/>
-          <p:nvPr/>
-        </p:nvSpPr>
-        <p:spPr>
-          <a:xfrm>
-            <a:off x="2881085" y="2792866"/>
-            <a:ext cx="3383190" cy="389159"/>
-          </a:xfrm>
-          <a:prstGeom prst="roundRect">
-            <a:avLst/>
-          </a:prstGeom>
-          <a:solidFill>
-            <a:schemeClr val="bg1">
-              <a:lumMod val="85000"/>
-              <a:alpha val="30000"/>
-            </a:schemeClr>
-          </a:solidFill>
-          <a:ln w="19050">
-            <a:solidFill>
-              <a:schemeClr val="tx2">
-                <a:lumMod val="60000"/>
-                <a:lumOff val="40000"/>
-              </a:schemeClr>
-            </a:solidFill>
-            <a:prstDash val="dash"/>
-          </a:ln>
-        </p:spPr>
-        <p:style>
-          <a:lnRef idx="1">
-            <a:schemeClr val="accent1"/>
-          </a:lnRef>
-          <a:fillRef idx="3">
-            <a:schemeClr val="accent1"/>
-          </a:fillRef>
-          <a:effectRef idx="2">
-            <a:schemeClr val="accent1"/>
-          </a:effectRef>
-          <a:fontRef idx="minor">
-            <a:schemeClr val="lt1"/>
-          </a:fontRef>
-        </p:style>
-        <p:txBody>
-          <a:bodyPr rtlCol="0" anchor="ctr"/>
-          <a:lstStyle/>
-          <a:p>
-            <a:pPr algn="ctr"/>
-            <a:endParaRPr kumimoji="1" lang="ja-JP" altLang="en-US"/>
-          </a:p>
-        </p:txBody>
-      </p:sp>
-      <p:cxnSp>
-        <p:nvCxnSpPr>
-          <p:cNvPr id="8" name="直線矢印コネクタ 7"/>
-          <p:cNvCxnSpPr/>
-          <p:nvPr/>
-        </p:nvCxnSpPr>
-        <p:spPr>
-          <a:xfrm flipV="1">
-            <a:off x="4515784" y="2440227"/>
-            <a:ext cx="0" cy="312057"/>
-          </a:xfrm>
-          <a:prstGeom prst="straightConnector1">
-            <a:avLst/>
-          </a:prstGeom>
-          <a:ln>
-            <a:tailEnd type="arrow"/>
-          </a:ln>
-        </p:spPr>
-        <p:style>
-          <a:lnRef idx="2">
-            <a:schemeClr val="accent1"/>
-          </a:lnRef>
-          <a:fillRef idx="0">
-            <a:schemeClr val="accent1"/>
-          </a:fillRef>
-          <a:effectRef idx="1">
-            <a:schemeClr val="accent1"/>
-          </a:effectRef>
-          <a:fontRef idx="minor">
-            <a:schemeClr val="tx1"/>
-          </a:fontRef>
-        </p:style>
-      </p:cxnSp>
-      <p:sp>
-        <p:nvSpPr>
-          <p:cNvPr id="9" name="線吹き出し 2 (枠付き) 8"/>
-          <p:cNvSpPr/>
-          <p:nvPr/>
-        </p:nvSpPr>
-        <p:spPr>
-          <a:xfrm>
-            <a:off x="4974771" y="3563687"/>
-            <a:ext cx="1690916" cy="535667"/>
-          </a:xfrm>
-          <a:prstGeom prst="borderCallout2">
-            <a:avLst>
-              <a:gd name="adj1" fmla="val 18750"/>
-              <a:gd name="adj2" fmla="val -8333"/>
-              <a:gd name="adj3" fmla="val -1111"/>
-              <a:gd name="adj4" fmla="val -23955"/>
-              <a:gd name="adj5" fmla="val -70011"/>
-              <a:gd name="adj6" fmla="val -33014"/>
-            </a:avLst>
-          </a:prstGeom>
-          <a:solidFill>
-            <a:schemeClr val="bg1"/>
-          </a:solidFill>
-          <a:ln w="19050"/>
-        </p:spPr>
-        <p:style>
-          <a:lnRef idx="1">
-            <a:schemeClr val="accent1"/>
-          </a:lnRef>
-          <a:fillRef idx="3">
-            <a:schemeClr val="accent1"/>
-          </a:fillRef>
-          <a:effectRef idx="2">
-            <a:schemeClr val="accent1"/>
-          </a:effectRef>
-          <a:fontRef idx="minor">
-            <a:schemeClr val="lt1"/>
-          </a:fontRef>
-        </p:style>
-        <p:txBody>
-          <a:bodyPr rtlCol="0" anchor="ctr"/>
-          <a:lstStyle/>
-          <a:p>
-            <a:pPr algn="ctr"/>
-            <a:r>
-              <a:rPr lang="en-US" altLang="ja-JP" dirty="0" smtClean="0">
-                <a:solidFill>
-                  <a:schemeClr val="tx1"/>
-                </a:solidFill>
-              </a:rPr>
-              <a:t>Removed.</a:t>
-            </a:r>
-            <a:endParaRPr kumimoji="1" lang="ja-JP" altLang="en-US" dirty="0">
-              <a:solidFill>
-                <a:schemeClr val="tx1"/>
-              </a:solidFill>
-            </a:endParaRPr>
-          </a:p>
-        </p:txBody>
-      </p:sp>
-      <p:sp>
-        <p:nvSpPr>
-          <p:cNvPr id="11" name="乗算記号 10"/>
-          <p:cNvSpPr/>
-          <p:nvPr/>
-        </p:nvSpPr>
-        <p:spPr>
-          <a:xfrm>
-            <a:off x="4358308" y="2830288"/>
-            <a:ext cx="314951" cy="326572"/>
-          </a:xfrm>
-          <a:prstGeom prst="mathMultiply">
-            <a:avLst/>
-          </a:prstGeom>
-          <a:gradFill>
-            <a:gsLst>
-              <a:gs pos="0">
-                <a:schemeClr val="dk1">
-                  <a:tint val="100000"/>
-                  <a:shade val="100000"/>
-                  <a:satMod val="130000"/>
-                  <a:alpha val="0"/>
-                </a:schemeClr>
-              </a:gs>
-              <a:gs pos="100000">
-                <a:schemeClr val="dk1">
-                  <a:tint val="50000"/>
-                  <a:shade val="100000"/>
-                  <a:satMod val="350000"/>
-                </a:schemeClr>
-              </a:gs>
-            </a:gsLst>
-          </a:gradFill>
-        </p:spPr>
-        <p:style>
-          <a:lnRef idx="1">
-            <a:schemeClr val="dk1"/>
-          </a:lnRef>
-          <a:fillRef idx="3">
-            <a:schemeClr val="dk1"/>
-          </a:fillRef>
-          <a:effectRef idx="2">
-            <a:schemeClr val="dk1"/>
-          </a:effectRef>
-          <a:fontRef idx="minor">
-            <a:schemeClr val="lt1"/>
-          </a:fontRef>
-        </p:style>
-        <p:txBody>
-          <a:bodyPr rtlCol="0" anchor="ctr"/>
-          <a:lstStyle/>
-          <a:p>
-            <a:pPr algn="ctr"/>
-            <a:endParaRPr kumimoji="1" lang="ja-JP" altLang="en-US"/>
-          </a:p>
-        </p:txBody>
-      </p:sp>
-    </p:spTree>
-    <p:extLst>
-      <p:ext uri="{BB962C8B-B14F-4D97-AF65-F5344CB8AC3E}">
-        <p14:creationId xmlns:p14="http://schemas.microsoft.com/office/powerpoint/2010/main" val="681053305"/>
-      </p:ext>
-    </p:extLst>
-  </p:cSld>
-  <p:clrMapOvr>
-    <a:masterClrMapping/>
-  </p:clrMapOvr>
-  <p:timing>
-    <p:tnLst>
-      <p:par>
-        <p:cTn id="1" dur="indefinite" restart="never" nodeType="tmRoot"/>
-      </p:par>
-    </p:tnLst>
-  </p:timing>
-</p:sld>
-</file>
-
-<file path=ppt/slides/slide17.xml><?xml version="1.0" encoding="utf-8"?>
-<p:sld xmlns:a="http://schemas.openxmlformats.org/drawingml/2006/main" xmlns:r="http://schemas.openxmlformats.org/officeDocument/2006/relationships" xmlns:p="http://schemas.openxmlformats.org/presentationml/2006/main">
-  <p:cSld>
-    <p:spTree>
-      <p:nvGrpSpPr>
-        <p:cNvPr id="1" name=""/>
-        <p:cNvGrpSpPr/>
-        <p:nvPr/>
-      </p:nvGrpSpPr>
-      <p:grpSpPr>
-        <a:xfrm>
-          <a:off x="0" y="0"/>
-          <a:ext cx="0" cy="0"/>
-          <a:chOff x="0" y="0"/>
-          <a:chExt cx="0" cy="0"/>
-        </a:xfrm>
-      </p:grpSpPr>
-      <p:pic>
-        <p:nvPicPr>
-          <p:cNvPr id="4098" name="Picture 2"/>
-          <p:cNvPicPr>
-            <a:picLocks noChangeAspect="1" noChangeArrowheads="1"/>
-          </p:cNvPicPr>
-          <p:nvPr/>
-        </p:nvPicPr>
-        <p:blipFill>
-          <a:blip r:embed="rId2">
-            <a:extLst>
-              <a:ext uri="{28A0092B-C50C-407E-A947-70E740481C1C}">
-                <a14:useLocalDpi xmlns:a14="http://schemas.microsoft.com/office/drawing/2010/main" val="0"/>
-              </a:ext>
-            </a:extLst>
-          </a:blip>
-          <a:srcRect/>
-          <a:stretch>
-            <a:fillRect/>
-          </a:stretch>
-        </p:blipFill>
-        <p:spPr bwMode="auto">
-          <a:xfrm>
-            <a:off x="1218520" y="1806121"/>
-            <a:ext cx="6924675" cy="1866900"/>
-          </a:xfrm>
-          <a:prstGeom prst="rect">
-            <a:avLst/>
-          </a:prstGeom>
-          <a:noFill/>
-          <a:ln>
-            <a:noFill/>
-          </a:ln>
-          <a:extLst>
-            <a:ext uri="{909E8E84-426E-40DD-AFC4-6F175D3DCCD1}">
-              <a14:hiddenFill xmlns:a14="http://schemas.microsoft.com/office/drawing/2010/main">
-                <a:solidFill>
-                  <a:schemeClr val="accent1"/>
-                </a:solidFill>
-              </a14:hiddenFill>
-            </a:ext>
-            <a:ext uri="{91240B29-F687-4F45-9708-019B960494DF}">
-              <a14:hiddenLine xmlns:a14="http://schemas.microsoft.com/office/drawing/2010/main" w="9525">
-                <a:solidFill>
-                  <a:schemeClr val="tx1"/>
-                </a:solidFill>
-                <a:miter lim="800000"/>
-                <a:headEnd/>
-                <a:tailEnd/>
-              </a14:hiddenLine>
-            </a:ext>
-          </a:extLst>
-        </p:spPr>
-      </p:pic>
-      <p:sp>
-        <p:nvSpPr>
-          <p:cNvPr id="6" name="角丸四角形 5"/>
-          <p:cNvSpPr/>
-          <p:nvPr/>
-        </p:nvSpPr>
-        <p:spPr>
-          <a:xfrm>
-            <a:off x="5892798" y="2423885"/>
-            <a:ext cx="798288" cy="645885"/>
-          </a:xfrm>
-          <a:prstGeom prst="roundRect">
-            <a:avLst/>
-          </a:prstGeom>
-          <a:noFill/>
-          <a:ln w="19050">
-            <a:solidFill>
-              <a:srgbClr val="FF0000"/>
-            </a:solidFill>
-          </a:ln>
-        </p:spPr>
-        <p:style>
-          <a:lnRef idx="1">
-            <a:schemeClr val="accent1"/>
-          </a:lnRef>
-          <a:fillRef idx="3">
-            <a:schemeClr val="accent1"/>
-          </a:fillRef>
-          <a:effectRef idx="2">
-            <a:schemeClr val="accent1"/>
-          </a:effectRef>
-          <a:fontRef idx="minor">
-            <a:schemeClr val="lt1"/>
-          </a:fontRef>
-        </p:style>
-        <p:txBody>
-          <a:bodyPr rtlCol="0" anchor="ctr"/>
-          <a:lstStyle/>
-          <a:p>
-            <a:pPr algn="ctr"/>
-            <a:endParaRPr kumimoji="1" lang="ja-JP" altLang="en-US"/>
-          </a:p>
-        </p:txBody>
-      </p:sp>
-    </p:spTree>
-    <p:extLst>
-      <p:ext uri="{BB962C8B-B14F-4D97-AF65-F5344CB8AC3E}">
-        <p14:creationId xmlns:p14="http://schemas.microsoft.com/office/powerpoint/2010/main" val="2923134266"/>
       </p:ext>
     </p:extLst>
   </p:cSld>
@@ -7409,14 +4571,14 @@
       </p:sp>
       <p:sp>
         <p:nvSpPr>
-          <p:cNvPr id="43" name="正方形/長方形 42"/>
+          <p:cNvPr id="44" name="正方形/長方形 43"/>
           <p:cNvSpPr/>
           <p:nvPr/>
         </p:nvSpPr>
         <p:spPr>
           <a:xfrm>
-            <a:off x="3040163" y="5266803"/>
-            <a:ext cx="2648256" cy="349811"/>
+            <a:off x="2198231" y="1041742"/>
+            <a:ext cx="734693" cy="536091"/>
           </a:xfrm>
           <a:prstGeom prst="rect">
             <a:avLst/>
@@ -7447,77 +4609,6 @@
           <a:lstStyle/>
           <a:p>
             <a:r>
-              <a:rPr kumimoji="1" lang="en-US" altLang="ja-JP" sz="1400" dirty="0" smtClean="0">
-                <a:solidFill>
-                  <a:schemeClr val="tx1"/>
-                </a:solidFill>
-              </a:rPr>
-              <a:t>&lt;</a:t>
-            </a:r>
-            <a:r>
-              <a:rPr kumimoji="1" lang="en-US" altLang="ja-JP" sz="1400" dirty="0" err="1" smtClean="0">
-                <a:solidFill>
-                  <a:schemeClr val="tx1"/>
-                </a:solidFill>
-              </a:rPr>
-              <a:t>t:pagination</a:t>
-            </a:r>
-            <a:r>
-              <a:rPr kumimoji="1" lang="en-US" altLang="ja-JP" sz="1400" dirty="0" smtClean="0">
-                <a:solidFill>
-                  <a:schemeClr val="tx1"/>
-                </a:solidFill>
-              </a:rPr>
-              <a:t> page=“${page}” /&gt;</a:t>
-            </a:r>
-            <a:endParaRPr kumimoji="1" lang="ja-JP" altLang="en-US" sz="1400" dirty="0">
-              <a:solidFill>
-                <a:schemeClr val="tx1"/>
-              </a:solidFill>
-            </a:endParaRPr>
-          </a:p>
-        </p:txBody>
-      </p:sp>
-      <p:sp>
-        <p:nvSpPr>
-          <p:cNvPr id="44" name="正方形/長方形 43"/>
-          <p:cNvSpPr/>
-          <p:nvPr/>
-        </p:nvSpPr>
-        <p:spPr>
-          <a:xfrm>
-            <a:off x="2198231" y="1041742"/>
-            <a:ext cx="734693" cy="536091"/>
-          </a:xfrm>
-          <a:prstGeom prst="rect">
-            <a:avLst/>
-          </a:prstGeom>
-          <a:noFill/>
-          <a:ln>
-            <a:noFill/>
-          </a:ln>
-        </p:spPr>
-        <p:style>
-          <a:lnRef idx="2">
-            <a:schemeClr val="accent1">
-              <a:shade val="50000"/>
-            </a:schemeClr>
-          </a:lnRef>
-          <a:fillRef idx="1">
-            <a:schemeClr val="accent1"/>
-          </a:fillRef>
-          <a:effectRef idx="0">
-            <a:schemeClr val="accent1"/>
-          </a:effectRef>
-          <a:fontRef idx="minor">
-            <a:schemeClr val="lt1"/>
-          </a:fontRef>
-        </p:style>
-        <p:txBody>
-          <a:bodyPr rtlCol="0" anchor="t"/>
-          <a:lstStyle/>
-          <a:p>
-            <a:r>
               <a:rPr kumimoji="1" lang="en-US" altLang="ja-JP" sz="2400" dirty="0" smtClean="0">
                 <a:solidFill>
                   <a:schemeClr val="tx1"/>
@@ -7530,77 +4621,6 @@
                 <a:schemeClr val="tx1"/>
               </a:solidFill>
             </a:endParaRPr>
-          </a:p>
-        </p:txBody>
-      </p:sp>
-      <p:sp>
-        <p:nvSpPr>
-          <p:cNvPr id="25" name="Rectangle 66"/>
-          <p:cNvSpPr>
-            <a:spLocks noChangeArrowheads="1"/>
-          </p:cNvSpPr>
-          <p:nvPr/>
-        </p:nvSpPr>
-        <p:spPr bwMode="auto">
-          <a:xfrm>
-            <a:off x="3460856" y="4615506"/>
-            <a:ext cx="1474844" cy="593632"/>
-          </a:xfrm>
-          <a:prstGeom prst="rect">
-            <a:avLst/>
-          </a:prstGeom>
-          <a:gradFill>
-            <a:gsLst>
-              <a:gs pos="0">
-                <a:srgbClr val="6194C7"/>
-              </a:gs>
-              <a:gs pos="100000">
-                <a:srgbClr val="A5C2DF"/>
-              </a:gs>
-            </a:gsLst>
-          </a:gradFill>
-          <a:ln w="25400">
-            <a:solidFill>
-              <a:srgbClr val="6194C7"/>
-            </a:solidFill>
-            <a:headEnd/>
-            <a:tailEnd/>
-          </a:ln>
-        </p:spPr>
-        <p:style>
-          <a:lnRef idx="1">
-            <a:schemeClr val="accent5"/>
-          </a:lnRef>
-          <a:fillRef idx="3">
-            <a:schemeClr val="accent5"/>
-          </a:fillRef>
-          <a:effectRef idx="2">
-            <a:schemeClr val="accent5"/>
-          </a:effectRef>
-          <a:fontRef idx="minor">
-            <a:schemeClr val="lt1"/>
-          </a:fontRef>
-        </p:style>
-        <p:txBody>
-          <a:bodyPr vert="horz" wrap="square" lIns="74295" tIns="8890" rIns="74295" bIns="8890" numCol="1" anchor="ctr" anchorCtr="1" compatLnSpc="1">
-            <a:prstTxWarp prst="textNoShape">
-              <a:avLst/>
-            </a:prstTxWarp>
-          </a:bodyPr>
-          <a:lstStyle/>
-          <a:p>
-            <a:pPr algn="ctr"/>
-            <a:r>
-              <a:rPr lang="en-US" altLang="ja-JP" sz="1000" b="1" dirty="0" smtClean="0"/>
-              <a:t>&lt;library&gt;</a:t>
-            </a:r>
-          </a:p>
-          <a:p>
-            <a:r>
-              <a:rPr lang="en-US" altLang="ja-JP" b="1" dirty="0" err="1" smtClean="0"/>
-              <a:t>PaginationTag</a:t>
-            </a:r>
-            <a:endParaRPr lang="ja-JP" altLang="en-US" b="1" dirty="0"/>
           </a:p>
         </p:txBody>
       </p:sp>
@@ -7834,8 +4854,12 @@
           <a:p>
             <a:pPr algn="ctr"/>
             <a:r>
-              <a:rPr kumimoji="1" lang="en-US" altLang="ja-JP" dirty="0" smtClean="0"/>
-              <a:t>JSP</a:t>
+              <a:rPr lang="en-US" altLang="ja-JP" sz="1400" dirty="0" smtClean="0"/>
+              <a:t>Template </a:t>
+            </a:r>
+            <a:r>
+              <a:rPr lang="en-US" altLang="ja-JP" sz="1400" dirty="0"/>
+              <a:t>HTML</a:t>
             </a:r>
             <a:endParaRPr kumimoji="1" lang="ja-JP" altLang="en-US" dirty="0"/>
           </a:p>
@@ -8936,47 +5960,6 @@
           </a:graphicData>
         </a:graphic>
       </p:graphicFrame>
-      <p:cxnSp>
-        <p:nvCxnSpPr>
-          <p:cNvPr id="165" name="カギ線コネクタ 99"/>
-          <p:cNvCxnSpPr>
-            <a:endCxn id="25" idx="0"/>
-          </p:cNvCxnSpPr>
-          <p:nvPr/>
-        </p:nvCxnSpPr>
-        <p:spPr>
-          <a:xfrm>
-            <a:off x="4198278" y="3902989"/>
-            <a:ext cx="0" cy="712517"/>
-          </a:xfrm>
-          <a:prstGeom prst="straightConnector1">
-            <a:avLst/>
-          </a:prstGeom>
-          <a:ln>
-            <a:solidFill>
-              <a:schemeClr val="tx1">
-                <a:lumMod val="65000"/>
-                <a:lumOff val="35000"/>
-              </a:schemeClr>
-            </a:solidFill>
-            <a:tailEnd type="arrow"/>
-          </a:ln>
-        </p:spPr>
-        <p:style>
-          <a:lnRef idx="2">
-            <a:schemeClr val="accent1"/>
-          </a:lnRef>
-          <a:fillRef idx="0">
-            <a:schemeClr val="accent1"/>
-          </a:fillRef>
-          <a:effectRef idx="1">
-            <a:schemeClr val="accent1"/>
-          </a:effectRef>
-          <a:fontRef idx="minor">
-            <a:schemeClr val="tx1"/>
-          </a:fontRef>
-        </p:style>
-      </p:cxnSp>
       <p:pic>
         <p:nvPicPr>
           <p:cNvPr id="167" name="Picture 2"/>
@@ -9715,13 +6698,13 @@
       </p:sp>
       <p:sp>
         <p:nvSpPr>
-          <p:cNvPr id="199" name="正方形/長方形 198"/>
+          <p:cNvPr id="201" name="正方形/長方形 200"/>
           <p:cNvSpPr/>
           <p:nvPr/>
         </p:nvSpPr>
         <p:spPr>
           <a:xfrm>
-            <a:off x="4206895" y="3934589"/>
+            <a:off x="2974240" y="3039512"/>
             <a:ext cx="734693" cy="536091"/>
           </a:xfrm>
           <a:prstGeom prst="rect">
@@ -9759,61 +6742,6 @@
                 </a:solidFill>
               </a:rPr>
               <a:t>(8)</a:t>
-            </a:r>
-            <a:endParaRPr kumimoji="1" lang="ja-JP" altLang="en-US" sz="2400" dirty="0">
-              <a:solidFill>
-                <a:schemeClr val="tx1"/>
-              </a:solidFill>
-            </a:endParaRPr>
-          </a:p>
-        </p:txBody>
-      </p:sp>
-      <p:sp>
-        <p:nvSpPr>
-          <p:cNvPr id="201" name="正方形/長方形 200"/>
-          <p:cNvSpPr/>
-          <p:nvPr/>
-        </p:nvSpPr>
-        <p:spPr>
-          <a:xfrm>
-            <a:off x="2974240" y="3039512"/>
-            <a:ext cx="734693" cy="536091"/>
-          </a:xfrm>
-          <a:prstGeom prst="rect">
-            <a:avLst/>
-          </a:prstGeom>
-          <a:noFill/>
-          <a:ln>
-            <a:noFill/>
-          </a:ln>
-        </p:spPr>
-        <p:style>
-          <a:lnRef idx="2">
-            <a:schemeClr val="accent1">
-              <a:shade val="50000"/>
-            </a:schemeClr>
-          </a:lnRef>
-          <a:fillRef idx="1">
-            <a:schemeClr val="accent1"/>
-          </a:fillRef>
-          <a:effectRef idx="0">
-            <a:schemeClr val="accent1"/>
-          </a:effectRef>
-          <a:fontRef idx="minor">
-            <a:schemeClr val="lt1"/>
-          </a:fontRef>
-        </p:style>
-        <p:txBody>
-          <a:bodyPr rtlCol="0" anchor="t"/>
-          <a:lstStyle/>
-          <a:p>
-            <a:r>
-              <a:rPr kumimoji="1" lang="en-US" altLang="ja-JP" sz="2400" dirty="0" smtClean="0">
-                <a:solidFill>
-                  <a:schemeClr val="tx1"/>
-                </a:solidFill>
-              </a:rPr>
-              <a:t>(9)</a:t>
             </a:r>
             <a:endParaRPr kumimoji="1" lang="ja-JP" altLang="en-US" sz="2400" dirty="0">
               <a:solidFill>
@@ -9983,14 +6911,14 @@
       </p:sp>
       <p:sp>
         <p:nvSpPr>
-          <p:cNvPr id="212" name="フリーフォーム 211"/>
+          <p:cNvPr id="213" name="フリーフォーム 212"/>
           <p:cNvSpPr/>
           <p:nvPr/>
         </p:nvSpPr>
         <p:spPr>
-          <a:xfrm>
-            <a:off x="4740678" y="4110567"/>
-            <a:ext cx="709844" cy="683782"/>
+          <a:xfrm rot="2760000">
+            <a:off x="4701119" y="3275433"/>
+            <a:ext cx="502772" cy="485750"/>
           </a:xfrm>
           <a:custGeom>
             <a:avLst/>
@@ -10080,103 +7008,6 @@
       </p:sp>
       <p:sp>
         <p:nvSpPr>
-          <p:cNvPr id="213" name="フリーフォーム 212"/>
-          <p:cNvSpPr/>
-          <p:nvPr/>
-        </p:nvSpPr>
-        <p:spPr>
-          <a:xfrm rot="2760000">
-            <a:off x="4701119" y="3275433"/>
-            <a:ext cx="502772" cy="485750"/>
-          </a:xfrm>
-          <a:custGeom>
-            <a:avLst/>
-            <a:gdLst>
-              <a:gd name="connsiteX0" fmla="*/ 0 w 716125"/>
-              <a:gd name="connsiteY0" fmla="*/ 596230 h 796952"/>
-              <a:gd name="connsiteX1" fmla="*/ 475786 w 716125"/>
-              <a:gd name="connsiteY1" fmla="*/ 90708 h 796952"/>
-              <a:gd name="connsiteX2" fmla="*/ 706244 w 716125"/>
-              <a:gd name="connsiteY2" fmla="*/ 68406 h 796952"/>
-              <a:gd name="connsiteX3" fmla="*/ 163551 w 716125"/>
-              <a:gd name="connsiteY3" fmla="*/ 796952 h 796952"/>
-            </a:gdLst>
-            <a:ahLst/>
-            <a:cxnLst>
-              <a:cxn ang="0">
-                <a:pos x="connsiteX0" y="connsiteY0"/>
-              </a:cxn>
-              <a:cxn ang="0">
-                <a:pos x="connsiteX1" y="connsiteY1"/>
-              </a:cxn>
-              <a:cxn ang="0">
-                <a:pos x="connsiteX2" y="connsiteY2"/>
-              </a:cxn>
-              <a:cxn ang="0">
-                <a:pos x="connsiteX3" y="connsiteY3"/>
-              </a:cxn>
-            </a:cxnLst>
-            <a:rect l="l" t="t" r="r" b="b"/>
-            <a:pathLst>
-              <a:path w="716125" h="796952">
-                <a:moveTo>
-                  <a:pt x="0" y="596230"/>
-                </a:moveTo>
-                <a:cubicBezTo>
-                  <a:pt x="179039" y="387454"/>
-                  <a:pt x="358079" y="178679"/>
-                  <a:pt x="475786" y="90708"/>
-                </a:cubicBezTo>
-                <a:cubicBezTo>
-                  <a:pt x="593493" y="2737"/>
-                  <a:pt x="758283" y="-49301"/>
-                  <a:pt x="706244" y="68406"/>
-                </a:cubicBezTo>
-                <a:cubicBezTo>
-                  <a:pt x="654205" y="186113"/>
-                  <a:pt x="408878" y="491532"/>
-                  <a:pt x="163551" y="796952"/>
-                </a:cubicBezTo>
-              </a:path>
-            </a:pathLst>
-          </a:custGeom>
-          <a:noFill/>
-          <a:ln w="15875">
-            <a:solidFill>
-              <a:schemeClr val="tx1">
-                <a:lumMod val="65000"/>
-                <a:lumOff val="35000"/>
-              </a:schemeClr>
-            </a:solidFill>
-            <a:prstDash val="dash"/>
-            <a:tailEnd type="arrow"/>
-          </a:ln>
-        </p:spPr>
-        <p:style>
-          <a:lnRef idx="1">
-            <a:schemeClr val="accent1"/>
-          </a:lnRef>
-          <a:fillRef idx="3">
-            <a:schemeClr val="accent1"/>
-          </a:fillRef>
-          <a:effectRef idx="2">
-            <a:schemeClr val="accent1"/>
-          </a:effectRef>
-          <a:fontRef idx="minor">
-            <a:schemeClr val="lt1"/>
-          </a:fontRef>
-        </p:style>
-        <p:txBody>
-          <a:bodyPr rtlCol="0" anchor="ctr"/>
-          <a:lstStyle/>
-          <a:p>
-            <a:pPr algn="ctr"/>
-            <a:endParaRPr kumimoji="1" lang="ja-JP" altLang="en-US"/>
-          </a:p>
-        </p:txBody>
-      </p:sp>
-      <p:sp>
-        <p:nvSpPr>
           <p:cNvPr id="215" name="角丸四角形 214"/>
           <p:cNvSpPr/>
           <p:nvPr/>
@@ -10568,7 +7399,7 @@
                   <a:schemeClr val="tx1"/>
                 </a:solidFill>
               </a:rPr>
-              <a:t>(10)</a:t>
+              <a:t>(9)</a:t>
             </a:r>
             <a:endParaRPr kumimoji="1" lang="ja-JP" altLang="en-US" sz="2400" dirty="0">
               <a:solidFill>
@@ -11961,11 +8792,7 @@
             </a:r>
             <a:r>
               <a:rPr lang="en-US" altLang="ja-JP" sz="1300" dirty="0"/>
-              <a:t>(0)"&gt;</a:t>
-            </a:r>
-            <a:r>
-              <a:rPr lang="en-US" altLang="ja-JP" sz="1300" dirty="0"/>
-              <a:t>1&lt;/a&gt;</a:t>
+              <a:t>(0)"&gt;1&lt;/a&gt;</a:t>
             </a:r>
           </a:p>
           <a:p>
@@ -13043,11 +9870,55 @@
             </a:r>
             <a:r>
               <a:rPr lang="en-US" altLang="ja-JP" sz="1300" dirty="0" smtClean="0"/>
+              <a:t>&gt;</a:t>
+            </a:r>
+          </a:p>
+          <a:p>
+            <a:endParaRPr lang="en-US" altLang="ja-JP" sz="1300" dirty="0" smtClean="0"/>
+          </a:p>
+          <a:p>
+            <a:endParaRPr lang="en-US" altLang="ja-JP" sz="1300" dirty="0"/>
+          </a:p>
+          <a:p>
+            <a:r>
+              <a:rPr lang="en-US" altLang="ja-JP" sz="1300" dirty="0" smtClean="0"/>
+              <a:t>         &lt;</a:t>
+            </a:r>
+            <a:r>
+              <a:rPr lang="en-US" altLang="ja-JP" b="1" dirty="0" smtClean="0"/>
+              <a:t>li</a:t>
+            </a:r>
+            <a:r>
+              <a:rPr lang="en-US" altLang="ja-JP" sz="1300" dirty="0" smtClean="0"/>
+              <a:t>&gt;</a:t>
+            </a:r>
+          </a:p>
+          <a:p>
+            <a:endParaRPr lang="en-US" altLang="ja-JP" sz="1300" dirty="0" smtClean="0"/>
+          </a:p>
+          <a:p>
+            <a:endParaRPr lang="en-US" altLang="ja-JP" sz="1300" dirty="0" smtClean="0"/>
+          </a:p>
+          <a:p>
+            <a:r>
+              <a:rPr lang="en-US" altLang="ja-JP" sz="1300" dirty="0" smtClean="0"/>
+              <a:t>                 &lt;</a:t>
+            </a:r>
+            <a:r>
+              <a:rPr lang="en-US" altLang="ja-JP" b="1" dirty="0" smtClean="0"/>
+              <a:t>a</a:t>
+            </a:r>
+            <a:r>
+              <a:rPr lang="en-US" altLang="ja-JP" sz="1300" dirty="0" smtClean="0"/>
               <a:t> </a:t>
             </a:r>
             <a:r>
+              <a:rPr lang="en-US" altLang="ja-JP" sz="1100" dirty="0" err="1" smtClean="0"/>
+              <a:t>href</a:t>
+            </a:r>
+            <a:r>
               <a:rPr lang="en-US" altLang="ja-JP" sz="1100" dirty="0" smtClean="0"/>
-              <a:t>class=</a:t>
+              <a:t>=</a:t>
             </a:r>
             <a:r>
               <a:rPr lang="en-US" altLang="ja-JP" sz="1300" dirty="0" smtClean="0"/>
@@ -13055,51 +9926,49 @@
             </a:r>
             <a:r>
               <a:rPr lang="en-US" altLang="ja-JP" b="1" dirty="0" smtClean="0"/>
-              <a:t>{</a:t>
-            </a:r>
-            <a:r>
-              <a:rPr lang="en-US" altLang="ja-JP" b="1" u="sng" dirty="0" smtClean="0"/>
-              <a:t>Outer Element Class</a:t>
-            </a:r>
-            <a:r>
-              <a:rPr lang="en-US" altLang="ja-JP" b="1" dirty="0" smtClean="0"/>
-              <a:t>}</a:t>
+              <a:t>{Page Link URL}</a:t>
             </a:r>
             <a:r>
               <a:rPr lang="en-US" altLang="ja-JP" sz="1300" dirty="0" smtClean="0"/>
-              <a:t>”&gt;</a:t>
-            </a:r>
-          </a:p>
-          <a:p>
+              <a:t>"&gt;</a:t>
+            </a:r>
+          </a:p>
+          <a:p>
+            <a:r>
+              <a:rPr lang="ja-JP" altLang="en-US" sz="1300" dirty="0" smtClean="0"/>
+              <a:t> </a:t>
+            </a:r>
             <a:endParaRPr lang="en-US" altLang="ja-JP" sz="1300" dirty="0" smtClean="0"/>
           </a:p>
           <a:p>
-            <a:endParaRPr lang="en-US" altLang="ja-JP" sz="1300" dirty="0"/>
-          </a:p>
-          <a:p>
-            <a:r>
-              <a:rPr lang="en-US" altLang="ja-JP" sz="1300" dirty="0" smtClean="0"/>
-              <a:t>         &lt;</a:t>
-            </a:r>
-            <a:r>
-              <a:rPr lang="en-US" altLang="ja-JP" b="1" dirty="0" smtClean="0"/>
-              <a:t>li </a:t>
-            </a:r>
-            <a:r>
-              <a:rPr lang="en-US" altLang="ja-JP" sz="1100" dirty="0" smtClean="0"/>
-              <a:t>class=</a:t>
+            <a:r>
+              <a:rPr lang="ja-JP" altLang="en-US" sz="1300" dirty="0" smtClean="0"/>
+              <a:t>                        </a:t>
             </a:r>
             <a:r>
               <a:rPr lang="en-US" altLang="ja-JP" b="1" dirty="0" smtClean="0"/>
               <a:t>{</a:t>
             </a:r>
             <a:r>
-              <a:rPr lang="en-US" altLang="ja-JP" b="1" u="sng" dirty="0" smtClean="0"/>
-              <a:t>Inner Element Class</a:t>
+              <a:rPr lang="en-US" altLang="ja-JP" b="1" dirty="0"/>
+              <a:t>Page Link</a:t>
             </a:r>
             <a:r>
               <a:rPr lang="en-US" altLang="ja-JP" b="1" dirty="0" smtClean="0"/>
-              <a:t>}</a:t>
+              <a:t> Text}</a:t>
+            </a:r>
+          </a:p>
+          <a:p>
+            <a:endParaRPr lang="en-US" altLang="ja-JP" sz="1300" dirty="0" smtClean="0"/>
+          </a:p>
+          <a:p>
+            <a:r>
+              <a:rPr lang="en-US" altLang="ja-JP" sz="1300" dirty="0" smtClean="0"/>
+              <a:t>                 &lt;/</a:t>
+            </a:r>
+            <a:r>
+              <a:rPr lang="en-US" altLang="ja-JP" b="1" dirty="0" smtClean="0"/>
+              <a:t>a</a:t>
             </a:r>
             <a:r>
               <a:rPr lang="en-US" altLang="ja-JP" sz="1300" dirty="0" smtClean="0"/>
@@ -13110,78 +9979,13 @@
             <a:endParaRPr lang="en-US" altLang="ja-JP" sz="1300" dirty="0" smtClean="0"/>
           </a:p>
           <a:p>
-            <a:endParaRPr lang="en-US" altLang="ja-JP" sz="1300" dirty="0" smtClean="0"/>
-          </a:p>
-          <a:p>
             <a:r>
               <a:rPr lang="en-US" altLang="ja-JP" sz="1300" dirty="0" smtClean="0"/>
-              <a:t>                 &lt;</a:t>
+              <a:t>         &lt;/</a:t>
             </a:r>
             <a:r>
               <a:rPr lang="en-US" altLang="ja-JP" b="1" dirty="0" smtClean="0"/>
-              <a:t>a</a:t>
-            </a:r>
-            <a:r>
-              <a:rPr lang="en-US" altLang="ja-JP" sz="1300" dirty="0" smtClean="0"/>
-              <a:t> </a:t>
-            </a:r>
-            <a:r>
-              <a:rPr lang="en-US" altLang="ja-JP" sz="1100" dirty="0" err="1" smtClean="0"/>
-              <a:t>href</a:t>
-            </a:r>
-            <a:r>
-              <a:rPr lang="en-US" altLang="ja-JP" sz="1100" dirty="0" smtClean="0"/>
-              <a:t>=</a:t>
-            </a:r>
-            <a:r>
-              <a:rPr lang="en-US" altLang="ja-JP" sz="1300" dirty="0" smtClean="0"/>
-              <a:t>“</a:t>
-            </a:r>
-            <a:r>
-              <a:rPr lang="en-US" altLang="ja-JP" b="1" dirty="0" smtClean="0"/>
-              <a:t>{Page Link URL}</a:t>
-            </a:r>
-            <a:r>
-              <a:rPr lang="en-US" altLang="ja-JP" sz="1300" dirty="0" smtClean="0"/>
-              <a:t>"&gt;</a:t>
-            </a:r>
-          </a:p>
-          <a:p>
-            <a:r>
-              <a:rPr lang="ja-JP" altLang="en-US" sz="1300" dirty="0" smtClean="0"/>
-              <a:t> </a:t>
-            </a:r>
-            <a:endParaRPr lang="en-US" altLang="ja-JP" sz="1300" dirty="0" smtClean="0"/>
-          </a:p>
-          <a:p>
-            <a:r>
-              <a:rPr lang="ja-JP" altLang="en-US" sz="1300" dirty="0" smtClean="0"/>
-              <a:t>                        </a:t>
-            </a:r>
-            <a:r>
-              <a:rPr lang="en-US" altLang="ja-JP" b="1" dirty="0" smtClean="0"/>
-              <a:t>{</a:t>
-            </a:r>
-            <a:r>
-              <a:rPr lang="en-US" altLang="ja-JP" b="1" dirty="0"/>
-              <a:t>Page Link</a:t>
-            </a:r>
-            <a:r>
-              <a:rPr lang="en-US" altLang="ja-JP" b="1" dirty="0" smtClean="0"/>
-              <a:t> Text}</a:t>
-            </a:r>
-          </a:p>
-          <a:p>
-            <a:endParaRPr lang="en-US" altLang="ja-JP" sz="1300" dirty="0" smtClean="0"/>
-          </a:p>
-          <a:p>
-            <a:r>
-              <a:rPr lang="en-US" altLang="ja-JP" sz="1300" dirty="0" smtClean="0"/>
-              <a:t>                 &lt;/</a:t>
-            </a:r>
-            <a:r>
-              <a:rPr lang="en-US" altLang="ja-JP" b="1" dirty="0" smtClean="0"/>
-              <a:t>a</a:t>
+              <a:t>li</a:t>
             </a:r>
             <a:r>
               <a:rPr lang="en-US" altLang="ja-JP" sz="1300" dirty="0" smtClean="0"/>
@@ -13189,23 +9993,6 @@
             </a:r>
           </a:p>
           <a:p>
-            <a:endParaRPr lang="en-US" altLang="ja-JP" sz="1300" dirty="0" smtClean="0"/>
-          </a:p>
-          <a:p>
-            <a:r>
-              <a:rPr lang="en-US" altLang="ja-JP" sz="1300" dirty="0" smtClean="0"/>
-              <a:t>         &lt;/</a:t>
-            </a:r>
-            <a:r>
-              <a:rPr lang="en-US" altLang="ja-JP" b="1" dirty="0" smtClean="0"/>
-              <a:t>li</a:t>
-            </a:r>
-            <a:r>
-              <a:rPr lang="en-US" altLang="ja-JP" sz="1300" dirty="0" smtClean="0"/>
-              <a:t>&gt;</a:t>
-            </a:r>
-          </a:p>
-          <a:p>
             <a:endParaRPr lang="en-US" altLang="ja-JP" sz="1300" dirty="0"/>
           </a:p>
           <a:p>
@@ -13243,14 +10030,548 @@
       </p:sp>
       <p:sp>
         <p:nvSpPr>
-          <p:cNvPr id="19" name="右矢印 18"/>
+          <p:cNvPr id="28" name="テキスト ボックス 27"/>
+          <p:cNvSpPr txBox="1"/>
+          <p:nvPr/>
+        </p:nvSpPr>
+        <p:spPr>
+          <a:xfrm>
+            <a:off x="2120587" y="907746"/>
+            <a:ext cx="442750" cy="369332"/>
+          </a:xfrm>
+          <a:prstGeom prst="rect">
+            <a:avLst/>
+          </a:prstGeom>
+          <a:noFill/>
+        </p:spPr>
+        <p:txBody>
+          <a:bodyPr wrap="none" rtlCol="0">
+            <a:spAutoFit/>
+          </a:bodyPr>
+          <a:lstStyle/>
+          <a:p>
+            <a:r>
+              <a:rPr kumimoji="1" lang="en-US" altLang="ja-JP" dirty="0" smtClean="0"/>
+              <a:t>(1)</a:t>
+            </a:r>
+            <a:endParaRPr kumimoji="1" lang="ja-JP" altLang="en-US" dirty="0"/>
+          </a:p>
+        </p:txBody>
+      </p:sp>
+      <p:sp>
+        <p:nvSpPr>
+          <p:cNvPr id="29" name="テキスト ボックス 28"/>
+          <p:cNvSpPr txBox="1"/>
+          <p:nvPr/>
+        </p:nvSpPr>
+        <p:spPr>
+          <a:xfrm>
+            <a:off x="2457411" y="1558965"/>
+            <a:ext cx="442750" cy="369332"/>
+          </a:xfrm>
+          <a:prstGeom prst="rect">
+            <a:avLst/>
+          </a:prstGeom>
+          <a:noFill/>
+        </p:spPr>
+        <p:txBody>
+          <a:bodyPr wrap="none" rtlCol="0">
+            <a:spAutoFit/>
+          </a:bodyPr>
+          <a:lstStyle/>
+          <a:p>
+            <a:r>
+              <a:rPr kumimoji="1" lang="en-US" altLang="ja-JP" dirty="0" smtClean="0"/>
+              <a:t>(2)</a:t>
+            </a:r>
+            <a:endParaRPr kumimoji="1" lang="ja-JP" altLang="en-US" dirty="0"/>
+          </a:p>
+        </p:txBody>
+      </p:sp>
+      <p:sp>
+        <p:nvSpPr>
+          <p:cNvPr id="30" name="正方形/長方形 29"/>
           <p:cNvSpPr/>
           <p:nvPr/>
         </p:nvSpPr>
         <p:spPr>
           <a:xfrm>
-            <a:off x="2476838" y="997422"/>
-            <a:ext cx="526586" cy="224971"/>
+            <a:off x="3077735" y="712858"/>
+            <a:ext cx="5057521" cy="4505028"/>
+          </a:xfrm>
+          <a:prstGeom prst="rect">
+            <a:avLst/>
+          </a:prstGeom>
+          <a:noFill/>
+          <a:ln w="19050">
+            <a:solidFill>
+              <a:schemeClr val="tx1">
+                <a:lumMod val="50000"/>
+                <a:lumOff val="50000"/>
+              </a:schemeClr>
+            </a:solidFill>
+            <a:prstDash val="solid"/>
+          </a:ln>
+        </p:spPr>
+        <p:style>
+          <a:lnRef idx="1">
+            <a:schemeClr val="accent1"/>
+          </a:lnRef>
+          <a:fillRef idx="3">
+            <a:schemeClr val="accent1"/>
+          </a:fillRef>
+          <a:effectRef idx="2">
+            <a:schemeClr val="accent1"/>
+          </a:effectRef>
+          <a:fontRef idx="minor">
+            <a:schemeClr val="lt1"/>
+          </a:fontRef>
+        </p:style>
+        <p:txBody>
+          <a:bodyPr rtlCol="0" anchor="ctr"/>
+          <a:lstStyle/>
+          <a:p>
+            <a:pPr algn="ctr"/>
+            <a:endParaRPr kumimoji="1" lang="ja-JP" altLang="en-US"/>
+          </a:p>
+        </p:txBody>
+      </p:sp>
+      <p:sp>
+        <p:nvSpPr>
+          <p:cNvPr id="31" name="正方形/長方形 30"/>
+          <p:cNvSpPr/>
+          <p:nvPr/>
+        </p:nvSpPr>
+        <p:spPr>
+          <a:xfrm>
+            <a:off x="3397405" y="1378030"/>
+            <a:ext cx="4418538" cy="2635170"/>
+          </a:xfrm>
+          <a:prstGeom prst="rect">
+            <a:avLst/>
+          </a:prstGeom>
+          <a:noFill/>
+          <a:ln w="19050">
+            <a:solidFill>
+              <a:schemeClr val="tx1">
+                <a:lumMod val="50000"/>
+                <a:lumOff val="50000"/>
+              </a:schemeClr>
+            </a:solidFill>
+            <a:prstDash val="solid"/>
+          </a:ln>
+        </p:spPr>
+        <p:style>
+          <a:lnRef idx="1">
+            <a:schemeClr val="accent1"/>
+          </a:lnRef>
+          <a:fillRef idx="3">
+            <a:schemeClr val="accent1"/>
+          </a:fillRef>
+          <a:effectRef idx="2">
+            <a:schemeClr val="accent1"/>
+          </a:effectRef>
+          <a:fontRef idx="minor">
+            <a:schemeClr val="lt1"/>
+          </a:fontRef>
+        </p:style>
+        <p:txBody>
+          <a:bodyPr rtlCol="0" anchor="ctr"/>
+          <a:lstStyle/>
+          <a:p>
+            <a:pPr algn="ctr"/>
+            <a:endParaRPr kumimoji="1" lang="ja-JP" altLang="en-US"/>
+          </a:p>
+        </p:txBody>
+      </p:sp>
+      <p:sp>
+        <p:nvSpPr>
+          <p:cNvPr id="35" name="テキスト ボックス 34"/>
+          <p:cNvSpPr txBox="1"/>
+          <p:nvPr/>
+        </p:nvSpPr>
+        <p:spPr>
+          <a:xfrm>
+            <a:off x="6390709" y="2223613"/>
+            <a:ext cx="442750" cy="369332"/>
+          </a:xfrm>
+          <a:prstGeom prst="rect">
+            <a:avLst/>
+          </a:prstGeom>
+          <a:noFill/>
+        </p:spPr>
+        <p:txBody>
+          <a:bodyPr wrap="none" rtlCol="0">
+            <a:spAutoFit/>
+          </a:bodyPr>
+          <a:lstStyle/>
+          <a:p>
+            <a:r>
+              <a:rPr kumimoji="1" lang="en-US" altLang="ja-JP" dirty="0" smtClean="0"/>
+              <a:t>(4)</a:t>
+            </a:r>
+            <a:endParaRPr kumimoji="1" lang="ja-JP" altLang="en-US" dirty="0"/>
+          </a:p>
+        </p:txBody>
+      </p:sp>
+      <p:sp>
+        <p:nvSpPr>
+          <p:cNvPr id="36" name="テキスト ボックス 35"/>
+          <p:cNvSpPr txBox="1"/>
+          <p:nvPr/>
+        </p:nvSpPr>
+        <p:spPr>
+          <a:xfrm>
+            <a:off x="6112689" y="2696124"/>
+            <a:ext cx="442750" cy="369332"/>
+          </a:xfrm>
+          <a:prstGeom prst="rect">
+            <a:avLst/>
+          </a:prstGeom>
+          <a:noFill/>
+        </p:spPr>
+        <p:txBody>
+          <a:bodyPr wrap="none" rtlCol="0">
+            <a:spAutoFit/>
+          </a:bodyPr>
+          <a:lstStyle/>
+          <a:p>
+            <a:r>
+              <a:rPr kumimoji="1" lang="en-US" altLang="ja-JP" dirty="0" smtClean="0"/>
+              <a:t>(5)</a:t>
+            </a:r>
+            <a:endParaRPr kumimoji="1" lang="ja-JP" altLang="en-US" dirty="0"/>
+          </a:p>
+        </p:txBody>
+      </p:sp>
+      <p:sp>
+        <p:nvSpPr>
+          <p:cNvPr id="40" name="角丸四角形 39"/>
+          <p:cNvSpPr/>
+          <p:nvPr/>
+        </p:nvSpPr>
+        <p:spPr>
+          <a:xfrm>
+            <a:off x="3046457" y="919437"/>
+            <a:ext cx="458978" cy="360113"/>
+          </a:xfrm>
+          <a:prstGeom prst="roundRect">
+            <a:avLst/>
+          </a:prstGeom>
+          <a:noFill/>
+          <a:ln w="19050">
+            <a:solidFill>
+              <a:schemeClr val="tx2">
+                <a:lumMod val="60000"/>
+                <a:lumOff val="40000"/>
+              </a:schemeClr>
+            </a:solidFill>
+            <a:prstDash val="solid"/>
+          </a:ln>
+        </p:spPr>
+        <p:style>
+          <a:lnRef idx="1">
+            <a:schemeClr val="accent1"/>
+          </a:lnRef>
+          <a:fillRef idx="3">
+            <a:schemeClr val="accent1"/>
+          </a:fillRef>
+          <a:effectRef idx="2">
+            <a:schemeClr val="accent1"/>
+          </a:effectRef>
+          <a:fontRef idx="minor">
+            <a:schemeClr val="lt1"/>
+          </a:fontRef>
+        </p:style>
+        <p:txBody>
+          <a:bodyPr rtlCol="0" anchor="ctr"/>
+          <a:lstStyle/>
+          <a:p>
+            <a:pPr algn="ctr"/>
+            <a:endParaRPr kumimoji="1" lang="ja-JP" altLang="en-US"/>
+          </a:p>
+        </p:txBody>
+      </p:sp>
+      <p:sp>
+        <p:nvSpPr>
+          <p:cNvPr id="42" name="角丸四角形 41"/>
+          <p:cNvSpPr/>
+          <p:nvPr/>
+        </p:nvSpPr>
+        <p:spPr>
+          <a:xfrm>
+            <a:off x="3368538" y="1575374"/>
+            <a:ext cx="386140" cy="366051"/>
+          </a:xfrm>
+          <a:prstGeom prst="roundRect">
+            <a:avLst/>
+          </a:prstGeom>
+          <a:noFill/>
+          <a:ln w="19050">
+            <a:solidFill>
+              <a:schemeClr val="tx2">
+                <a:lumMod val="60000"/>
+                <a:lumOff val="40000"/>
+              </a:schemeClr>
+            </a:solidFill>
+            <a:prstDash val="solid"/>
+          </a:ln>
+        </p:spPr>
+        <p:style>
+          <a:lnRef idx="1">
+            <a:schemeClr val="accent1"/>
+          </a:lnRef>
+          <a:fillRef idx="3">
+            <a:schemeClr val="accent1"/>
+          </a:fillRef>
+          <a:effectRef idx="2">
+            <a:schemeClr val="accent1"/>
+          </a:effectRef>
+          <a:fontRef idx="minor">
+            <a:schemeClr val="lt1"/>
+          </a:fontRef>
+        </p:style>
+        <p:txBody>
+          <a:bodyPr rtlCol="0" anchor="ctr"/>
+          <a:lstStyle/>
+          <a:p>
+            <a:pPr algn="ctr"/>
+            <a:endParaRPr kumimoji="1" lang="ja-JP" altLang="en-US"/>
+          </a:p>
+        </p:txBody>
+      </p:sp>
+      <p:sp>
+        <p:nvSpPr>
+          <p:cNvPr id="44" name="角丸四角形 43"/>
+          <p:cNvSpPr/>
+          <p:nvPr/>
+        </p:nvSpPr>
+        <p:spPr>
+          <a:xfrm>
+            <a:off x="4301286" y="2220968"/>
+            <a:ext cx="1591514" cy="366051"/>
+          </a:xfrm>
+          <a:prstGeom prst="roundRect">
+            <a:avLst/>
+          </a:prstGeom>
+          <a:noFill/>
+          <a:ln w="19050">
+            <a:solidFill>
+              <a:schemeClr val="tx2">
+                <a:lumMod val="60000"/>
+                <a:lumOff val="40000"/>
+              </a:schemeClr>
+            </a:solidFill>
+            <a:prstDash val="solid"/>
+          </a:ln>
+        </p:spPr>
+        <p:style>
+          <a:lnRef idx="1">
+            <a:schemeClr val="accent1"/>
+          </a:lnRef>
+          <a:fillRef idx="3">
+            <a:schemeClr val="accent1"/>
+          </a:fillRef>
+          <a:effectRef idx="2">
+            <a:schemeClr val="accent1"/>
+          </a:effectRef>
+          <a:fontRef idx="minor">
+            <a:schemeClr val="lt1"/>
+          </a:fontRef>
+        </p:style>
+        <p:txBody>
+          <a:bodyPr rtlCol="0" anchor="ctr"/>
+          <a:lstStyle/>
+          <a:p>
+            <a:pPr algn="ctr"/>
+            <a:endParaRPr kumimoji="1" lang="ja-JP" altLang="en-US"/>
+          </a:p>
+        </p:txBody>
+      </p:sp>
+      <p:sp>
+        <p:nvSpPr>
+          <p:cNvPr id="45" name="角丸四角形 44"/>
+          <p:cNvSpPr/>
+          <p:nvPr/>
+        </p:nvSpPr>
+        <p:spPr>
+          <a:xfrm>
+            <a:off x="3933488" y="2730852"/>
+            <a:ext cx="1673007" cy="366051"/>
+          </a:xfrm>
+          <a:prstGeom prst="roundRect">
+            <a:avLst/>
+          </a:prstGeom>
+          <a:noFill/>
+          <a:ln w="19050">
+            <a:solidFill>
+              <a:schemeClr val="tx2">
+                <a:lumMod val="60000"/>
+                <a:lumOff val="40000"/>
+              </a:schemeClr>
+            </a:solidFill>
+            <a:prstDash val="solid"/>
+          </a:ln>
+        </p:spPr>
+        <p:style>
+          <a:lnRef idx="1">
+            <a:schemeClr val="accent1"/>
+          </a:lnRef>
+          <a:fillRef idx="3">
+            <a:schemeClr val="accent1"/>
+          </a:fillRef>
+          <a:effectRef idx="2">
+            <a:schemeClr val="accent1"/>
+          </a:effectRef>
+          <a:fontRef idx="minor">
+            <a:schemeClr val="lt1"/>
+          </a:fontRef>
+        </p:style>
+        <p:txBody>
+          <a:bodyPr rtlCol="0" anchor="ctr"/>
+          <a:lstStyle/>
+          <a:p>
+            <a:pPr algn="ctr"/>
+            <a:endParaRPr kumimoji="1" lang="ja-JP" altLang="en-US"/>
+          </a:p>
+        </p:txBody>
+      </p:sp>
+      <p:sp>
+        <p:nvSpPr>
+          <p:cNvPr id="51" name="角丸四角形 50"/>
+          <p:cNvSpPr/>
+          <p:nvPr/>
+        </p:nvSpPr>
+        <p:spPr>
+          <a:xfrm>
+            <a:off x="3669914" y="2235482"/>
+            <a:ext cx="324084" cy="366051"/>
+          </a:xfrm>
+          <a:prstGeom prst="roundRect">
+            <a:avLst/>
+          </a:prstGeom>
+          <a:noFill/>
+          <a:ln w="19050">
+            <a:solidFill>
+              <a:schemeClr val="tx2">
+                <a:lumMod val="60000"/>
+                <a:lumOff val="40000"/>
+              </a:schemeClr>
+            </a:solidFill>
+            <a:prstDash val="solid"/>
+          </a:ln>
+        </p:spPr>
+        <p:style>
+          <a:lnRef idx="1">
+            <a:schemeClr val="accent1"/>
+          </a:lnRef>
+          <a:fillRef idx="3">
+            <a:schemeClr val="accent1"/>
+          </a:fillRef>
+          <a:effectRef idx="2">
+            <a:schemeClr val="accent1"/>
+          </a:effectRef>
+          <a:fontRef idx="minor">
+            <a:schemeClr val="lt1"/>
+          </a:fontRef>
+        </p:style>
+        <p:txBody>
+          <a:bodyPr rtlCol="0" anchor="ctr"/>
+          <a:lstStyle/>
+          <a:p>
+            <a:pPr algn="ctr"/>
+            <a:endParaRPr kumimoji="1" lang="ja-JP" altLang="en-US"/>
+          </a:p>
+        </p:txBody>
+      </p:sp>
+      <p:sp>
+        <p:nvSpPr>
+          <p:cNvPr id="54" name="正方形/長方形 53"/>
+          <p:cNvSpPr/>
+          <p:nvPr/>
+        </p:nvSpPr>
+        <p:spPr>
+          <a:xfrm>
+            <a:off x="3696754" y="2068286"/>
+            <a:ext cx="3857932" cy="1502228"/>
+          </a:xfrm>
+          <a:prstGeom prst="rect">
+            <a:avLst/>
+          </a:prstGeom>
+          <a:noFill/>
+          <a:ln w="19050">
+            <a:solidFill>
+              <a:schemeClr val="tx1">
+                <a:lumMod val="50000"/>
+                <a:lumOff val="50000"/>
+              </a:schemeClr>
+            </a:solidFill>
+            <a:prstDash val="solid"/>
+          </a:ln>
+        </p:spPr>
+        <p:style>
+          <a:lnRef idx="1">
+            <a:schemeClr val="accent1"/>
+          </a:lnRef>
+          <a:fillRef idx="3">
+            <a:schemeClr val="accent1"/>
+          </a:fillRef>
+          <a:effectRef idx="2">
+            <a:schemeClr val="accent1"/>
+          </a:effectRef>
+          <a:fontRef idx="minor">
+            <a:schemeClr val="lt1"/>
+          </a:fontRef>
+        </p:style>
+        <p:txBody>
+          <a:bodyPr rtlCol="0" anchor="ctr"/>
+          <a:lstStyle/>
+          <a:p>
+            <a:pPr algn="ctr"/>
+            <a:endParaRPr kumimoji="1" lang="ja-JP" altLang="en-US"/>
+          </a:p>
+        </p:txBody>
+      </p:sp>
+      <p:sp>
+        <p:nvSpPr>
+          <p:cNvPr id="55" name="テキスト ボックス 54"/>
+          <p:cNvSpPr txBox="1"/>
+          <p:nvPr/>
+        </p:nvSpPr>
+        <p:spPr>
+          <a:xfrm>
+            <a:off x="2682525" y="2239719"/>
+            <a:ext cx="442750" cy="369332"/>
+          </a:xfrm>
+          <a:prstGeom prst="rect">
+            <a:avLst/>
+          </a:prstGeom>
+          <a:noFill/>
+        </p:spPr>
+        <p:txBody>
+          <a:bodyPr wrap="none" rtlCol="0">
+            <a:spAutoFit/>
+          </a:bodyPr>
+          <a:lstStyle/>
+          <a:p>
+            <a:r>
+              <a:rPr kumimoji="1" lang="en-US" altLang="ja-JP" dirty="0" smtClean="0"/>
+              <a:t>(3)</a:t>
+            </a:r>
+            <a:endParaRPr kumimoji="1" lang="ja-JP" altLang="en-US" dirty="0"/>
+          </a:p>
+        </p:txBody>
+      </p:sp>
+      <p:sp>
+        <p:nvSpPr>
+          <p:cNvPr id="16" name="右矢印 15"/>
+          <p:cNvSpPr/>
+          <p:nvPr/>
+        </p:nvSpPr>
+        <p:spPr>
+          <a:xfrm rot="10800000" flipH="1">
+            <a:off x="2563337" y="987007"/>
+            <a:ext cx="402931" cy="224971"/>
           </a:xfrm>
           <a:prstGeom prst="rightArrow">
             <a:avLst/>
@@ -13281,350 +10602,14 @@
       </p:sp>
       <p:sp>
         <p:nvSpPr>
-          <p:cNvPr id="28" name="テキスト ボックス 27"/>
-          <p:cNvSpPr txBox="1"/>
-          <p:nvPr/>
-        </p:nvSpPr>
-        <p:spPr>
-          <a:xfrm>
-            <a:off x="2560674" y="677614"/>
-            <a:ext cx="442750" cy="369332"/>
-          </a:xfrm>
-          <a:prstGeom prst="rect">
-            <a:avLst/>
-          </a:prstGeom>
-          <a:noFill/>
-        </p:spPr>
-        <p:txBody>
-          <a:bodyPr wrap="none" rtlCol="0">
-            <a:spAutoFit/>
-          </a:bodyPr>
-          <a:lstStyle/>
-          <a:p>
-            <a:r>
-              <a:rPr kumimoji="1" lang="en-US" altLang="ja-JP" dirty="0" smtClean="0"/>
-              <a:t>(1)</a:t>
-            </a:r>
-            <a:endParaRPr kumimoji="1" lang="ja-JP" altLang="en-US" dirty="0"/>
-          </a:p>
-        </p:txBody>
-      </p:sp>
-      <p:sp>
-        <p:nvSpPr>
-          <p:cNvPr id="29" name="テキスト ボックス 28"/>
-          <p:cNvSpPr txBox="1"/>
-          <p:nvPr/>
-        </p:nvSpPr>
-        <p:spPr>
-          <a:xfrm>
-            <a:off x="2654752" y="1358063"/>
-            <a:ext cx="442750" cy="369332"/>
-          </a:xfrm>
-          <a:prstGeom prst="rect">
-            <a:avLst/>
-          </a:prstGeom>
-          <a:noFill/>
-        </p:spPr>
-        <p:txBody>
-          <a:bodyPr wrap="none" rtlCol="0">
-            <a:spAutoFit/>
-          </a:bodyPr>
-          <a:lstStyle/>
-          <a:p>
-            <a:r>
-              <a:rPr kumimoji="1" lang="en-US" altLang="ja-JP" dirty="0" smtClean="0"/>
-              <a:t>(3)</a:t>
-            </a:r>
-            <a:endParaRPr kumimoji="1" lang="ja-JP" altLang="en-US" dirty="0"/>
-          </a:p>
-        </p:txBody>
-      </p:sp>
-      <p:sp>
-        <p:nvSpPr>
-          <p:cNvPr id="30" name="正方形/長方形 29"/>
+          <p:cNvPr id="17" name="右矢印 16"/>
           <p:cNvSpPr/>
           <p:nvPr/>
         </p:nvSpPr>
         <p:spPr>
-          <a:xfrm>
-            <a:off x="3077735" y="712858"/>
-            <a:ext cx="5057521" cy="4505028"/>
-          </a:xfrm>
-          <a:prstGeom prst="rect">
-            <a:avLst/>
-          </a:prstGeom>
-          <a:noFill/>
-          <a:ln w="19050">
-            <a:solidFill>
-              <a:schemeClr val="tx1">
-                <a:lumMod val="50000"/>
-                <a:lumOff val="50000"/>
-              </a:schemeClr>
-            </a:solidFill>
-            <a:prstDash val="solid"/>
-          </a:ln>
-        </p:spPr>
-        <p:style>
-          <a:lnRef idx="1">
-            <a:schemeClr val="accent1"/>
-          </a:lnRef>
-          <a:fillRef idx="3">
-            <a:schemeClr val="accent1"/>
-          </a:fillRef>
-          <a:effectRef idx="2">
-            <a:schemeClr val="accent1"/>
-          </a:effectRef>
-          <a:fontRef idx="minor">
-            <a:schemeClr val="lt1"/>
-          </a:fontRef>
-        </p:style>
-        <p:txBody>
-          <a:bodyPr rtlCol="0" anchor="ctr"/>
-          <a:lstStyle/>
-          <a:p>
-            <a:pPr algn="ctr"/>
-            <a:endParaRPr kumimoji="1" lang="ja-JP" altLang="en-US"/>
-          </a:p>
-        </p:txBody>
-      </p:sp>
-      <p:sp>
-        <p:nvSpPr>
-          <p:cNvPr id="31" name="正方形/長方形 30"/>
-          <p:cNvSpPr/>
-          <p:nvPr/>
-        </p:nvSpPr>
-        <p:spPr>
-          <a:xfrm>
-            <a:off x="3397405" y="1378030"/>
-            <a:ext cx="4418538" cy="2635170"/>
-          </a:xfrm>
-          <a:prstGeom prst="rect">
-            <a:avLst/>
-          </a:prstGeom>
-          <a:noFill/>
-          <a:ln w="19050">
-            <a:solidFill>
-              <a:schemeClr val="tx1">
-                <a:lumMod val="50000"/>
-                <a:lumOff val="50000"/>
-              </a:schemeClr>
-            </a:solidFill>
-            <a:prstDash val="solid"/>
-          </a:ln>
-        </p:spPr>
-        <p:style>
-          <a:lnRef idx="1">
-            <a:schemeClr val="accent1"/>
-          </a:lnRef>
-          <a:fillRef idx="3">
-            <a:schemeClr val="accent1"/>
-          </a:fillRef>
-          <a:effectRef idx="2">
-            <a:schemeClr val="accent1"/>
-          </a:effectRef>
-          <a:fontRef idx="minor">
-            <a:schemeClr val="lt1"/>
-          </a:fontRef>
-        </p:style>
-        <p:txBody>
-          <a:bodyPr rtlCol="0" anchor="ctr"/>
-          <a:lstStyle/>
-          <a:p>
-            <a:pPr algn="ctr"/>
-            <a:endParaRPr kumimoji="1" lang="ja-JP" altLang="en-US"/>
-          </a:p>
-        </p:txBody>
-      </p:sp>
-      <p:sp>
-        <p:nvSpPr>
-          <p:cNvPr id="5" name="テキスト ボックス 4"/>
-          <p:cNvSpPr txBox="1"/>
-          <p:nvPr/>
-        </p:nvSpPr>
-        <p:spPr>
-          <a:xfrm>
-            <a:off x="862238" y="925241"/>
-            <a:ext cx="1792514" cy="369332"/>
-          </a:xfrm>
-          <a:prstGeom prst="rect">
-            <a:avLst/>
-          </a:prstGeom>
-          <a:noFill/>
-        </p:spPr>
-        <p:txBody>
-          <a:bodyPr wrap="square" rtlCol="0">
-            <a:spAutoFit/>
-          </a:bodyPr>
-          <a:lstStyle/>
-          <a:p>
-            <a:r>
-              <a:rPr lang="en-US" altLang="ja-JP" b="1" dirty="0" smtClean="0"/>
-              <a:t>Outer Element</a:t>
-            </a:r>
-            <a:endParaRPr kumimoji="1" lang="ja-JP" altLang="en-US" b="1" dirty="0"/>
-          </a:p>
-        </p:txBody>
-      </p:sp>
-      <p:sp>
-        <p:nvSpPr>
-          <p:cNvPr id="33" name="テキスト ボックス 32"/>
-          <p:cNvSpPr txBox="1"/>
-          <p:nvPr/>
-        </p:nvSpPr>
-        <p:spPr>
-          <a:xfrm>
-            <a:off x="898441" y="1558866"/>
-            <a:ext cx="1792514" cy="369332"/>
-          </a:xfrm>
-          <a:prstGeom prst="rect">
-            <a:avLst/>
-          </a:prstGeom>
-          <a:noFill/>
-        </p:spPr>
-        <p:txBody>
-          <a:bodyPr wrap="square" rtlCol="0">
-            <a:spAutoFit/>
-          </a:bodyPr>
-          <a:lstStyle/>
-          <a:p>
-            <a:r>
-              <a:rPr lang="en-US" altLang="ja-JP" b="1" dirty="0" smtClean="0"/>
-              <a:t>Inner Element</a:t>
-            </a:r>
-            <a:endParaRPr kumimoji="1" lang="ja-JP" altLang="en-US" b="1" dirty="0"/>
-          </a:p>
-        </p:txBody>
-      </p:sp>
-      <p:sp>
-        <p:nvSpPr>
-          <p:cNvPr id="34" name="テキスト ボックス 33"/>
-          <p:cNvSpPr txBox="1"/>
-          <p:nvPr/>
-        </p:nvSpPr>
-        <p:spPr>
-          <a:xfrm>
-            <a:off x="5984122" y="783728"/>
-            <a:ext cx="442750" cy="369332"/>
-          </a:xfrm>
-          <a:prstGeom prst="rect">
-            <a:avLst/>
-          </a:prstGeom>
-          <a:noFill/>
-        </p:spPr>
-        <p:txBody>
-          <a:bodyPr wrap="none" rtlCol="0">
-            <a:spAutoFit/>
-          </a:bodyPr>
-          <a:lstStyle/>
-          <a:p>
-            <a:r>
-              <a:rPr kumimoji="1" lang="en-US" altLang="ja-JP" dirty="0" smtClean="0"/>
-              <a:t>(2)</a:t>
-            </a:r>
-            <a:endParaRPr kumimoji="1" lang="ja-JP" altLang="en-US" dirty="0"/>
-          </a:p>
-        </p:txBody>
-      </p:sp>
-      <p:sp>
-        <p:nvSpPr>
-          <p:cNvPr id="35" name="テキスト ボックス 34"/>
-          <p:cNvSpPr txBox="1"/>
-          <p:nvPr/>
-        </p:nvSpPr>
-        <p:spPr>
-          <a:xfrm>
-            <a:off x="5976865" y="2182313"/>
-            <a:ext cx="442750" cy="369332"/>
-          </a:xfrm>
-          <a:prstGeom prst="rect">
-            <a:avLst/>
-          </a:prstGeom>
-          <a:noFill/>
-        </p:spPr>
-        <p:txBody>
-          <a:bodyPr wrap="none" rtlCol="0">
-            <a:spAutoFit/>
-          </a:bodyPr>
-          <a:lstStyle/>
-          <a:p>
-            <a:r>
-              <a:rPr kumimoji="1" lang="en-US" altLang="ja-JP" dirty="0" smtClean="0"/>
-              <a:t>(6)</a:t>
-            </a:r>
-            <a:endParaRPr kumimoji="1" lang="ja-JP" altLang="en-US" dirty="0"/>
-          </a:p>
-        </p:txBody>
-      </p:sp>
-      <p:sp>
-        <p:nvSpPr>
-          <p:cNvPr id="36" name="テキスト ボックス 35"/>
-          <p:cNvSpPr txBox="1"/>
-          <p:nvPr/>
-        </p:nvSpPr>
-        <p:spPr>
-          <a:xfrm>
-            <a:off x="5656911" y="2706238"/>
-            <a:ext cx="442750" cy="369332"/>
-          </a:xfrm>
-          <a:prstGeom prst="rect">
-            <a:avLst/>
-          </a:prstGeom>
-          <a:noFill/>
-        </p:spPr>
-        <p:txBody>
-          <a:bodyPr wrap="none" rtlCol="0">
-            <a:spAutoFit/>
-          </a:bodyPr>
-          <a:lstStyle/>
-          <a:p>
-            <a:r>
-              <a:rPr kumimoji="1" lang="en-US" altLang="ja-JP" dirty="0" smtClean="0"/>
-              <a:t>(7)</a:t>
-            </a:r>
-            <a:endParaRPr kumimoji="1" lang="ja-JP" altLang="en-US" dirty="0"/>
-          </a:p>
-        </p:txBody>
-      </p:sp>
-      <p:sp>
-        <p:nvSpPr>
-          <p:cNvPr id="37" name="テキスト ボックス 36"/>
-          <p:cNvSpPr txBox="1"/>
-          <p:nvPr/>
-        </p:nvSpPr>
-        <p:spPr>
-          <a:xfrm>
-            <a:off x="6200282" y="1391668"/>
-            <a:ext cx="442750" cy="369332"/>
-          </a:xfrm>
-          <a:prstGeom prst="rect">
-            <a:avLst/>
-          </a:prstGeom>
-          <a:noFill/>
-        </p:spPr>
-        <p:txBody>
-          <a:bodyPr wrap="none" rtlCol="0">
-            <a:spAutoFit/>
-          </a:bodyPr>
-          <a:lstStyle/>
-          <a:p>
-            <a:r>
-              <a:rPr kumimoji="1" lang="en-US" altLang="ja-JP" dirty="0" smtClean="0"/>
-              <a:t>(4)</a:t>
-            </a:r>
-            <a:endParaRPr kumimoji="1" lang="ja-JP" altLang="en-US" dirty="0"/>
-          </a:p>
-        </p:txBody>
-      </p:sp>
-      <p:sp>
-        <p:nvSpPr>
-          <p:cNvPr id="38" name="右矢印 37"/>
-          <p:cNvSpPr/>
-          <p:nvPr/>
-        </p:nvSpPr>
-        <p:spPr>
-          <a:xfrm>
-            <a:off x="2472804" y="1645915"/>
-            <a:ext cx="801150" cy="224971"/>
+          <a:xfrm rot="10800000" flipH="1">
+            <a:off x="2900161" y="1645913"/>
+            <a:ext cx="402931" cy="224971"/>
           </a:xfrm>
           <a:prstGeom prst="rightArrow">
             <a:avLst/>
@@ -13655,350 +10640,14 @@
       </p:sp>
       <p:sp>
         <p:nvSpPr>
-          <p:cNvPr id="40" name="角丸四角形 39"/>
+          <p:cNvPr id="18" name="右矢印 17"/>
           <p:cNvSpPr/>
           <p:nvPr/>
         </p:nvSpPr>
         <p:spPr>
-          <a:xfrm>
-            <a:off x="3003424" y="919437"/>
-            <a:ext cx="458233" cy="360113"/>
-          </a:xfrm>
-          <a:prstGeom prst="roundRect">
-            <a:avLst/>
-          </a:prstGeom>
-          <a:noFill/>
-          <a:ln w="19050">
-            <a:solidFill>
-              <a:schemeClr val="tx2">
-                <a:lumMod val="60000"/>
-                <a:lumOff val="40000"/>
-              </a:schemeClr>
-            </a:solidFill>
-            <a:prstDash val="solid"/>
-          </a:ln>
-        </p:spPr>
-        <p:style>
-          <a:lnRef idx="1">
-            <a:schemeClr val="accent1"/>
-          </a:lnRef>
-          <a:fillRef idx="3">
-            <a:schemeClr val="accent1"/>
-          </a:fillRef>
-          <a:effectRef idx="2">
-            <a:schemeClr val="accent1"/>
-          </a:effectRef>
-          <a:fontRef idx="minor">
-            <a:schemeClr val="lt1"/>
-          </a:fontRef>
-        </p:style>
-        <p:txBody>
-          <a:bodyPr rtlCol="0" anchor="ctr"/>
-          <a:lstStyle/>
-          <a:p>
-            <a:pPr algn="ctr"/>
-            <a:endParaRPr kumimoji="1" lang="ja-JP" altLang="en-US"/>
-          </a:p>
-        </p:txBody>
-      </p:sp>
-      <p:sp>
-        <p:nvSpPr>
-          <p:cNvPr id="41" name="角丸四角形 40"/>
-          <p:cNvSpPr/>
-          <p:nvPr/>
-        </p:nvSpPr>
-        <p:spPr>
-          <a:xfrm>
-            <a:off x="3792464" y="906242"/>
-            <a:ext cx="2213429" cy="366051"/>
-          </a:xfrm>
-          <a:prstGeom prst="roundRect">
-            <a:avLst/>
-          </a:prstGeom>
-          <a:noFill/>
-          <a:ln w="19050">
-            <a:solidFill>
-              <a:schemeClr val="tx2">
-                <a:lumMod val="60000"/>
-                <a:lumOff val="40000"/>
-              </a:schemeClr>
-            </a:solidFill>
-            <a:prstDash val="solid"/>
-          </a:ln>
-        </p:spPr>
-        <p:style>
-          <a:lnRef idx="1">
-            <a:schemeClr val="accent1"/>
-          </a:lnRef>
-          <a:fillRef idx="3">
-            <a:schemeClr val="accent1"/>
-          </a:fillRef>
-          <a:effectRef idx="2">
-            <a:schemeClr val="accent1"/>
-          </a:effectRef>
-          <a:fontRef idx="minor">
-            <a:schemeClr val="lt1"/>
-          </a:fontRef>
-        </p:style>
-        <p:txBody>
-          <a:bodyPr rtlCol="0" anchor="ctr"/>
-          <a:lstStyle/>
-          <a:p>
-            <a:pPr algn="ctr"/>
-            <a:endParaRPr kumimoji="1" lang="ja-JP" altLang="en-US"/>
-          </a:p>
-        </p:txBody>
-      </p:sp>
-      <p:sp>
-        <p:nvSpPr>
-          <p:cNvPr id="42" name="角丸四角形 41"/>
-          <p:cNvSpPr/>
-          <p:nvPr/>
-        </p:nvSpPr>
-        <p:spPr>
-          <a:xfrm>
-            <a:off x="3293232" y="1575374"/>
-            <a:ext cx="386140" cy="366051"/>
-          </a:xfrm>
-          <a:prstGeom prst="roundRect">
-            <a:avLst/>
-          </a:prstGeom>
-          <a:noFill/>
-          <a:ln w="19050">
-            <a:solidFill>
-              <a:schemeClr val="tx2">
-                <a:lumMod val="60000"/>
-                <a:lumOff val="40000"/>
-              </a:schemeClr>
-            </a:solidFill>
-            <a:prstDash val="solid"/>
-          </a:ln>
-        </p:spPr>
-        <p:style>
-          <a:lnRef idx="1">
-            <a:schemeClr val="accent1"/>
-          </a:lnRef>
-          <a:fillRef idx="3">
-            <a:schemeClr val="accent1"/>
-          </a:fillRef>
-          <a:effectRef idx="2">
-            <a:schemeClr val="accent1"/>
-          </a:effectRef>
-          <a:fontRef idx="minor">
-            <a:schemeClr val="lt1"/>
-          </a:fontRef>
-        </p:style>
-        <p:txBody>
-          <a:bodyPr rtlCol="0" anchor="ctr"/>
-          <a:lstStyle/>
-          <a:p>
-            <a:pPr algn="ctr"/>
-            <a:endParaRPr kumimoji="1" lang="ja-JP" altLang="en-US"/>
-          </a:p>
-        </p:txBody>
-      </p:sp>
-      <p:sp>
-        <p:nvSpPr>
-          <p:cNvPr id="43" name="角丸四角形 42"/>
-          <p:cNvSpPr/>
-          <p:nvPr/>
-        </p:nvSpPr>
-        <p:spPr>
-          <a:xfrm>
-            <a:off x="3977978" y="1575374"/>
-            <a:ext cx="2220262" cy="366051"/>
-          </a:xfrm>
-          <a:prstGeom prst="roundRect">
-            <a:avLst/>
-          </a:prstGeom>
-          <a:noFill/>
-          <a:ln w="19050">
-            <a:solidFill>
-              <a:schemeClr val="tx2">
-                <a:lumMod val="60000"/>
-                <a:lumOff val="40000"/>
-              </a:schemeClr>
-            </a:solidFill>
-            <a:prstDash val="solid"/>
-          </a:ln>
-        </p:spPr>
-        <p:style>
-          <a:lnRef idx="1">
-            <a:schemeClr val="accent1"/>
-          </a:lnRef>
-          <a:fillRef idx="3">
-            <a:schemeClr val="accent1"/>
-          </a:fillRef>
-          <a:effectRef idx="2">
-            <a:schemeClr val="accent1"/>
-          </a:effectRef>
-          <a:fontRef idx="minor">
-            <a:schemeClr val="lt1"/>
-          </a:fontRef>
-        </p:style>
-        <p:txBody>
-          <a:bodyPr rtlCol="0" anchor="ctr"/>
-          <a:lstStyle/>
-          <a:p>
-            <a:pPr algn="ctr"/>
-            <a:endParaRPr kumimoji="1" lang="ja-JP" altLang="en-US"/>
-          </a:p>
-        </p:txBody>
-      </p:sp>
-      <p:sp>
-        <p:nvSpPr>
-          <p:cNvPr id="44" name="角丸四角形 43"/>
-          <p:cNvSpPr/>
-          <p:nvPr/>
-        </p:nvSpPr>
-        <p:spPr>
-          <a:xfrm>
-            <a:off x="4301286" y="2220968"/>
-            <a:ext cx="1591514" cy="366051"/>
-          </a:xfrm>
-          <a:prstGeom prst="roundRect">
-            <a:avLst/>
-          </a:prstGeom>
-          <a:noFill/>
-          <a:ln w="19050">
-            <a:solidFill>
-              <a:schemeClr val="tx2">
-                <a:lumMod val="60000"/>
-                <a:lumOff val="40000"/>
-              </a:schemeClr>
-            </a:solidFill>
-            <a:prstDash val="solid"/>
-          </a:ln>
-        </p:spPr>
-        <p:style>
-          <a:lnRef idx="1">
-            <a:schemeClr val="accent1"/>
-          </a:lnRef>
-          <a:fillRef idx="3">
-            <a:schemeClr val="accent1"/>
-          </a:fillRef>
-          <a:effectRef idx="2">
-            <a:schemeClr val="accent1"/>
-          </a:effectRef>
-          <a:fontRef idx="minor">
-            <a:schemeClr val="lt1"/>
-          </a:fontRef>
-        </p:style>
-        <p:txBody>
-          <a:bodyPr rtlCol="0" anchor="ctr"/>
-          <a:lstStyle/>
-          <a:p>
-            <a:pPr algn="ctr"/>
-            <a:endParaRPr kumimoji="1" lang="ja-JP" altLang="en-US"/>
-          </a:p>
-        </p:txBody>
-      </p:sp>
-      <p:sp>
-        <p:nvSpPr>
-          <p:cNvPr id="45" name="角丸四角形 44"/>
-          <p:cNvSpPr/>
-          <p:nvPr/>
-        </p:nvSpPr>
-        <p:spPr>
-          <a:xfrm>
-            <a:off x="3933488" y="2730852"/>
-            <a:ext cx="1673007" cy="366051"/>
-          </a:xfrm>
-          <a:prstGeom prst="roundRect">
-            <a:avLst/>
-          </a:prstGeom>
-          <a:noFill/>
-          <a:ln w="19050">
-            <a:solidFill>
-              <a:schemeClr val="tx2">
-                <a:lumMod val="60000"/>
-                <a:lumOff val="40000"/>
-              </a:schemeClr>
-            </a:solidFill>
-            <a:prstDash val="solid"/>
-          </a:ln>
-        </p:spPr>
-        <p:style>
-          <a:lnRef idx="1">
-            <a:schemeClr val="accent1"/>
-          </a:lnRef>
-          <a:fillRef idx="3">
-            <a:schemeClr val="accent1"/>
-          </a:fillRef>
-          <a:effectRef idx="2">
-            <a:schemeClr val="accent1"/>
-          </a:effectRef>
-          <a:fontRef idx="minor">
-            <a:schemeClr val="lt1"/>
-          </a:fontRef>
-        </p:style>
-        <p:txBody>
-          <a:bodyPr rtlCol="0" anchor="ctr"/>
-          <a:lstStyle/>
-          <a:p>
-            <a:pPr algn="ctr"/>
-            <a:endParaRPr kumimoji="1" lang="ja-JP" altLang="en-US"/>
-          </a:p>
-        </p:txBody>
-      </p:sp>
-      <p:sp>
-        <p:nvSpPr>
-          <p:cNvPr id="51" name="角丸四角形 50"/>
-          <p:cNvSpPr/>
-          <p:nvPr/>
-        </p:nvSpPr>
-        <p:spPr>
-          <a:xfrm>
-            <a:off x="3585030" y="2235482"/>
-            <a:ext cx="408968" cy="366051"/>
-          </a:xfrm>
-          <a:prstGeom prst="roundRect">
-            <a:avLst/>
-          </a:prstGeom>
-          <a:noFill/>
-          <a:ln w="19050">
-            <a:solidFill>
-              <a:schemeClr val="tx2">
-                <a:lumMod val="60000"/>
-                <a:lumOff val="40000"/>
-              </a:schemeClr>
-            </a:solidFill>
-            <a:prstDash val="solid"/>
-          </a:ln>
-        </p:spPr>
-        <p:style>
-          <a:lnRef idx="1">
-            <a:schemeClr val="accent1"/>
-          </a:lnRef>
-          <a:fillRef idx="3">
-            <a:schemeClr val="accent1"/>
-          </a:fillRef>
-          <a:effectRef idx="2">
-            <a:schemeClr val="accent1"/>
-          </a:effectRef>
-          <a:fontRef idx="minor">
-            <a:schemeClr val="lt1"/>
-          </a:fontRef>
-        </p:style>
-        <p:txBody>
-          <a:bodyPr rtlCol="0" anchor="ctr"/>
-          <a:lstStyle/>
-          <a:p>
-            <a:pPr algn="ctr"/>
-            <a:endParaRPr kumimoji="1" lang="ja-JP" altLang="en-US"/>
-          </a:p>
-        </p:txBody>
-      </p:sp>
-      <p:sp>
-        <p:nvSpPr>
-          <p:cNvPr id="52" name="右矢印 51"/>
-          <p:cNvSpPr/>
-          <p:nvPr/>
-        </p:nvSpPr>
-        <p:spPr>
-          <a:xfrm>
-            <a:off x="2485938" y="2309545"/>
-            <a:ext cx="1099091" cy="224971"/>
+          <a:xfrm rot="10800000" flipH="1">
+            <a:off x="3175975" y="2321635"/>
+            <a:ext cx="402931" cy="224971"/>
           </a:xfrm>
           <a:prstGeom prst="rightArrow">
             <a:avLst/>
@@ -14029,71 +10678,31 @@
       </p:sp>
       <p:sp>
         <p:nvSpPr>
-          <p:cNvPr id="53" name="テキスト ボックス 52"/>
-          <p:cNvSpPr txBox="1"/>
-          <p:nvPr/>
-        </p:nvSpPr>
-        <p:spPr>
-          <a:xfrm>
-            <a:off x="1328051" y="2224944"/>
-            <a:ext cx="1152010" cy="369332"/>
-          </a:xfrm>
-          <a:prstGeom prst="rect">
-            <a:avLst/>
-          </a:prstGeom>
-          <a:noFill/>
-        </p:spPr>
-        <p:txBody>
-          <a:bodyPr wrap="square" rtlCol="0">
-            <a:spAutoFit/>
-          </a:bodyPr>
-          <a:lstStyle/>
-          <a:p>
-            <a:r>
-              <a:rPr lang="en-US" altLang="ja-JP" b="1" dirty="0" smtClean="0"/>
-              <a:t>Page Link</a:t>
-            </a:r>
-            <a:endParaRPr kumimoji="1" lang="ja-JP" altLang="en-US" b="1" dirty="0"/>
-          </a:p>
-        </p:txBody>
-      </p:sp>
-      <p:sp>
-        <p:nvSpPr>
-          <p:cNvPr id="54" name="正方形/長方形 53"/>
+          <p:cNvPr id="19" name="右矢印 18"/>
           <p:cNvSpPr/>
           <p:nvPr/>
         </p:nvSpPr>
         <p:spPr>
-          <a:xfrm>
-            <a:off x="3696754" y="2068286"/>
-            <a:ext cx="3857932" cy="1502228"/>
-          </a:xfrm>
-          <a:prstGeom prst="rect">
-            <a:avLst/>
-          </a:prstGeom>
-          <a:noFill/>
-          <a:ln w="19050">
-            <a:solidFill>
-              <a:schemeClr val="tx1">
-                <a:lumMod val="50000"/>
-                <a:lumOff val="50000"/>
-              </a:schemeClr>
-            </a:solidFill>
-            <a:prstDash val="solid"/>
-          </a:ln>
+          <a:xfrm rot="10800000">
+            <a:off x="5987722" y="2311051"/>
+            <a:ext cx="402931" cy="224971"/>
+          </a:xfrm>
+          <a:prstGeom prst="rightArrow">
+            <a:avLst/>
+          </a:prstGeom>
         </p:spPr>
         <p:style>
           <a:lnRef idx="1">
-            <a:schemeClr val="accent1"/>
+            <a:schemeClr val="dk1"/>
           </a:lnRef>
-          <a:fillRef idx="3">
-            <a:schemeClr val="accent1"/>
+          <a:fillRef idx="2">
+            <a:schemeClr val="dk1"/>
           </a:fillRef>
-          <a:effectRef idx="2">
-            <a:schemeClr val="accent1"/>
+          <a:effectRef idx="1">
+            <a:schemeClr val="dk1"/>
           </a:effectRef>
           <a:fontRef idx="minor">
-            <a:schemeClr val="lt1"/>
+            <a:schemeClr val="dk1"/>
           </a:fontRef>
         </p:style>
         <p:txBody>
@@ -14107,31 +10716,39 @@
       </p:sp>
       <p:sp>
         <p:nvSpPr>
-          <p:cNvPr id="55" name="テキスト ボックス 54"/>
-          <p:cNvSpPr txBox="1"/>
-          <p:nvPr/>
-        </p:nvSpPr>
-        <p:spPr>
-          <a:xfrm>
-            <a:off x="2634985" y="2034661"/>
-            <a:ext cx="442750" cy="369332"/>
-          </a:xfrm>
-          <a:prstGeom prst="rect">
-            <a:avLst/>
-          </a:prstGeom>
-          <a:noFill/>
-        </p:spPr>
-        <p:txBody>
-          <a:bodyPr wrap="none" rtlCol="0">
-            <a:spAutoFit/>
-          </a:bodyPr>
-          <a:lstStyle/>
-          <a:p>
-            <a:r>
-              <a:rPr kumimoji="1" lang="en-US" altLang="ja-JP" dirty="0" smtClean="0"/>
-              <a:t>(5)</a:t>
-            </a:r>
-            <a:endParaRPr kumimoji="1" lang="ja-JP" altLang="en-US" dirty="0"/>
+          <p:cNvPr id="21" name="右矢印 20"/>
+          <p:cNvSpPr/>
+          <p:nvPr/>
+        </p:nvSpPr>
+        <p:spPr>
+          <a:xfrm rot="10800000">
+            <a:off x="5709758" y="2802853"/>
+            <a:ext cx="402931" cy="224971"/>
+          </a:xfrm>
+          <a:prstGeom prst="rightArrow">
+            <a:avLst/>
+          </a:prstGeom>
+        </p:spPr>
+        <p:style>
+          <a:lnRef idx="1">
+            <a:schemeClr val="dk1"/>
+          </a:lnRef>
+          <a:fillRef idx="2">
+            <a:schemeClr val="dk1"/>
+          </a:fillRef>
+          <a:effectRef idx="1">
+            <a:schemeClr val="dk1"/>
+          </a:effectRef>
+          <a:fontRef idx="minor">
+            <a:schemeClr val="dk1"/>
+          </a:fontRef>
+        </p:style>
+        <p:txBody>
+          <a:bodyPr rtlCol="0" anchor="ctr"/>
+          <a:lstStyle/>
+          <a:p>
+            <a:pPr algn="ctr"/>
+            <a:endParaRPr kumimoji="1" lang="ja-JP" altLang="en-US"/>
           </a:p>
         </p:txBody>
       </p:sp>
@@ -14195,7 +10812,7 @@
         </p:blipFill>
         <p:spPr bwMode="auto">
           <a:xfrm>
-            <a:off x="1597932" y="1020985"/>
+            <a:off x="2019300" y="1020985"/>
             <a:ext cx="5105400" cy="781050"/>
           </a:xfrm>
           <a:prstGeom prst="rect">
@@ -14234,8 +10851,8 @@
         </p:nvSpPr>
         <p:spPr>
           <a:xfrm>
-            <a:off x="3113535" y="352518"/>
-            <a:ext cx="700833" cy="369332"/>
+            <a:off x="4350625" y="314489"/>
+            <a:ext cx="442750" cy="369332"/>
           </a:xfrm>
           <a:prstGeom prst="rect">
             <a:avLst/>
@@ -14250,72 +10867,294 @@
           <a:p>
             <a:r>
               <a:rPr kumimoji="1" lang="en-US" altLang="ja-JP" dirty="0" smtClean="0"/>
-              <a:t>(1)(2)</a:t>
+              <a:t>(1)</a:t>
             </a:r>
             <a:endParaRPr kumimoji="1" lang="ja-JP" altLang="en-US" dirty="0"/>
           </a:p>
         </p:txBody>
       </p:sp>
-      <p:sp>
-        <p:nvSpPr>
-          <p:cNvPr id="26" name="テキスト ボックス 25"/>
-          <p:cNvSpPr txBox="1"/>
-          <p:nvPr/>
-        </p:nvSpPr>
-        <p:spPr>
-          <a:xfrm>
-            <a:off x="3712768" y="361314"/>
-            <a:ext cx="1792514" cy="369332"/>
+      <p:grpSp>
+        <p:nvGrpSpPr>
+          <p:cNvPr id="2" name="グループ化 1"/>
+          <p:cNvGrpSpPr/>
+          <p:nvPr/>
+        </p:nvGrpSpPr>
+        <p:grpSpPr>
+          <a:xfrm>
+            <a:off x="1973261" y="2426137"/>
+            <a:ext cx="5105400" cy="781050"/>
+            <a:chOff x="1612446" y="2426137"/>
+            <a:chExt cx="5105400" cy="781050"/>
+          </a:xfrm>
+        </p:grpSpPr>
+        <p:pic>
+          <p:nvPicPr>
+            <p:cNvPr id="60" name="Picture 2"/>
+            <p:cNvPicPr>
+              <a:picLocks noChangeAspect="1" noChangeArrowheads="1"/>
+            </p:cNvPicPr>
+            <p:nvPr/>
+          </p:nvPicPr>
+          <p:blipFill>
+            <a:blip r:embed="rId2">
+              <a:extLst>
+                <a:ext uri="{28A0092B-C50C-407E-A947-70E740481C1C}">
+                  <a14:useLocalDpi xmlns:a14="http://schemas.microsoft.com/office/drawing/2010/main" val="0"/>
+                </a:ext>
+              </a:extLst>
+            </a:blip>
+            <a:srcRect/>
+            <a:stretch>
+              <a:fillRect/>
+            </a:stretch>
+          </p:blipFill>
+          <p:spPr bwMode="auto">
+            <a:xfrm>
+              <a:off x="1612446" y="2426137"/>
+              <a:ext cx="5105400" cy="781050"/>
+            </a:xfrm>
+            <a:prstGeom prst="rect">
+              <a:avLst/>
+            </a:prstGeom>
+            <a:noFill/>
+            <a:ln>
+              <a:noFill/>
+            </a:ln>
+            <a:extLst>
+              <a:ext uri="{909E8E84-426E-40DD-AFC4-6F175D3DCCD1}">
+                <a14:hiddenFill xmlns:a14="http://schemas.microsoft.com/office/drawing/2010/main">
+                  <a:solidFill>
+                    <a:schemeClr val="accent1"/>
+                  </a:solidFill>
+                </a14:hiddenFill>
+              </a:ext>
+              <a:ext uri="{91240B29-F687-4F45-9708-019B960494DF}">
+                <a14:hiddenLine xmlns:a14="http://schemas.microsoft.com/office/drawing/2010/main" w="9525">
+                  <a:solidFill>
+                    <a:schemeClr val="tx1"/>
+                  </a:solidFill>
+                  <a:miter lim="800000"/>
+                  <a:headEnd/>
+                  <a:tailEnd/>
+                </a14:hiddenLine>
+              </a:ext>
+            </a:extLst>
+          </p:spPr>
+        </p:pic>
+        <p:sp>
+          <p:nvSpPr>
+            <p:cNvPr id="64" name="正方形/長方形 63"/>
+            <p:cNvSpPr/>
+            <p:nvPr/>
+          </p:nvSpPr>
+          <p:spPr>
+            <a:xfrm>
+              <a:off x="4091296" y="2619001"/>
+              <a:ext cx="312057" cy="298057"/>
+            </a:xfrm>
+            <a:prstGeom prst="rect">
+              <a:avLst/>
+            </a:prstGeom>
+            <a:noFill/>
+            <a:ln w="19050">
+              <a:solidFill>
+                <a:schemeClr val="tx1">
+                  <a:lumMod val="50000"/>
+                  <a:lumOff val="50000"/>
+                </a:schemeClr>
+              </a:solidFill>
+              <a:prstDash val="solid"/>
+            </a:ln>
+          </p:spPr>
+          <p:style>
+            <a:lnRef idx="1">
+              <a:schemeClr val="accent1"/>
+            </a:lnRef>
+            <a:fillRef idx="3">
+              <a:schemeClr val="accent1"/>
+            </a:fillRef>
+            <a:effectRef idx="2">
+              <a:schemeClr val="accent1"/>
+            </a:effectRef>
+            <a:fontRef idx="minor">
+              <a:schemeClr val="lt1"/>
+            </a:fontRef>
+          </p:style>
+          <p:txBody>
+            <a:bodyPr rtlCol="0" anchor="ctr"/>
+            <a:lstStyle/>
+            <a:p>
+              <a:pPr algn="ctr"/>
+              <a:endParaRPr kumimoji="1" lang="ja-JP" altLang="en-US"/>
+            </a:p>
+          </p:txBody>
+        </p:sp>
+      </p:grpSp>
+      <p:sp>
+        <p:nvSpPr>
+          <p:cNvPr id="66" name="正方形/長方形 65"/>
+          <p:cNvSpPr/>
+          <p:nvPr/>
+        </p:nvSpPr>
+        <p:spPr>
+          <a:xfrm>
+            <a:off x="2231573" y="1182914"/>
+            <a:ext cx="4588776" cy="348343"/>
           </a:xfrm>
           <a:prstGeom prst="rect">
             <a:avLst/>
           </a:prstGeom>
           <a:noFill/>
-        </p:spPr>
-        <p:txBody>
-          <a:bodyPr wrap="square" rtlCol="0">
-            <a:spAutoFit/>
-          </a:bodyPr>
-          <a:lstStyle/>
-          <a:p>
-            <a:r>
-              <a:rPr lang="en-US" altLang="ja-JP" b="1" dirty="0" smtClean="0"/>
-              <a:t>Outer Element</a:t>
-            </a:r>
-            <a:endParaRPr kumimoji="1" lang="ja-JP" altLang="en-US" b="1" dirty="0"/>
-          </a:p>
-        </p:txBody>
-      </p:sp>
-      <p:sp>
-        <p:nvSpPr>
-          <p:cNvPr id="32" name="テキスト ボックス 31"/>
-          <p:cNvSpPr txBox="1"/>
-          <p:nvPr/>
-        </p:nvSpPr>
-        <p:spPr>
-          <a:xfrm>
-            <a:off x="3749053" y="1785703"/>
-            <a:ext cx="1792514" cy="369332"/>
-          </a:xfrm>
-          <a:prstGeom prst="rect">
-            <a:avLst/>
-          </a:prstGeom>
-          <a:noFill/>
-        </p:spPr>
-        <p:txBody>
-          <a:bodyPr wrap="square" rtlCol="0">
-            <a:spAutoFit/>
-          </a:bodyPr>
-          <a:lstStyle/>
-          <a:p>
-            <a:r>
-              <a:rPr lang="en-US" altLang="ja-JP" b="1" dirty="0" smtClean="0"/>
-              <a:t>Inner Element</a:t>
-            </a:r>
-            <a:endParaRPr kumimoji="1" lang="ja-JP" altLang="en-US" b="1" dirty="0"/>
-          </a:p>
-        </p:txBody>
-      </p:sp>
+          <a:ln w="19050">
+            <a:solidFill>
+              <a:schemeClr val="tx1">
+                <a:lumMod val="50000"/>
+                <a:lumOff val="50000"/>
+              </a:schemeClr>
+            </a:solidFill>
+            <a:prstDash val="solid"/>
+          </a:ln>
+        </p:spPr>
+        <p:style>
+          <a:lnRef idx="1">
+            <a:schemeClr val="accent1"/>
+          </a:lnRef>
+          <a:fillRef idx="3">
+            <a:schemeClr val="accent1"/>
+          </a:fillRef>
+          <a:effectRef idx="2">
+            <a:schemeClr val="accent1"/>
+          </a:effectRef>
+          <a:fontRef idx="minor">
+            <a:schemeClr val="lt1"/>
+          </a:fontRef>
+        </p:style>
+        <p:txBody>
+          <a:bodyPr rtlCol="0" anchor="ctr"/>
+          <a:lstStyle/>
+          <a:p>
+            <a:pPr algn="ctr"/>
+            <a:endParaRPr kumimoji="1" lang="ja-JP" altLang="en-US"/>
+          </a:p>
+        </p:txBody>
+      </p:sp>
+      <p:grpSp>
+        <p:nvGrpSpPr>
+          <p:cNvPr id="3" name="グループ化 2"/>
+          <p:cNvGrpSpPr/>
+          <p:nvPr/>
+        </p:nvGrpSpPr>
+        <p:grpSpPr>
+          <a:xfrm>
+            <a:off x="3694793" y="3687527"/>
+            <a:ext cx="1826692" cy="1370019"/>
+            <a:chOff x="3473408" y="3687527"/>
+            <a:chExt cx="1826692" cy="1370019"/>
+          </a:xfrm>
+        </p:grpSpPr>
+        <p:pic>
+          <p:nvPicPr>
+            <p:cNvPr id="2052" name="Picture 4"/>
+            <p:cNvPicPr>
+              <a:picLocks noChangeAspect="1" noChangeArrowheads="1"/>
+            </p:cNvPicPr>
+            <p:nvPr/>
+          </p:nvPicPr>
+          <p:blipFill>
+            <a:blip r:embed="rId3">
+              <a:extLst>
+                <a:ext uri="{28A0092B-C50C-407E-A947-70E740481C1C}">
+                  <a14:useLocalDpi xmlns:a14="http://schemas.microsoft.com/office/drawing/2010/main" val="0"/>
+                </a:ext>
+              </a:extLst>
+            </a:blip>
+            <a:srcRect/>
+            <a:stretch>
+              <a:fillRect/>
+            </a:stretch>
+          </p:blipFill>
+          <p:spPr bwMode="auto">
+            <a:xfrm>
+              <a:off x="3473408" y="3687527"/>
+              <a:ext cx="1826692" cy="1370019"/>
+            </a:xfrm>
+            <a:prstGeom prst="rect">
+              <a:avLst/>
+            </a:prstGeom>
+            <a:noFill/>
+            <a:ln>
+              <a:noFill/>
+            </a:ln>
+            <a:extLst>
+              <a:ext uri="{909E8E84-426E-40DD-AFC4-6F175D3DCCD1}">
+                <a14:hiddenFill xmlns:a14="http://schemas.microsoft.com/office/drawing/2010/main">
+                  <a:solidFill>
+                    <a:schemeClr val="accent1"/>
+                  </a:solidFill>
+                </a14:hiddenFill>
+              </a:ext>
+              <a:ext uri="{91240B29-F687-4F45-9708-019B960494DF}">
+                <a14:hiddenLine xmlns:a14="http://schemas.microsoft.com/office/drawing/2010/main" w="9525">
+                  <a:solidFill>
+                    <a:schemeClr val="tx1"/>
+                  </a:solidFill>
+                  <a:miter lim="800000"/>
+                  <a:headEnd/>
+                  <a:tailEnd/>
+                </a14:hiddenLine>
+              </a:ext>
+            </a:extLst>
+          </p:spPr>
+        </p:pic>
+        <p:sp>
+          <p:nvSpPr>
+            <p:cNvPr id="68" name="正方形/長方形 67"/>
+            <p:cNvSpPr/>
+            <p:nvPr/>
+          </p:nvSpPr>
+          <p:spPr>
+            <a:xfrm>
+              <a:off x="4024449" y="4089839"/>
+              <a:ext cx="576726" cy="580998"/>
+            </a:xfrm>
+            <a:prstGeom prst="rect">
+              <a:avLst/>
+            </a:prstGeom>
+            <a:noFill/>
+            <a:ln w="19050">
+              <a:solidFill>
+                <a:schemeClr val="tx1">
+                  <a:lumMod val="50000"/>
+                  <a:lumOff val="50000"/>
+                </a:schemeClr>
+              </a:solidFill>
+              <a:prstDash val="solid"/>
+            </a:ln>
+          </p:spPr>
+          <p:style>
+            <a:lnRef idx="1">
+              <a:schemeClr val="accent1"/>
+            </a:lnRef>
+            <a:fillRef idx="3">
+              <a:schemeClr val="accent1"/>
+            </a:fillRef>
+            <a:effectRef idx="2">
+              <a:schemeClr val="accent1"/>
+            </a:effectRef>
+            <a:fontRef idx="minor">
+              <a:schemeClr val="lt1"/>
+            </a:fontRef>
+          </p:style>
+          <p:txBody>
+            <a:bodyPr rtlCol="0" anchor="ctr"/>
+            <a:lstStyle/>
+            <a:p>
+              <a:pPr algn="ctr"/>
+              <a:endParaRPr kumimoji="1" lang="ja-JP" altLang="en-US"/>
+            </a:p>
+          </p:txBody>
+        </p:sp>
+      </p:grpSp>
       <p:sp>
         <p:nvSpPr>
           <p:cNvPr id="39" name="テキスト ボックス 38"/>
@@ -14324,8 +11163,8 @@
         </p:nvSpPr>
         <p:spPr>
           <a:xfrm>
-            <a:off x="3157580" y="1785696"/>
-            <a:ext cx="700833" cy="369332"/>
+            <a:off x="4386764" y="1796819"/>
+            <a:ext cx="442750" cy="369332"/>
           </a:xfrm>
           <a:prstGeom prst="rect">
             <a:avLst/>
@@ -14340,7 +11179,15 @@
           <a:p>
             <a:r>
               <a:rPr kumimoji="1" lang="en-US" altLang="ja-JP" dirty="0" smtClean="0"/>
-              <a:t>(3)(4)</a:t>
+              <a:t>(</a:t>
+            </a:r>
+            <a:r>
+              <a:rPr lang="en-US" altLang="ja-JP" dirty="0"/>
+              <a:t>2</a:t>
+            </a:r>
+            <a:r>
+              <a:rPr kumimoji="1" lang="en-US" altLang="ja-JP" dirty="0" smtClean="0"/>
+              <a:t>)</a:t>
             </a:r>
             <a:endParaRPr kumimoji="1" lang="ja-JP" altLang="en-US" dirty="0"/>
           </a:p>
@@ -14348,14 +11195,44 @@
       </p:sp>
       <p:sp>
         <p:nvSpPr>
-          <p:cNvPr id="53" name="右矢印 52"/>
+          <p:cNvPr id="58" name="テキスト ボックス 57"/>
+          <p:cNvSpPr txBox="1"/>
+          <p:nvPr/>
+        </p:nvSpPr>
+        <p:spPr>
+          <a:xfrm>
+            <a:off x="4046502" y="3131430"/>
+            <a:ext cx="958917" cy="369332"/>
+          </a:xfrm>
+          <a:prstGeom prst="rect">
+            <a:avLst/>
+          </a:prstGeom>
+          <a:noFill/>
+        </p:spPr>
+        <p:txBody>
+          <a:bodyPr wrap="none" rtlCol="0">
+            <a:spAutoFit/>
+          </a:bodyPr>
+          <a:lstStyle/>
+          <a:p>
+            <a:r>
+              <a:rPr kumimoji="1" lang="en-US" altLang="ja-JP" dirty="0" smtClean="0"/>
+              <a:t>(3)(4)(5)</a:t>
+            </a:r>
+            <a:endParaRPr kumimoji="1" lang="ja-JP" altLang="en-US" dirty="0"/>
+          </a:p>
+        </p:txBody>
+      </p:sp>
+      <p:sp>
+        <p:nvSpPr>
+          <p:cNvPr id="11" name="右矢印 10"/>
           <p:cNvSpPr/>
           <p:nvPr/>
         </p:nvSpPr>
         <p:spPr>
-          <a:xfrm rot="5400000">
-            <a:off x="3978295" y="839582"/>
-            <a:ext cx="476208" cy="224971"/>
+          <a:xfrm rot="16200000" flipH="1">
+            <a:off x="4370535" y="791554"/>
+            <a:ext cx="402931" cy="224971"/>
           </a:xfrm>
           <a:prstGeom prst="rightArrow">
             <a:avLst/>
@@ -14386,296 +11263,14 @@
       </p:sp>
       <p:sp>
         <p:nvSpPr>
-          <p:cNvPr id="58" name="テキスト ボックス 57"/>
-          <p:cNvSpPr txBox="1"/>
-          <p:nvPr/>
-        </p:nvSpPr>
-        <p:spPr>
-          <a:xfrm>
-            <a:off x="3207550" y="3226809"/>
-            <a:ext cx="958917" cy="369332"/>
-          </a:xfrm>
-          <a:prstGeom prst="rect">
-            <a:avLst/>
-          </a:prstGeom>
-          <a:noFill/>
-        </p:spPr>
-        <p:txBody>
-          <a:bodyPr wrap="none" rtlCol="0">
-            <a:spAutoFit/>
-          </a:bodyPr>
-          <a:lstStyle/>
-          <a:p>
-            <a:r>
-              <a:rPr kumimoji="1" lang="en-US" altLang="ja-JP" dirty="0" smtClean="0"/>
-              <a:t>(5)(6)(7)</a:t>
-            </a:r>
-            <a:endParaRPr kumimoji="1" lang="ja-JP" altLang="en-US" dirty="0"/>
-          </a:p>
-        </p:txBody>
-      </p:sp>
-      <p:pic>
-        <p:nvPicPr>
-          <p:cNvPr id="60" name="Picture 2"/>
-          <p:cNvPicPr>
-            <a:picLocks noChangeAspect="1" noChangeArrowheads="1"/>
-          </p:cNvPicPr>
-          <p:nvPr/>
-        </p:nvPicPr>
-        <p:blipFill>
-          <a:blip r:embed="rId2">
-            <a:extLst>
-              <a:ext uri="{28A0092B-C50C-407E-A947-70E740481C1C}">
-                <a14:useLocalDpi xmlns:a14="http://schemas.microsoft.com/office/drawing/2010/main" val="0"/>
-              </a:ext>
-            </a:extLst>
-          </a:blip>
-          <a:srcRect/>
-          <a:stretch>
-            <a:fillRect/>
-          </a:stretch>
-        </p:blipFill>
-        <p:spPr bwMode="auto">
-          <a:xfrm>
-            <a:off x="1612446" y="2426137"/>
-            <a:ext cx="5105400" cy="781050"/>
-          </a:xfrm>
-          <a:prstGeom prst="rect">
-            <a:avLst/>
-          </a:prstGeom>
-          <a:noFill/>
-          <a:ln>
-            <a:noFill/>
-          </a:ln>
-          <a:extLst>
-            <a:ext uri="{909E8E84-426E-40DD-AFC4-6F175D3DCCD1}">
-              <a14:hiddenFill xmlns:a14="http://schemas.microsoft.com/office/drawing/2010/main">
-                <a:solidFill>
-                  <a:schemeClr val="accent1"/>
-                </a:solidFill>
-              </a14:hiddenFill>
-            </a:ext>
-            <a:ext uri="{91240B29-F687-4F45-9708-019B960494DF}">
-              <a14:hiddenLine xmlns:a14="http://schemas.microsoft.com/office/drawing/2010/main" w="9525">
-                <a:solidFill>
-                  <a:schemeClr val="tx1"/>
-                </a:solidFill>
-                <a:miter lim="800000"/>
-                <a:headEnd/>
-                <a:tailEnd/>
-              </a14:hiddenLine>
-            </a:ext>
-          </a:extLst>
-        </p:spPr>
-      </p:pic>
-      <p:sp>
-        <p:nvSpPr>
-          <p:cNvPr id="64" name="正方形/長方形 63"/>
+          <p:cNvPr id="13" name="右矢印 12"/>
           <p:cNvSpPr/>
           <p:nvPr/>
         </p:nvSpPr>
         <p:spPr>
-          <a:xfrm>
-            <a:off x="4091296" y="2619001"/>
-            <a:ext cx="312057" cy="298057"/>
-          </a:xfrm>
-          <a:prstGeom prst="rect">
-            <a:avLst/>
-          </a:prstGeom>
-          <a:noFill/>
-          <a:ln w="19050">
-            <a:solidFill>
-              <a:schemeClr val="tx1">
-                <a:lumMod val="50000"/>
-                <a:lumOff val="50000"/>
-              </a:schemeClr>
-            </a:solidFill>
-            <a:prstDash val="solid"/>
-          </a:ln>
-        </p:spPr>
-        <p:style>
-          <a:lnRef idx="1">
-            <a:schemeClr val="accent1"/>
-          </a:lnRef>
-          <a:fillRef idx="3">
-            <a:schemeClr val="accent1"/>
-          </a:fillRef>
-          <a:effectRef idx="2">
-            <a:schemeClr val="accent1"/>
-          </a:effectRef>
-          <a:fontRef idx="minor">
-            <a:schemeClr val="lt1"/>
-          </a:fontRef>
-        </p:style>
-        <p:txBody>
-          <a:bodyPr rtlCol="0" anchor="ctr"/>
-          <a:lstStyle/>
-          <a:p>
-            <a:pPr algn="ctr"/>
-            <a:endParaRPr kumimoji="1" lang="ja-JP" altLang="en-US"/>
-          </a:p>
-        </p:txBody>
-      </p:sp>
-      <p:sp>
-        <p:nvSpPr>
-          <p:cNvPr id="66" name="正方形/長方形 65"/>
-          <p:cNvSpPr/>
-          <p:nvPr/>
-        </p:nvSpPr>
-        <p:spPr>
-          <a:xfrm>
-            <a:off x="1763486" y="1182914"/>
-            <a:ext cx="4680857" cy="348343"/>
-          </a:xfrm>
-          <a:prstGeom prst="rect">
-            <a:avLst/>
-          </a:prstGeom>
-          <a:noFill/>
-          <a:ln w="19050">
-            <a:solidFill>
-              <a:schemeClr val="tx1">
-                <a:lumMod val="50000"/>
-                <a:lumOff val="50000"/>
-              </a:schemeClr>
-            </a:solidFill>
-            <a:prstDash val="solid"/>
-          </a:ln>
-        </p:spPr>
-        <p:style>
-          <a:lnRef idx="1">
-            <a:schemeClr val="accent1"/>
-          </a:lnRef>
-          <a:fillRef idx="3">
-            <a:schemeClr val="accent1"/>
-          </a:fillRef>
-          <a:effectRef idx="2">
-            <a:schemeClr val="accent1"/>
-          </a:effectRef>
-          <a:fontRef idx="minor">
-            <a:schemeClr val="lt1"/>
-          </a:fontRef>
-        </p:style>
-        <p:txBody>
-          <a:bodyPr rtlCol="0" anchor="ctr"/>
-          <a:lstStyle/>
-          <a:p>
-            <a:pPr algn="ctr"/>
-            <a:endParaRPr kumimoji="1" lang="ja-JP" altLang="en-US"/>
-          </a:p>
-        </p:txBody>
-      </p:sp>
-      <p:pic>
-        <p:nvPicPr>
-          <p:cNvPr id="2052" name="Picture 4"/>
-          <p:cNvPicPr>
-            <a:picLocks noChangeAspect="1" noChangeArrowheads="1"/>
-          </p:cNvPicPr>
-          <p:nvPr/>
-        </p:nvPicPr>
-        <p:blipFill>
-          <a:blip r:embed="rId3">
-            <a:extLst>
-              <a:ext uri="{28A0092B-C50C-407E-A947-70E740481C1C}">
-                <a14:useLocalDpi xmlns:a14="http://schemas.microsoft.com/office/drawing/2010/main" val="0"/>
-              </a:ext>
-            </a:extLst>
-          </a:blip>
-          <a:srcRect/>
-          <a:stretch>
-            <a:fillRect/>
-          </a:stretch>
-        </p:blipFill>
-        <p:spPr bwMode="auto">
-          <a:xfrm>
-            <a:off x="3473408" y="3687527"/>
-            <a:ext cx="1826692" cy="1370019"/>
-          </a:xfrm>
-          <a:prstGeom prst="rect">
-            <a:avLst/>
-          </a:prstGeom>
-          <a:noFill/>
-          <a:ln>
-            <a:noFill/>
-          </a:ln>
-          <a:extLst>
-            <a:ext uri="{909E8E84-426E-40DD-AFC4-6F175D3DCCD1}">
-              <a14:hiddenFill xmlns:a14="http://schemas.microsoft.com/office/drawing/2010/main">
-                <a:solidFill>
-                  <a:schemeClr val="accent1"/>
-                </a:solidFill>
-              </a14:hiddenFill>
-            </a:ext>
-            <a:ext uri="{91240B29-F687-4F45-9708-019B960494DF}">
-              <a14:hiddenLine xmlns:a14="http://schemas.microsoft.com/office/drawing/2010/main" w="9525">
-                <a:solidFill>
-                  <a:schemeClr val="tx1"/>
-                </a:solidFill>
-                <a:miter lim="800000"/>
-                <a:headEnd/>
-                <a:tailEnd/>
-              </a14:hiddenLine>
-            </a:ext>
-          </a:extLst>
-        </p:spPr>
-      </p:pic>
-      <p:sp>
-        <p:nvSpPr>
-          <p:cNvPr id="68" name="正方形/長方形 67"/>
-          <p:cNvSpPr/>
-          <p:nvPr/>
-        </p:nvSpPr>
-        <p:spPr>
-          <a:xfrm>
-            <a:off x="4024449" y="4089839"/>
-            <a:ext cx="576726" cy="580998"/>
-          </a:xfrm>
-          <a:prstGeom prst="rect">
-            <a:avLst/>
-          </a:prstGeom>
-          <a:noFill/>
-          <a:ln w="19050">
-            <a:solidFill>
-              <a:schemeClr val="tx1">
-                <a:lumMod val="50000"/>
-                <a:lumOff val="50000"/>
-              </a:schemeClr>
-            </a:solidFill>
-            <a:prstDash val="solid"/>
-          </a:ln>
-        </p:spPr>
-        <p:style>
-          <a:lnRef idx="1">
-            <a:schemeClr val="accent1"/>
-          </a:lnRef>
-          <a:fillRef idx="3">
-            <a:schemeClr val="accent1"/>
-          </a:fillRef>
-          <a:effectRef idx="2">
-            <a:schemeClr val="accent1"/>
-          </a:effectRef>
-          <a:fontRef idx="minor">
-            <a:schemeClr val="lt1"/>
-          </a:fontRef>
-        </p:style>
-        <p:txBody>
-          <a:bodyPr rtlCol="0" anchor="ctr"/>
-          <a:lstStyle/>
-          <a:p>
-            <a:pPr algn="ctr"/>
-            <a:endParaRPr kumimoji="1" lang="ja-JP" altLang="en-US"/>
-          </a:p>
-        </p:txBody>
-      </p:sp>
-      <p:sp>
-        <p:nvSpPr>
-          <p:cNvPr id="69" name="右矢印 68"/>
-          <p:cNvSpPr/>
-          <p:nvPr/>
-        </p:nvSpPr>
-        <p:spPr>
-          <a:xfrm rot="5400000">
-            <a:off x="4017755" y="2251626"/>
-            <a:ext cx="476208" cy="224971"/>
+          <a:xfrm rot="16200000" flipH="1">
+            <a:off x="4409078" y="2246529"/>
+            <a:ext cx="402931" cy="224971"/>
           </a:xfrm>
           <a:prstGeom prst="rightArrow">
             <a:avLst/>
@@ -14706,44 +11301,14 @@
       </p:sp>
       <p:sp>
         <p:nvSpPr>
-          <p:cNvPr id="70" name="テキスト ボックス 69"/>
-          <p:cNvSpPr txBox="1"/>
-          <p:nvPr/>
-        </p:nvSpPr>
-        <p:spPr>
-          <a:xfrm>
-            <a:off x="4108337" y="3237178"/>
-            <a:ext cx="1131310" cy="369332"/>
-          </a:xfrm>
-          <a:prstGeom prst="rect">
-            <a:avLst/>
-          </a:prstGeom>
-          <a:noFill/>
-        </p:spPr>
-        <p:txBody>
-          <a:bodyPr wrap="square" rtlCol="0">
-            <a:spAutoFit/>
-          </a:bodyPr>
-          <a:lstStyle/>
-          <a:p>
-            <a:r>
-              <a:rPr lang="en-US" altLang="ja-JP" b="1" dirty="0" smtClean="0"/>
-              <a:t>Page Link </a:t>
-            </a:r>
-            <a:endParaRPr kumimoji="1" lang="ja-JP" altLang="en-US" b="1" dirty="0"/>
-          </a:p>
-        </p:txBody>
-      </p:sp>
-      <p:sp>
-        <p:nvSpPr>
-          <p:cNvPr id="71" name="右矢印 70"/>
+          <p:cNvPr id="14" name="右矢印 13"/>
           <p:cNvSpPr/>
           <p:nvPr/>
         </p:nvSpPr>
         <p:spPr>
-          <a:xfrm rot="5400000">
-            <a:off x="4074707" y="3729017"/>
-            <a:ext cx="476208" cy="224971"/>
+          <a:xfrm rot="16200000" flipH="1">
+            <a:off x="4332731" y="3651997"/>
+            <a:ext cx="402931" cy="224971"/>
           </a:xfrm>
           <a:prstGeom prst="rightArrow">
             <a:avLst/>
@@ -14809,385 +11374,70 @@
           <a:chExt cx="0" cy="0"/>
         </a:xfrm>
       </p:grpSpPr>
-      <p:sp>
-        <p:nvSpPr>
-          <p:cNvPr id="5" name="正方形/長方形 4"/>
+      <p:pic>
+        <p:nvPicPr>
+          <p:cNvPr id="2051" name="Picture 3"/>
+          <p:cNvPicPr>
+            <a:picLocks noChangeAspect="1" noChangeArrowheads="1"/>
+          </p:cNvPicPr>
+          <p:nvPr/>
+        </p:nvPicPr>
+        <p:blipFill>
+          <a:blip r:embed="rId2">
+            <a:extLst>
+              <a:ext uri="{28A0092B-C50C-407E-A947-70E740481C1C}">
+                <a14:useLocalDpi xmlns:a14="http://schemas.microsoft.com/office/drawing/2010/main" val="0"/>
+              </a:ext>
+            </a:extLst>
+          </a:blip>
+          <a:srcRect/>
+          <a:stretch>
+            <a:fillRect/>
+          </a:stretch>
+        </p:blipFill>
+        <p:spPr bwMode="auto">
+          <a:xfrm>
+            <a:off x="3045053" y="2311853"/>
+            <a:ext cx="3859876" cy="2383518"/>
+          </a:xfrm>
+          <a:prstGeom prst="rect">
+            <a:avLst/>
+          </a:prstGeom>
+          <a:noFill/>
+          <a:ln>
+            <a:noFill/>
+          </a:ln>
+          <a:extLst>
+            <a:ext uri="{909E8E84-426E-40DD-AFC4-6F175D3DCCD1}">
+              <a14:hiddenFill xmlns:a14="http://schemas.microsoft.com/office/drawing/2010/main">
+                <a:solidFill>
+                  <a:schemeClr val="accent1"/>
+                </a:solidFill>
+              </a14:hiddenFill>
+            </a:ext>
+            <a:ext uri="{91240B29-F687-4F45-9708-019B960494DF}">
+              <a14:hiddenLine xmlns:a14="http://schemas.microsoft.com/office/drawing/2010/main" w="9525">
+                <a:solidFill>
+                  <a:schemeClr val="tx1"/>
+                </a:solidFill>
+                <a:miter lim="800000"/>
+                <a:headEnd/>
+                <a:tailEnd/>
+              </a14:hiddenLine>
+            </a:ext>
+          </a:extLst>
+        </p:spPr>
+      </p:pic>
+      <p:sp>
+        <p:nvSpPr>
+          <p:cNvPr id="9" name="角丸四角形 8"/>
           <p:cNvSpPr/>
           <p:nvPr/>
         </p:nvSpPr>
         <p:spPr>
           <a:xfrm>
-            <a:off x="2213426" y="259165"/>
-            <a:ext cx="4615546" cy="6586418"/>
-          </a:xfrm>
-          <a:prstGeom prst="rect">
-            <a:avLst/>
-          </a:prstGeom>
-        </p:spPr>
-        <p:txBody>
-          <a:bodyPr wrap="square">
-            <a:spAutoFit/>
-          </a:bodyPr>
-          <a:lstStyle/>
-          <a:p>
-            <a:r>
-              <a:rPr lang="en-US" altLang="ja-JP" sz="1300" dirty="0"/>
-              <a:t>&lt;</a:t>
-            </a:r>
-            <a:r>
-              <a:rPr lang="en-US" altLang="ja-JP" b="1" dirty="0"/>
-              <a:t>div</a:t>
-            </a:r>
-            <a:r>
-              <a:rPr lang="en-US" altLang="ja-JP" sz="1300" dirty="0"/>
-              <a:t> class="</a:t>
-            </a:r>
-            <a:r>
-              <a:rPr lang="en-US" altLang="ja-JP" b="1" dirty="0"/>
-              <a:t>pagination</a:t>
-            </a:r>
-            <a:r>
-              <a:rPr lang="en-US" altLang="ja-JP" sz="1300" dirty="0"/>
-              <a:t>"&gt;</a:t>
-            </a:r>
-          </a:p>
-          <a:p>
-            <a:endParaRPr lang="en-US" altLang="ja-JP" sz="1300" dirty="0" smtClean="0"/>
-          </a:p>
-          <a:p>
-            <a:r>
-              <a:rPr lang="en-US" altLang="ja-JP" sz="1300" dirty="0" smtClean="0"/>
-              <a:t>    </a:t>
-            </a:r>
-            <a:r>
-              <a:rPr lang="en-US" altLang="ja-JP" sz="1300" dirty="0"/>
-              <a:t>&lt;</a:t>
-            </a:r>
-            <a:r>
-              <a:rPr lang="en-US" altLang="ja-JP" b="1" dirty="0"/>
-              <a:t>span</a:t>
-            </a:r>
-            <a:r>
-              <a:rPr lang="en-US" altLang="ja-JP" sz="1300" dirty="0"/>
-              <a:t> class="</a:t>
-            </a:r>
-            <a:r>
-              <a:rPr lang="en-US" altLang="ja-JP" b="1" dirty="0" err="1"/>
-              <a:t>hiddenPageLink</a:t>
-            </a:r>
-            <a:r>
-              <a:rPr lang="en-US" altLang="ja-JP" sz="1300" dirty="0"/>
-              <a:t>"&gt;</a:t>
-            </a:r>
-          </a:p>
-          <a:p>
-            <a:r>
-              <a:rPr lang="en-US" altLang="ja-JP" sz="1300" dirty="0"/>
-              <a:t>        &lt;a </a:t>
-            </a:r>
-            <a:r>
-              <a:rPr lang="en-US" altLang="ja-JP" sz="1300" dirty="0" err="1"/>
-              <a:t>href</a:t>
-            </a:r>
-            <a:r>
-              <a:rPr lang="en-US" altLang="ja-JP" sz="1300" dirty="0" smtClean="0"/>
-              <a:t>=“</a:t>
-            </a:r>
-            <a:r>
-              <a:rPr lang="en-US" altLang="ja-JP" sz="1300" dirty="0" err="1" smtClean="0"/>
-              <a:t>javascript:void</a:t>
-            </a:r>
-            <a:r>
-              <a:rPr lang="en-US" altLang="ja-JP" sz="1300" dirty="0" smtClean="0"/>
-              <a:t>(0)"&gt;</a:t>
-            </a:r>
-            <a:r>
-              <a:rPr lang="en-US" altLang="ja-JP" b="1" dirty="0"/>
-              <a:t>First</a:t>
-            </a:r>
-            <a:r>
-              <a:rPr lang="en-US" altLang="ja-JP" sz="1300" dirty="0"/>
-              <a:t>&lt;/a&gt;</a:t>
-            </a:r>
-          </a:p>
-          <a:p>
-            <a:r>
-              <a:rPr lang="en-US" altLang="ja-JP" sz="1300" dirty="0"/>
-              <a:t>    &lt;/</a:t>
-            </a:r>
-            <a:r>
-              <a:rPr lang="en-US" altLang="ja-JP" b="1" dirty="0"/>
-              <a:t>span</a:t>
-            </a:r>
-            <a:r>
-              <a:rPr lang="en-US" altLang="ja-JP" sz="1300" dirty="0"/>
-              <a:t>&gt;</a:t>
-            </a:r>
-          </a:p>
-          <a:p>
-            <a:endParaRPr lang="en-US" altLang="ja-JP" sz="1300" dirty="0" smtClean="0"/>
-          </a:p>
-          <a:p>
-            <a:r>
-              <a:rPr lang="en-US" altLang="ja-JP" sz="1300" dirty="0" smtClean="0"/>
-              <a:t>    </a:t>
-            </a:r>
-            <a:r>
-              <a:rPr lang="en-US" altLang="ja-JP" sz="1300" dirty="0"/>
-              <a:t>&lt;span class="</a:t>
-            </a:r>
-            <a:r>
-              <a:rPr lang="en-US" altLang="ja-JP" sz="1300" dirty="0" err="1"/>
-              <a:t>hiddenPageLink</a:t>
-            </a:r>
-            <a:r>
-              <a:rPr lang="en-US" altLang="ja-JP" sz="1300" dirty="0"/>
-              <a:t>"&gt;</a:t>
-            </a:r>
-          </a:p>
-          <a:p>
-            <a:r>
-              <a:rPr lang="en-US" altLang="ja-JP" sz="1300" dirty="0"/>
-              <a:t>        &lt;a </a:t>
-            </a:r>
-            <a:r>
-              <a:rPr lang="en-US" altLang="ja-JP" sz="1300" dirty="0" err="1"/>
-              <a:t>href</a:t>
-            </a:r>
-            <a:r>
-              <a:rPr lang="en-US" altLang="ja-JP" sz="1300" dirty="0" smtClean="0"/>
-              <a:t>=“</a:t>
-            </a:r>
-            <a:r>
-              <a:rPr lang="en-US" altLang="ja-JP" sz="1300" dirty="0" err="1" smtClean="0"/>
-              <a:t>javascript:void</a:t>
-            </a:r>
-            <a:r>
-              <a:rPr lang="en-US" altLang="ja-JP" sz="1300" dirty="0" smtClean="0"/>
-              <a:t>(0)"&gt;</a:t>
-            </a:r>
-            <a:r>
-              <a:rPr lang="en-US" altLang="ja-JP" b="1" dirty="0" err="1"/>
-              <a:t>Prev</a:t>
-            </a:r>
-            <a:r>
-              <a:rPr lang="en-US" altLang="ja-JP" sz="1300" dirty="0"/>
-              <a:t>&lt;/a&gt;</a:t>
-            </a:r>
-          </a:p>
-          <a:p>
-            <a:r>
-              <a:rPr lang="en-US" altLang="ja-JP" sz="1300" dirty="0"/>
-              <a:t>    &lt;/span&gt;</a:t>
-            </a:r>
-          </a:p>
-          <a:p>
-            <a:endParaRPr lang="en-US" altLang="ja-JP" sz="1300" dirty="0" smtClean="0"/>
-          </a:p>
-          <a:p>
-            <a:r>
-              <a:rPr lang="en-US" altLang="ja-JP" sz="1300" dirty="0" smtClean="0"/>
-              <a:t>    </a:t>
-            </a:r>
-            <a:r>
-              <a:rPr lang="en-US" altLang="ja-JP" sz="1300" dirty="0"/>
-              <a:t>&lt;span class="</a:t>
-            </a:r>
-            <a:r>
-              <a:rPr lang="en-US" altLang="ja-JP" b="1" dirty="0" err="1"/>
-              <a:t>currentPageLink</a:t>
-            </a:r>
-            <a:r>
-              <a:rPr lang="en-US" altLang="ja-JP" sz="1300" dirty="0"/>
-              <a:t>"&gt;</a:t>
-            </a:r>
-          </a:p>
-          <a:p>
-            <a:r>
-              <a:rPr lang="en-US" altLang="ja-JP" sz="1300" dirty="0"/>
-              <a:t>        &lt;a </a:t>
-            </a:r>
-            <a:r>
-              <a:rPr lang="en-US" altLang="ja-JP" sz="1300" dirty="0" err="1"/>
-              <a:t>href</a:t>
-            </a:r>
-            <a:r>
-              <a:rPr lang="en-US" altLang="ja-JP" sz="1300" dirty="0"/>
-              <a:t>="</a:t>
-            </a:r>
-            <a:r>
-              <a:rPr lang="en-US" altLang="ja-JP" sz="1300" dirty="0" err="1"/>
-              <a:t>javascript:void</a:t>
-            </a:r>
-            <a:r>
-              <a:rPr lang="en-US" altLang="ja-JP" sz="1300" dirty="0"/>
-              <a:t>(0)"&gt;</a:t>
-            </a:r>
-            <a:r>
-              <a:rPr lang="en-US" altLang="ja-JP" sz="1300" dirty="0"/>
-              <a:t>1&lt;/a&gt;</a:t>
-            </a:r>
-          </a:p>
-          <a:p>
-            <a:r>
-              <a:rPr lang="en-US" altLang="ja-JP" sz="1300" dirty="0"/>
-              <a:t>    &lt;/span&gt;</a:t>
-            </a:r>
-          </a:p>
-          <a:p>
-            <a:endParaRPr lang="en-US" altLang="ja-JP" sz="1300" dirty="0" smtClean="0"/>
-          </a:p>
-          <a:p>
-            <a:r>
-              <a:rPr lang="en-US" altLang="ja-JP" sz="1300" dirty="0" smtClean="0"/>
-              <a:t>    &lt;!-- …. --&gt;</a:t>
-            </a:r>
-            <a:endParaRPr lang="en-US" altLang="ja-JP" sz="1300" dirty="0"/>
-          </a:p>
-          <a:p>
-            <a:endParaRPr lang="en-US" altLang="ja-JP" sz="1300" dirty="0" smtClean="0"/>
-          </a:p>
-          <a:p>
-            <a:r>
-              <a:rPr lang="en-US" altLang="ja-JP" sz="1300" dirty="0" smtClean="0"/>
-              <a:t>    &lt;</a:t>
-            </a:r>
-            <a:r>
-              <a:rPr lang="en-US" altLang="ja-JP" sz="1300" dirty="0"/>
-              <a:t>span&gt;</a:t>
-            </a:r>
-          </a:p>
-          <a:p>
-            <a:r>
-              <a:rPr lang="en-US" altLang="ja-JP" sz="1300" dirty="0"/>
-              <a:t>        &lt;a </a:t>
-            </a:r>
-            <a:r>
-              <a:rPr lang="en-US" altLang="ja-JP" sz="1300" dirty="0" err="1"/>
-              <a:t>href</a:t>
-            </a:r>
-            <a:r>
-              <a:rPr lang="en-US" altLang="ja-JP" sz="1300" dirty="0"/>
-              <a:t>="?page=4&amp;size=6"&gt;5&lt;/a&gt;</a:t>
-            </a:r>
-          </a:p>
-          <a:p>
-            <a:r>
-              <a:rPr lang="en-US" altLang="ja-JP" sz="1300" dirty="0"/>
-              <a:t>    &lt;/span&gt;</a:t>
-            </a:r>
-          </a:p>
-          <a:p>
-            <a:endParaRPr lang="en-US" altLang="ja-JP" sz="1300" dirty="0" smtClean="0"/>
-          </a:p>
-          <a:p>
-            <a:r>
-              <a:rPr lang="en-US" altLang="ja-JP" sz="1300" dirty="0" smtClean="0"/>
-              <a:t>    </a:t>
-            </a:r>
-            <a:r>
-              <a:rPr lang="en-US" altLang="ja-JP" sz="1300" dirty="0"/>
-              <a:t>&lt;span&gt;</a:t>
-            </a:r>
-          </a:p>
-          <a:p>
-            <a:r>
-              <a:rPr lang="en-US" altLang="ja-JP" sz="1300" dirty="0"/>
-              <a:t>        &lt;a </a:t>
-            </a:r>
-            <a:r>
-              <a:rPr lang="en-US" altLang="ja-JP" sz="1300" dirty="0" err="1"/>
-              <a:t>href</a:t>
-            </a:r>
-            <a:r>
-              <a:rPr lang="en-US" altLang="ja-JP" sz="1300" dirty="0"/>
-              <a:t>="?page=1&amp;size=6"&gt;</a:t>
-            </a:r>
-            <a:r>
-              <a:rPr lang="en-US" altLang="ja-JP" b="1" dirty="0"/>
-              <a:t>Next</a:t>
-            </a:r>
-            <a:r>
-              <a:rPr lang="en-US" altLang="ja-JP" sz="1300" dirty="0"/>
-              <a:t>&lt;/a&gt;</a:t>
-            </a:r>
-          </a:p>
-          <a:p>
-            <a:r>
-              <a:rPr lang="en-US" altLang="ja-JP" sz="1300" dirty="0"/>
-              <a:t>    &lt;/span&gt;</a:t>
-            </a:r>
-          </a:p>
-          <a:p>
-            <a:endParaRPr lang="en-US" altLang="ja-JP" sz="1300" dirty="0" smtClean="0"/>
-          </a:p>
-          <a:p>
-            <a:r>
-              <a:rPr lang="en-US" altLang="ja-JP" sz="1300" dirty="0" smtClean="0"/>
-              <a:t>    </a:t>
-            </a:r>
-            <a:r>
-              <a:rPr lang="en-US" altLang="ja-JP" sz="1300" dirty="0"/>
-              <a:t>&lt;span&gt;</a:t>
-            </a:r>
-          </a:p>
-          <a:p>
-            <a:r>
-              <a:rPr lang="en-US" altLang="ja-JP" sz="1300" dirty="0"/>
-              <a:t>        &lt;a </a:t>
-            </a:r>
-            <a:r>
-              <a:rPr lang="en-US" altLang="ja-JP" sz="1300" dirty="0" err="1"/>
-              <a:t>href</a:t>
-            </a:r>
-            <a:r>
-              <a:rPr lang="en-US" altLang="ja-JP" sz="1300" dirty="0"/>
-              <a:t>="?page=9&amp;size=6"&gt;</a:t>
-            </a:r>
-            <a:r>
-              <a:rPr lang="en-US" altLang="ja-JP" b="1" dirty="0"/>
-              <a:t>Last</a:t>
-            </a:r>
-            <a:r>
-              <a:rPr lang="en-US" altLang="ja-JP" sz="1300" dirty="0"/>
-              <a:t>&lt;/a&gt;</a:t>
-            </a:r>
-          </a:p>
-          <a:p>
-            <a:r>
-              <a:rPr lang="en-US" altLang="ja-JP" sz="1300" dirty="0"/>
-              <a:t>    &lt;/span&gt;</a:t>
-            </a:r>
-          </a:p>
-          <a:p>
-            <a:endParaRPr lang="en-US" altLang="ja-JP" sz="1300" dirty="0" smtClean="0"/>
-          </a:p>
-          <a:p>
-            <a:r>
-              <a:rPr lang="en-US" altLang="ja-JP" sz="1300" dirty="0" smtClean="0"/>
-              <a:t>&lt;/</a:t>
-            </a:r>
-            <a:r>
-              <a:rPr lang="en-US" altLang="ja-JP" b="1" dirty="0"/>
-              <a:t>div</a:t>
-            </a:r>
-            <a:r>
-              <a:rPr lang="en-US" altLang="ja-JP" sz="1300" dirty="0"/>
-              <a:t>&gt;</a:t>
-            </a:r>
-          </a:p>
-        </p:txBody>
-      </p:sp>
-      <p:sp>
-        <p:nvSpPr>
-          <p:cNvPr id="6" name="角丸四角形 5"/>
-          <p:cNvSpPr/>
-          <p:nvPr/>
-        </p:nvSpPr>
-        <p:spPr>
-          <a:xfrm>
-            <a:off x="2264229" y="273679"/>
-            <a:ext cx="442686" cy="298444"/>
+            <a:off x="4506682" y="3752877"/>
+            <a:ext cx="397673" cy="298444"/>
           </a:xfrm>
           <a:prstGeom prst="roundRect">
             <a:avLst/>
@@ -15228,14 +11478,14 @@
       </p:sp>
       <p:sp>
         <p:nvSpPr>
-          <p:cNvPr id="7" name="角丸四角形 6"/>
+          <p:cNvPr id="10" name="角丸四角形 9"/>
           <p:cNvSpPr/>
           <p:nvPr/>
         </p:nvSpPr>
         <p:spPr>
           <a:xfrm>
-            <a:off x="3084285" y="278844"/>
-            <a:ext cx="1226457" cy="298444"/>
+            <a:off x="4260650" y="4145702"/>
+            <a:ext cx="367222" cy="237612"/>
           </a:xfrm>
           <a:prstGeom prst="roundRect">
             <a:avLst/>
@@ -15276,14 +11526,14 @@
       </p:sp>
       <p:sp>
         <p:nvSpPr>
-          <p:cNvPr id="8" name="角丸四角形 7"/>
+          <p:cNvPr id="11" name="角丸四角形 10"/>
           <p:cNvSpPr/>
           <p:nvPr/>
         </p:nvSpPr>
         <p:spPr>
           <a:xfrm>
-            <a:off x="2409372" y="772331"/>
-            <a:ext cx="613228" cy="298444"/>
+            <a:off x="4791380" y="4145702"/>
+            <a:ext cx="367222" cy="237612"/>
           </a:xfrm>
           <a:prstGeom prst="roundRect">
             <a:avLst/>
@@ -15324,310 +11574,22 @@
       </p:sp>
       <p:sp>
         <p:nvSpPr>
-          <p:cNvPr id="9" name="角丸四角形 8"/>
-          <p:cNvSpPr/>
-          <p:nvPr/>
-        </p:nvSpPr>
-        <p:spPr>
-          <a:xfrm>
-            <a:off x="3390898" y="746376"/>
-            <a:ext cx="1790701" cy="298444"/>
-          </a:xfrm>
-          <a:prstGeom prst="roundRect">
+          <p:cNvPr id="12" name="テキスト ボックス 11"/>
+          <p:cNvSpPr txBox="1"/>
+          <p:nvPr/>
+        </p:nvSpPr>
+        <p:spPr>
+          <a:xfrm>
+            <a:off x="4285307" y="3397918"/>
+            <a:ext cx="442750" cy="369332"/>
+          </a:xfrm>
+          <a:prstGeom prst="rect">
             <a:avLst/>
           </a:prstGeom>
           <a:noFill/>
-          <a:ln w="19050">
-            <a:solidFill>
-              <a:schemeClr val="tx2">
-                <a:lumMod val="60000"/>
-                <a:lumOff val="40000"/>
-              </a:schemeClr>
-            </a:solidFill>
-            <a:prstDash val="solid"/>
-          </a:ln>
-        </p:spPr>
-        <p:style>
-          <a:lnRef idx="1">
-            <a:schemeClr val="accent1"/>
-          </a:lnRef>
-          <a:fillRef idx="3">
-            <a:schemeClr val="accent1"/>
-          </a:fillRef>
-          <a:effectRef idx="2">
-            <a:schemeClr val="accent1"/>
-          </a:effectRef>
-          <a:fontRef idx="minor">
-            <a:schemeClr val="lt1"/>
-          </a:fontRef>
-        </p:style>
-        <p:txBody>
-          <a:bodyPr rtlCol="0" anchor="ctr"/>
-          <a:lstStyle/>
-          <a:p>
-            <a:pPr algn="ctr"/>
-            <a:endParaRPr kumimoji="1" lang="ja-JP" altLang="en-US"/>
-          </a:p>
-        </p:txBody>
-      </p:sp>
-      <p:sp>
-        <p:nvSpPr>
-          <p:cNvPr id="10" name="角丸四角形 9"/>
-          <p:cNvSpPr/>
-          <p:nvPr/>
-        </p:nvSpPr>
-        <p:spPr>
-          <a:xfrm>
-            <a:off x="4470077" y="1077823"/>
-            <a:ext cx="586016" cy="221206"/>
-          </a:xfrm>
-          <a:prstGeom prst="roundRect">
-            <a:avLst/>
-          </a:prstGeom>
-          <a:noFill/>
-          <a:ln w="19050">
-            <a:solidFill>
-              <a:schemeClr val="tx2">
-                <a:lumMod val="60000"/>
-                <a:lumOff val="40000"/>
-              </a:schemeClr>
-            </a:solidFill>
-            <a:prstDash val="solid"/>
-          </a:ln>
-        </p:spPr>
-        <p:style>
-          <a:lnRef idx="1">
-            <a:schemeClr val="accent1"/>
-          </a:lnRef>
-          <a:fillRef idx="3">
-            <a:schemeClr val="accent1"/>
-          </a:fillRef>
-          <a:effectRef idx="2">
-            <a:schemeClr val="accent1"/>
-          </a:effectRef>
-          <a:fontRef idx="minor">
-            <a:schemeClr val="lt1"/>
-          </a:fontRef>
-        </p:style>
-        <p:txBody>
-          <a:bodyPr rtlCol="0" anchor="ctr"/>
-          <a:lstStyle/>
-          <a:p>
-            <a:pPr algn="ctr"/>
-            <a:endParaRPr kumimoji="1" lang="ja-JP" altLang="en-US"/>
-          </a:p>
-        </p:txBody>
-      </p:sp>
-      <p:sp>
-        <p:nvSpPr>
-          <p:cNvPr id="11" name="角丸四角形 10"/>
-          <p:cNvSpPr/>
-          <p:nvPr/>
-        </p:nvSpPr>
-        <p:spPr>
-          <a:xfrm>
-            <a:off x="4486552" y="2028508"/>
-            <a:ext cx="586016" cy="221206"/>
-          </a:xfrm>
-          <a:prstGeom prst="roundRect">
-            <a:avLst/>
-          </a:prstGeom>
-          <a:noFill/>
-          <a:ln w="19050">
-            <a:solidFill>
-              <a:schemeClr val="tx2">
-                <a:lumMod val="60000"/>
-                <a:lumOff val="40000"/>
-              </a:schemeClr>
-            </a:solidFill>
-            <a:prstDash val="solid"/>
-          </a:ln>
-        </p:spPr>
-        <p:style>
-          <a:lnRef idx="1">
-            <a:schemeClr val="accent1"/>
-          </a:lnRef>
-          <a:fillRef idx="3">
-            <a:schemeClr val="accent1"/>
-          </a:fillRef>
-          <a:effectRef idx="2">
-            <a:schemeClr val="accent1"/>
-          </a:effectRef>
-          <a:fontRef idx="minor">
-            <a:schemeClr val="lt1"/>
-          </a:fontRef>
-        </p:style>
-        <p:txBody>
-          <a:bodyPr rtlCol="0" anchor="ctr"/>
-          <a:lstStyle/>
-          <a:p>
-            <a:pPr algn="ctr"/>
-            <a:endParaRPr kumimoji="1" lang="ja-JP" altLang="en-US"/>
-          </a:p>
-        </p:txBody>
-      </p:sp>
-      <p:sp>
-        <p:nvSpPr>
-          <p:cNvPr id="12" name="角丸四角形 11"/>
-          <p:cNvSpPr/>
-          <p:nvPr/>
-        </p:nvSpPr>
-        <p:spPr>
-          <a:xfrm>
-            <a:off x="3274784" y="2669519"/>
-            <a:ext cx="1790701" cy="298444"/>
-          </a:xfrm>
-          <a:prstGeom prst="roundRect">
-            <a:avLst/>
-          </a:prstGeom>
-          <a:noFill/>
-          <a:ln w="19050">
-            <a:solidFill>
-              <a:schemeClr val="tx2">
-                <a:lumMod val="60000"/>
-                <a:lumOff val="40000"/>
-              </a:schemeClr>
-            </a:solidFill>
-            <a:prstDash val="solid"/>
-          </a:ln>
-        </p:spPr>
-        <p:style>
-          <a:lnRef idx="1">
-            <a:schemeClr val="accent1"/>
-          </a:lnRef>
-          <a:fillRef idx="3">
-            <a:schemeClr val="accent1"/>
-          </a:fillRef>
-          <a:effectRef idx="2">
-            <a:schemeClr val="accent1"/>
-          </a:effectRef>
-          <a:fontRef idx="minor">
-            <a:schemeClr val="lt1"/>
-          </a:fontRef>
-        </p:style>
-        <p:txBody>
-          <a:bodyPr rtlCol="0" anchor="ctr"/>
-          <a:lstStyle/>
-          <a:p>
-            <a:pPr algn="ctr"/>
-            <a:endParaRPr kumimoji="1" lang="ja-JP" altLang="en-US"/>
-          </a:p>
-        </p:txBody>
-      </p:sp>
-      <p:sp>
-        <p:nvSpPr>
-          <p:cNvPr id="14" name="角丸四角形 13"/>
-          <p:cNvSpPr/>
-          <p:nvPr/>
-        </p:nvSpPr>
-        <p:spPr>
-          <a:xfrm>
-            <a:off x="4392384" y="4938622"/>
-            <a:ext cx="586016" cy="221206"/>
-          </a:xfrm>
-          <a:prstGeom prst="roundRect">
-            <a:avLst/>
-          </a:prstGeom>
-          <a:noFill/>
-          <a:ln w="19050">
-            <a:solidFill>
-              <a:schemeClr val="tx2">
-                <a:lumMod val="60000"/>
-                <a:lumOff val="40000"/>
-              </a:schemeClr>
-            </a:solidFill>
-            <a:prstDash val="solid"/>
-          </a:ln>
-        </p:spPr>
-        <p:style>
-          <a:lnRef idx="1">
-            <a:schemeClr val="accent1"/>
-          </a:lnRef>
-          <a:fillRef idx="3">
-            <a:schemeClr val="accent1"/>
-          </a:fillRef>
-          <a:effectRef idx="2">
-            <a:schemeClr val="accent1"/>
-          </a:effectRef>
-          <a:fontRef idx="minor">
-            <a:schemeClr val="lt1"/>
-          </a:fontRef>
-        </p:style>
-        <p:txBody>
-          <a:bodyPr rtlCol="0" anchor="ctr"/>
-          <a:lstStyle/>
-          <a:p>
-            <a:pPr algn="ctr"/>
-            <a:endParaRPr kumimoji="1" lang="ja-JP" altLang="en-US"/>
-          </a:p>
-        </p:txBody>
-      </p:sp>
-      <p:sp>
-        <p:nvSpPr>
-          <p:cNvPr id="15" name="角丸四角形 14"/>
-          <p:cNvSpPr/>
-          <p:nvPr/>
-        </p:nvSpPr>
-        <p:spPr>
-          <a:xfrm>
-            <a:off x="4347027" y="5816737"/>
-            <a:ext cx="586016" cy="221206"/>
-          </a:xfrm>
-          <a:prstGeom prst="roundRect">
-            <a:avLst/>
-          </a:prstGeom>
-          <a:noFill/>
-          <a:ln w="19050">
-            <a:solidFill>
-              <a:schemeClr val="tx2">
-                <a:lumMod val="60000"/>
-                <a:lumOff val="40000"/>
-              </a:schemeClr>
-            </a:solidFill>
-            <a:prstDash val="solid"/>
-          </a:ln>
-        </p:spPr>
-        <p:style>
-          <a:lnRef idx="1">
-            <a:schemeClr val="accent1"/>
-          </a:lnRef>
-          <a:fillRef idx="3">
-            <a:schemeClr val="accent1"/>
-          </a:fillRef>
-          <a:effectRef idx="2">
-            <a:schemeClr val="accent1"/>
-          </a:effectRef>
-          <a:fontRef idx="minor">
-            <a:schemeClr val="lt1"/>
-          </a:fontRef>
-        </p:style>
-        <p:txBody>
-          <a:bodyPr rtlCol="0" anchor="ctr"/>
-          <a:lstStyle/>
-          <a:p>
-            <a:pPr algn="ctr"/>
-            <a:endParaRPr kumimoji="1" lang="ja-JP" altLang="en-US"/>
-          </a:p>
-        </p:txBody>
-      </p:sp>
-      <p:sp>
-        <p:nvSpPr>
-          <p:cNvPr id="19" name="テキスト ボックス 18"/>
-          <p:cNvSpPr txBox="1"/>
-          <p:nvPr/>
-        </p:nvSpPr>
-        <p:spPr>
-          <a:xfrm>
-            <a:off x="1875877" y="147062"/>
-            <a:ext cx="442749" cy="369332"/>
-          </a:xfrm>
-          <a:prstGeom prst="rect">
-            <a:avLst/>
-          </a:prstGeom>
-          <a:noFill/>
-        </p:spPr>
-        <p:txBody>
-          <a:bodyPr wrap="square" rtlCol="0">
+        </p:spPr>
+        <p:txBody>
+          <a:bodyPr wrap="none" rtlCol="0">
             <a:spAutoFit/>
           </a:bodyPr>
           <a:lstStyle/>
@@ -15642,14 +11604,14 @@
       </p:sp>
       <p:sp>
         <p:nvSpPr>
-          <p:cNvPr id="20" name="テキスト ボックス 19"/>
+          <p:cNvPr id="13" name="テキスト ボックス 12"/>
           <p:cNvSpPr txBox="1"/>
           <p:nvPr/>
         </p:nvSpPr>
         <p:spPr>
           <a:xfrm>
-            <a:off x="4061218" y="-42192"/>
-            <a:ext cx="442749" cy="369332"/>
+            <a:off x="4010434" y="4326039"/>
+            <a:ext cx="442750" cy="369332"/>
           </a:xfrm>
           <a:prstGeom prst="rect">
             <a:avLst/>
@@ -15657,7 +11619,7 @@
           <a:noFill/>
         </p:spPr>
         <p:txBody>
-          <a:bodyPr wrap="square" rtlCol="0">
+          <a:bodyPr wrap="none" rtlCol="0">
             <a:spAutoFit/>
           </a:bodyPr>
           <a:lstStyle/>
@@ -15672,14 +11634,14 @@
       </p:sp>
       <p:sp>
         <p:nvSpPr>
-          <p:cNvPr id="21" name="テキスト ボックス 20"/>
+          <p:cNvPr id="14" name="テキスト ボックス 13"/>
           <p:cNvSpPr txBox="1"/>
           <p:nvPr/>
         </p:nvSpPr>
         <p:spPr>
           <a:xfrm>
-            <a:off x="2046452" y="715793"/>
-            <a:ext cx="442749" cy="369332"/>
+            <a:off x="4605584" y="4326039"/>
+            <a:ext cx="442750" cy="369332"/>
           </a:xfrm>
           <a:prstGeom prst="rect">
             <a:avLst/>
@@ -15687,7 +11649,7 @@
           <a:noFill/>
         </p:spPr>
         <p:txBody>
-          <a:bodyPr wrap="square" rtlCol="0">
+          <a:bodyPr wrap="none" rtlCol="0">
             <a:spAutoFit/>
           </a:bodyPr>
           <a:lstStyle/>
@@ -15697,261 +11659,13 @@
               <a:t>(3)</a:t>
             </a:r>
             <a:endParaRPr kumimoji="1" lang="ja-JP" altLang="en-US" dirty="0"/>
-          </a:p>
-        </p:txBody>
-      </p:sp>
-      <p:sp>
-        <p:nvSpPr>
-          <p:cNvPr id="22" name="テキスト ボックス 21"/>
-          <p:cNvSpPr txBox="1"/>
-          <p:nvPr/>
-        </p:nvSpPr>
-        <p:spPr>
-          <a:xfrm>
-            <a:off x="4889527" y="432378"/>
-            <a:ext cx="442749" cy="369332"/>
-          </a:xfrm>
-          <a:prstGeom prst="rect">
-            <a:avLst/>
-          </a:prstGeom>
-          <a:noFill/>
-        </p:spPr>
-        <p:txBody>
-          <a:bodyPr wrap="square" rtlCol="0">
-            <a:spAutoFit/>
-          </a:bodyPr>
-          <a:lstStyle/>
-          <a:p>
-            <a:r>
-              <a:rPr kumimoji="1" lang="en-US" altLang="ja-JP" dirty="0" smtClean="0"/>
-              <a:t>(4)</a:t>
-            </a:r>
-            <a:endParaRPr kumimoji="1" lang="ja-JP" altLang="en-US" dirty="0"/>
-          </a:p>
-        </p:txBody>
-      </p:sp>
-      <p:sp>
-        <p:nvSpPr>
-          <p:cNvPr id="23" name="テキスト ボックス 22"/>
-          <p:cNvSpPr txBox="1"/>
-          <p:nvPr/>
-        </p:nvSpPr>
-        <p:spPr>
-          <a:xfrm>
-            <a:off x="4896786" y="2926381"/>
-            <a:ext cx="442749" cy="369332"/>
-          </a:xfrm>
-          <a:prstGeom prst="rect">
-            <a:avLst/>
-          </a:prstGeom>
-          <a:noFill/>
-        </p:spPr>
-        <p:txBody>
-          <a:bodyPr wrap="square" rtlCol="0">
-            <a:spAutoFit/>
-          </a:bodyPr>
-          <a:lstStyle/>
-          <a:p>
-            <a:r>
-              <a:rPr kumimoji="1" lang="en-US" altLang="ja-JP" dirty="0" smtClean="0"/>
-              <a:t>(5)</a:t>
-            </a:r>
-            <a:endParaRPr kumimoji="1" lang="ja-JP" altLang="en-US" dirty="0"/>
-          </a:p>
-        </p:txBody>
-      </p:sp>
-      <p:sp>
-        <p:nvSpPr>
-          <p:cNvPr id="24" name="テキスト ボックス 23"/>
-          <p:cNvSpPr txBox="1"/>
-          <p:nvPr/>
-        </p:nvSpPr>
-        <p:spPr>
-          <a:xfrm>
-            <a:off x="4558549" y="1253739"/>
-            <a:ext cx="442749" cy="369332"/>
-          </a:xfrm>
-          <a:prstGeom prst="rect">
-            <a:avLst/>
-          </a:prstGeom>
-          <a:noFill/>
-        </p:spPr>
-        <p:txBody>
-          <a:bodyPr wrap="square" rtlCol="0">
-            <a:spAutoFit/>
-          </a:bodyPr>
-          <a:lstStyle/>
-          <a:p>
-            <a:r>
-              <a:rPr kumimoji="1" lang="en-US" altLang="ja-JP" dirty="0" smtClean="0"/>
-              <a:t>(6)</a:t>
-            </a:r>
-            <a:endParaRPr kumimoji="1" lang="ja-JP" altLang="en-US" dirty="0"/>
-          </a:p>
-        </p:txBody>
-      </p:sp>
-      <p:sp>
-        <p:nvSpPr>
-          <p:cNvPr id="25" name="テキスト ボックス 24"/>
-          <p:cNvSpPr txBox="1"/>
-          <p:nvPr/>
-        </p:nvSpPr>
-        <p:spPr>
-          <a:xfrm>
-            <a:off x="4570741" y="2190693"/>
-            <a:ext cx="442749" cy="369332"/>
-          </a:xfrm>
-          <a:prstGeom prst="rect">
-            <a:avLst/>
-          </a:prstGeom>
-          <a:noFill/>
-        </p:spPr>
-        <p:txBody>
-          <a:bodyPr wrap="square" rtlCol="0">
-            <a:spAutoFit/>
-          </a:bodyPr>
-          <a:lstStyle/>
-          <a:p>
-            <a:r>
-              <a:rPr kumimoji="1" lang="en-US" altLang="ja-JP" dirty="0" smtClean="0"/>
-              <a:t>(7)</a:t>
-            </a:r>
-            <a:endParaRPr kumimoji="1" lang="ja-JP" altLang="en-US" dirty="0"/>
-          </a:p>
-        </p:txBody>
-      </p:sp>
-      <p:sp>
-        <p:nvSpPr>
-          <p:cNvPr id="26" name="テキスト ボックス 25"/>
-          <p:cNvSpPr txBox="1"/>
-          <p:nvPr/>
-        </p:nvSpPr>
-        <p:spPr>
-          <a:xfrm>
-            <a:off x="4675412" y="5123543"/>
-            <a:ext cx="442749" cy="369332"/>
-          </a:xfrm>
-          <a:prstGeom prst="rect">
-            <a:avLst/>
-          </a:prstGeom>
-          <a:noFill/>
-        </p:spPr>
-        <p:txBody>
-          <a:bodyPr wrap="square" rtlCol="0">
-            <a:spAutoFit/>
-          </a:bodyPr>
-          <a:lstStyle/>
-          <a:p>
-            <a:r>
-              <a:rPr kumimoji="1" lang="en-US" altLang="ja-JP" dirty="0" smtClean="0"/>
-              <a:t>(8)</a:t>
-            </a:r>
-            <a:endParaRPr kumimoji="1" lang="ja-JP" altLang="en-US" dirty="0"/>
-          </a:p>
-        </p:txBody>
-      </p:sp>
-      <p:sp>
-        <p:nvSpPr>
-          <p:cNvPr id="27" name="テキスト ボックス 26"/>
-          <p:cNvSpPr txBox="1"/>
-          <p:nvPr/>
-        </p:nvSpPr>
-        <p:spPr>
-          <a:xfrm>
-            <a:off x="4622736" y="6029904"/>
-            <a:ext cx="442749" cy="369332"/>
-          </a:xfrm>
-          <a:prstGeom prst="rect">
-            <a:avLst/>
-          </a:prstGeom>
-          <a:noFill/>
-        </p:spPr>
-        <p:txBody>
-          <a:bodyPr wrap="square" rtlCol="0">
-            <a:spAutoFit/>
-          </a:bodyPr>
-          <a:lstStyle/>
-          <a:p>
-            <a:r>
-              <a:rPr kumimoji="1" lang="en-US" altLang="ja-JP" dirty="0" smtClean="0"/>
-              <a:t>(9)</a:t>
-            </a:r>
-            <a:endParaRPr kumimoji="1" lang="ja-JP" altLang="en-US" dirty="0"/>
-          </a:p>
-        </p:txBody>
-      </p:sp>
-      <p:sp>
-        <p:nvSpPr>
-          <p:cNvPr id="28" name="テキスト ボックス 27"/>
-          <p:cNvSpPr txBox="1"/>
-          <p:nvPr/>
-        </p:nvSpPr>
-        <p:spPr>
-          <a:xfrm>
-            <a:off x="5863739" y="3299427"/>
-            <a:ext cx="725651" cy="369332"/>
-          </a:xfrm>
-          <a:prstGeom prst="rect">
-            <a:avLst/>
-          </a:prstGeom>
-          <a:noFill/>
-        </p:spPr>
-        <p:txBody>
-          <a:bodyPr wrap="square" rtlCol="0">
-            <a:spAutoFit/>
-          </a:bodyPr>
-          <a:lstStyle/>
-          <a:p>
-            <a:r>
-              <a:rPr kumimoji="1" lang="en-US" altLang="ja-JP" dirty="0" smtClean="0"/>
-              <a:t>(10)</a:t>
-            </a:r>
-            <a:endParaRPr kumimoji="1" lang="ja-JP" altLang="en-US" dirty="0"/>
-          </a:p>
-        </p:txBody>
-      </p:sp>
-      <p:sp>
-        <p:nvSpPr>
-          <p:cNvPr id="30" name="右中かっこ 29"/>
-          <p:cNvSpPr/>
-          <p:nvPr/>
-        </p:nvSpPr>
-        <p:spPr>
-          <a:xfrm>
-            <a:off x="4756227" y="2560025"/>
-            <a:ext cx="1620128" cy="2171632"/>
-          </a:xfrm>
-          <a:prstGeom prst="rightBrace">
-            <a:avLst/>
-          </a:prstGeom>
-        </p:spPr>
-        <p:style>
-          <a:lnRef idx="2">
-            <a:schemeClr val="accent1"/>
-          </a:lnRef>
-          <a:fillRef idx="0">
-            <a:schemeClr val="accent1"/>
-          </a:fillRef>
-          <a:effectRef idx="1">
-            <a:schemeClr val="accent1"/>
-          </a:effectRef>
-          <a:fontRef idx="minor">
-            <a:schemeClr val="tx1"/>
-          </a:fontRef>
-        </p:style>
-        <p:txBody>
-          <a:bodyPr rtlCol="0" anchor="ctr"/>
-          <a:lstStyle/>
-          <a:p>
-            <a:pPr algn="ctr"/>
-            <a:endParaRPr kumimoji="1" lang="ja-JP" altLang="en-US"/>
           </a:p>
         </p:txBody>
       </p:sp>
     </p:spTree>
     <p:extLst>
       <p:ext uri="{BB962C8B-B14F-4D97-AF65-F5344CB8AC3E}">
-        <p14:creationId xmlns:p14="http://schemas.microsoft.com/office/powerpoint/2010/main" val="3862675736"/>
+        <p14:creationId xmlns:p14="http://schemas.microsoft.com/office/powerpoint/2010/main" val="792715876"/>
       </p:ext>
     </p:extLst>
   </p:cSld>
@@ -15985,405 +11699,70 @@
           <a:chExt cx="0" cy="0"/>
         </a:xfrm>
       </p:grpSpPr>
-      <p:sp>
-        <p:nvSpPr>
-          <p:cNvPr id="5" name="正方形/長方形 4"/>
+      <p:pic>
+        <p:nvPicPr>
+          <p:cNvPr id="7" name="Picture 4"/>
+          <p:cNvPicPr>
+            <a:picLocks noChangeAspect="1" noChangeArrowheads="1"/>
+          </p:cNvPicPr>
+          <p:nvPr/>
+        </p:nvPicPr>
+        <p:blipFill>
+          <a:blip r:embed="rId2">
+            <a:extLst>
+              <a:ext uri="{28A0092B-C50C-407E-A947-70E740481C1C}">
+                <a14:useLocalDpi xmlns:a14="http://schemas.microsoft.com/office/drawing/2010/main" val="0"/>
+              </a:ext>
+            </a:extLst>
+          </a:blip>
+          <a:srcRect/>
+          <a:stretch>
+            <a:fillRect/>
+          </a:stretch>
+        </p:blipFill>
+        <p:spPr bwMode="auto">
+          <a:xfrm>
+            <a:off x="2493510" y="1724528"/>
+            <a:ext cx="3558947" cy="2159555"/>
+          </a:xfrm>
+          <a:prstGeom prst="rect">
+            <a:avLst/>
+          </a:prstGeom>
+          <a:noFill/>
+          <a:ln>
+            <a:noFill/>
+          </a:ln>
+          <a:extLst>
+            <a:ext uri="{909E8E84-426E-40DD-AFC4-6F175D3DCCD1}">
+              <a14:hiddenFill xmlns:a14="http://schemas.microsoft.com/office/drawing/2010/main">
+                <a:solidFill>
+                  <a:schemeClr val="accent1"/>
+                </a:solidFill>
+              </a14:hiddenFill>
+            </a:ext>
+            <a:ext uri="{91240B29-F687-4F45-9708-019B960494DF}">
+              <a14:hiddenLine xmlns:a14="http://schemas.microsoft.com/office/drawing/2010/main" w="9525">
+                <a:solidFill>
+                  <a:schemeClr val="tx1"/>
+                </a:solidFill>
+                <a:miter lim="800000"/>
+                <a:headEnd/>
+                <a:tailEnd/>
+              </a14:hiddenLine>
+            </a:ext>
+          </a:extLst>
+        </p:spPr>
+      </p:pic>
+      <p:sp>
+        <p:nvSpPr>
+          <p:cNvPr id="8" name="角丸四角形 7"/>
           <p:cNvSpPr/>
           <p:nvPr/>
         </p:nvSpPr>
         <p:spPr>
           <a:xfrm>
-            <a:off x="849085" y="201108"/>
-            <a:ext cx="7710030" cy="4847481"/>
-          </a:xfrm>
-          <a:prstGeom prst="rect">
-            <a:avLst/>
-          </a:prstGeom>
-        </p:spPr>
-        <p:txBody>
-          <a:bodyPr wrap="square">
-            <a:spAutoFit/>
-          </a:bodyPr>
-          <a:lstStyle/>
-          <a:p>
-            <a:r>
-              <a:rPr lang="en-US" altLang="ja-JP" sz="1300" dirty="0"/>
-              <a:t>&lt;</a:t>
-            </a:r>
-            <a:r>
-              <a:rPr lang="en-US" altLang="ja-JP" sz="1300" dirty="0" err="1"/>
-              <a:t>ul</a:t>
-            </a:r>
-            <a:r>
-              <a:rPr lang="en-US" altLang="ja-JP" sz="1300" dirty="0"/>
-              <a:t>&gt;</a:t>
-            </a:r>
-          </a:p>
-          <a:p>
-            <a:r>
-              <a:rPr lang="en-US" altLang="ja-JP" sz="1300" dirty="0"/>
-              <a:t>    &lt;li class="disabled"&gt;</a:t>
-            </a:r>
-          </a:p>
-          <a:p>
-            <a:r>
-              <a:rPr lang="en-US" altLang="ja-JP" sz="1300" dirty="0"/>
-              <a:t>        &lt;a </a:t>
-            </a:r>
-            <a:r>
-              <a:rPr lang="en-US" altLang="ja-JP" sz="1300" dirty="0" err="1"/>
-              <a:t>href</a:t>
-            </a:r>
-            <a:r>
-              <a:rPr lang="en-US" altLang="ja-JP" sz="1300" dirty="0" smtClean="0"/>
-              <a:t>=“#"&gt;&amp;</a:t>
-            </a:r>
-            <a:r>
-              <a:rPr lang="en-US" altLang="ja-JP" sz="1300" dirty="0" err="1"/>
-              <a:t>lt</a:t>
-            </a:r>
-            <a:r>
-              <a:rPr lang="en-US" altLang="ja-JP" sz="1300" dirty="0"/>
-              <a:t>;&amp;</a:t>
-            </a:r>
-            <a:r>
-              <a:rPr lang="en-US" altLang="ja-JP" sz="1300" dirty="0" err="1"/>
-              <a:t>lt</a:t>
-            </a:r>
-            <a:r>
-              <a:rPr lang="en-US" altLang="ja-JP" sz="1300" dirty="0"/>
-              <a:t>;&lt;/a&gt;</a:t>
-            </a:r>
-          </a:p>
-          <a:p>
-            <a:r>
-              <a:rPr lang="en-US" altLang="ja-JP" sz="1300" dirty="0"/>
-              <a:t>    &lt;/li&gt;</a:t>
-            </a:r>
-          </a:p>
-          <a:p>
-            <a:r>
-              <a:rPr lang="en-US" altLang="ja-JP" sz="1300" dirty="0"/>
-              <a:t>    &lt;li class="disabled"&gt;</a:t>
-            </a:r>
-          </a:p>
-          <a:p>
-            <a:r>
-              <a:rPr lang="en-US" altLang="ja-JP" sz="1300" dirty="0"/>
-              <a:t>        &lt;a </a:t>
-            </a:r>
-            <a:r>
-              <a:rPr lang="en-US" altLang="ja-JP" sz="1300" dirty="0" err="1"/>
-              <a:t>href</a:t>
-            </a:r>
-            <a:r>
-              <a:rPr lang="en-US" altLang="ja-JP" sz="1300" dirty="0" smtClean="0"/>
-              <a:t>=“#"&gt;&amp;</a:t>
-            </a:r>
-            <a:r>
-              <a:rPr lang="en-US" altLang="ja-JP" sz="1300" dirty="0" err="1"/>
-              <a:t>lt</a:t>
-            </a:r>
-            <a:r>
-              <a:rPr lang="en-US" altLang="ja-JP" sz="1300" dirty="0"/>
-              <a:t>;&lt;/a&gt;</a:t>
-            </a:r>
-          </a:p>
-          <a:p>
-            <a:r>
-              <a:rPr lang="en-US" altLang="ja-JP" sz="1300" dirty="0"/>
-              <a:t>    &lt;/li&gt;</a:t>
-            </a:r>
-          </a:p>
-          <a:p>
-            <a:r>
-              <a:rPr lang="en-US" altLang="ja-JP" sz="1300" dirty="0"/>
-              <a:t>    &lt;li class="active"&gt;</a:t>
-            </a:r>
-          </a:p>
-          <a:p>
-            <a:r>
-              <a:rPr lang="en-US" altLang="ja-JP" sz="1300" dirty="0"/>
-              <a:t>        &lt;a </a:t>
-            </a:r>
-            <a:r>
-              <a:rPr lang="en-US" altLang="ja-JP" sz="1300" dirty="0" err="1"/>
-              <a:t>href</a:t>
-            </a:r>
-            <a:r>
-              <a:rPr lang="en-US" altLang="ja-JP" sz="1300" dirty="0"/>
-              <a:t>=“/</a:t>
-            </a:r>
-            <a:r>
-              <a:rPr lang="en-US" altLang="ja-JP" sz="1300" dirty="0" err="1" smtClean="0"/>
-              <a:t>webapp</a:t>
-            </a:r>
-            <a:r>
-              <a:rPr lang="en-US" altLang="ja-JP" sz="1300" dirty="0" smtClean="0"/>
-              <a:t>/article/list/0/6?sort=</a:t>
-            </a:r>
-            <a:r>
-              <a:rPr lang="en-US" altLang="ja-JP" sz="1300" dirty="0" err="1" smtClean="0"/>
-              <a:t>publishedDate,DESC&amp;word</a:t>
-            </a:r>
-            <a:r>
-              <a:rPr lang="en-US" altLang="ja-JP" sz="1300" dirty="0" smtClean="0"/>
-              <a:t>=title</a:t>
-            </a:r>
-            <a:r>
-              <a:rPr lang="en-US" altLang="ja-JP" sz="1300" dirty="0"/>
-              <a:t>"&gt;</a:t>
-            </a:r>
-            <a:r>
-              <a:rPr lang="en-US" altLang="ja-JP" sz="1300" dirty="0"/>
-              <a:t>1&lt;/a&gt;</a:t>
-            </a:r>
-          </a:p>
-          <a:p>
-            <a:r>
-              <a:rPr lang="en-US" altLang="ja-JP" sz="1300" dirty="0"/>
-              <a:t>    &lt;/li&gt;</a:t>
-            </a:r>
-          </a:p>
-          <a:p>
-            <a:r>
-              <a:rPr lang="ja-JP" altLang="en-US" sz="1300" dirty="0"/>
-              <a:t>    </a:t>
-            </a:r>
-          </a:p>
-          <a:p>
-            <a:r>
-              <a:rPr lang="ja-JP" altLang="en-US" sz="1300" dirty="0"/>
-              <a:t>    </a:t>
-            </a:r>
-            <a:r>
-              <a:rPr lang="en-US" altLang="ja-JP" sz="1300" dirty="0"/>
-              <a:t>&lt;!-- ... --&gt;</a:t>
-            </a:r>
-          </a:p>
-          <a:p>
-            <a:endParaRPr lang="ja-JP" altLang="en-US" sz="1300" dirty="0"/>
-          </a:p>
-          <a:p>
-            <a:r>
-              <a:rPr lang="en-US" altLang="ja-JP" sz="1300" dirty="0"/>
-              <a:t>    &lt;li&gt;</a:t>
-            </a:r>
-          </a:p>
-          <a:p>
-            <a:r>
-              <a:rPr lang="en-US" altLang="ja-JP" sz="1300" dirty="0"/>
-              <a:t>        &lt;a </a:t>
-            </a:r>
-            <a:r>
-              <a:rPr lang="en-US" altLang="ja-JP" sz="1300" dirty="0" err="1"/>
-              <a:t>href</a:t>
-            </a:r>
-            <a:r>
-              <a:rPr lang="en-US" altLang="ja-JP" sz="1300" dirty="0" smtClean="0"/>
-              <a:t>="</a:t>
-            </a:r>
-            <a:r>
-              <a:rPr lang="en-US" altLang="ja-JP" b="1" dirty="0" smtClean="0"/>
-              <a:t>/</a:t>
-            </a:r>
-            <a:r>
-              <a:rPr lang="en-US" altLang="ja-JP" b="1" dirty="0" err="1" smtClean="0"/>
-              <a:t>webapp</a:t>
-            </a:r>
-            <a:r>
-              <a:rPr lang="en-US" altLang="ja-JP" b="1" dirty="0" smtClean="0"/>
-              <a:t>/article/list/9/6</a:t>
-            </a:r>
-            <a:r>
-              <a:rPr lang="en-US" altLang="ja-JP" sz="1300" dirty="0" smtClean="0"/>
-              <a:t>?</a:t>
-            </a:r>
-            <a:r>
-              <a:rPr lang="en-US" altLang="ja-JP" b="1" dirty="0" smtClean="0"/>
-              <a:t>sort=</a:t>
-            </a:r>
-            <a:r>
-              <a:rPr lang="en-US" altLang="ja-JP" b="1" dirty="0" err="1" smtClean="0"/>
-              <a:t>publishedDate,DESC</a:t>
-            </a:r>
-            <a:r>
-              <a:rPr lang="en-US" altLang="ja-JP" sz="1300" dirty="0" err="1" smtClean="0"/>
-              <a:t>&amp;</a:t>
-            </a:r>
-            <a:r>
-              <a:rPr lang="en-US" altLang="ja-JP" b="1" dirty="0" err="1" smtClean="0"/>
-              <a:t>word</a:t>
-            </a:r>
-            <a:r>
-              <a:rPr lang="en-US" altLang="ja-JP" b="1" dirty="0" smtClean="0"/>
-              <a:t>=title</a:t>
-            </a:r>
-            <a:r>
-              <a:rPr lang="en-US" altLang="ja-JP" sz="1300" dirty="0" smtClean="0"/>
-              <a:t>"&gt;</a:t>
-            </a:r>
-            <a:r>
-              <a:rPr lang="en-US" altLang="ja-JP" sz="1300" dirty="0"/>
-              <a:t>10&lt;/a&gt;</a:t>
-            </a:r>
-          </a:p>
-          <a:p>
-            <a:r>
-              <a:rPr lang="en-US" altLang="ja-JP" sz="1300" dirty="0"/>
-              <a:t>    &lt;/li&gt;</a:t>
-            </a:r>
-          </a:p>
-          <a:p>
-            <a:r>
-              <a:rPr lang="en-US" altLang="ja-JP" sz="1300" dirty="0"/>
-              <a:t>    &lt;li&gt;</a:t>
-            </a:r>
-          </a:p>
-          <a:p>
-            <a:r>
-              <a:rPr lang="en-US" altLang="ja-JP" sz="1300" dirty="0"/>
-              <a:t>        &lt;a </a:t>
-            </a:r>
-            <a:r>
-              <a:rPr lang="en-US" altLang="ja-JP" sz="1300" dirty="0" err="1"/>
-              <a:t>href</a:t>
-            </a:r>
-            <a:r>
-              <a:rPr lang="en-US" altLang="ja-JP" sz="1300" dirty="0" smtClean="0"/>
-              <a:t>="/</a:t>
-            </a:r>
-            <a:r>
-              <a:rPr lang="en-US" altLang="ja-JP" sz="1300" dirty="0" err="1" smtClean="0"/>
-              <a:t>webapp</a:t>
-            </a:r>
-            <a:r>
-              <a:rPr lang="en-US" altLang="ja-JP" sz="1300" dirty="0" smtClean="0"/>
-              <a:t>/article/list/1/6?sort=</a:t>
-            </a:r>
-            <a:r>
-              <a:rPr lang="en-US" altLang="ja-JP" sz="1300" dirty="0" err="1" smtClean="0"/>
-              <a:t>publishedDate,DESC&amp;word</a:t>
-            </a:r>
-            <a:r>
-              <a:rPr lang="en-US" altLang="ja-JP" sz="1300" dirty="0" smtClean="0"/>
-              <a:t>=</a:t>
-            </a:r>
-            <a:r>
-              <a:rPr lang="en-US" altLang="ja-JP" sz="1300" dirty="0"/>
-              <a:t>title</a:t>
-            </a:r>
-            <a:r>
-              <a:rPr lang="en-US" altLang="ja-JP" sz="1300" dirty="0" smtClean="0"/>
-              <a:t>"&gt;&amp;</a:t>
-            </a:r>
-            <a:r>
-              <a:rPr lang="en-US" altLang="ja-JP" sz="1300" dirty="0" err="1"/>
-              <a:t>gt</a:t>
-            </a:r>
-            <a:r>
-              <a:rPr lang="en-US" altLang="ja-JP" sz="1300" dirty="0"/>
-              <a:t>;&lt;/a&gt;</a:t>
-            </a:r>
-          </a:p>
-          <a:p>
-            <a:r>
-              <a:rPr lang="en-US" altLang="ja-JP" sz="1300" dirty="0"/>
-              <a:t>    &lt;/li&gt;</a:t>
-            </a:r>
-          </a:p>
-          <a:p>
-            <a:r>
-              <a:rPr lang="en-US" altLang="ja-JP" sz="1300" dirty="0"/>
-              <a:t>    &lt;li&gt;</a:t>
-            </a:r>
-          </a:p>
-          <a:p>
-            <a:r>
-              <a:rPr lang="en-US" altLang="ja-JP" sz="1300" dirty="0"/>
-              <a:t>        &lt;a </a:t>
-            </a:r>
-            <a:r>
-              <a:rPr lang="en-US" altLang="ja-JP" sz="1300" dirty="0" err="1"/>
-              <a:t>href</a:t>
-            </a:r>
-            <a:r>
-              <a:rPr lang="en-US" altLang="ja-JP" sz="1300" dirty="0" smtClean="0"/>
-              <a:t>="/</a:t>
-            </a:r>
-            <a:r>
-              <a:rPr lang="en-US" altLang="ja-JP" sz="1300" dirty="0" err="1" smtClean="0"/>
-              <a:t>webapp</a:t>
-            </a:r>
-            <a:r>
-              <a:rPr lang="en-US" altLang="ja-JP" sz="1300" dirty="0" smtClean="0"/>
-              <a:t>/article/list/9/6?sort=</a:t>
-            </a:r>
-            <a:r>
-              <a:rPr lang="en-US" altLang="ja-JP" sz="1300" dirty="0" err="1" smtClean="0"/>
-              <a:t>publishedDate,DESC&amp;word</a:t>
-            </a:r>
-            <a:r>
-              <a:rPr lang="en-US" altLang="ja-JP" sz="1300" dirty="0" smtClean="0"/>
-              <a:t>=</a:t>
-            </a:r>
-            <a:r>
-              <a:rPr lang="en-US" altLang="ja-JP" sz="1300" dirty="0"/>
-              <a:t>title</a:t>
-            </a:r>
-            <a:r>
-              <a:rPr lang="en-US" altLang="ja-JP" sz="1300" dirty="0" smtClean="0"/>
-              <a:t>"&gt;&amp;</a:t>
-            </a:r>
-            <a:r>
-              <a:rPr lang="en-US" altLang="ja-JP" sz="1300" dirty="0" err="1"/>
-              <a:t>gt</a:t>
-            </a:r>
-            <a:r>
-              <a:rPr lang="en-US" altLang="ja-JP" sz="1300" dirty="0"/>
-              <a:t>;&amp;</a:t>
-            </a:r>
-            <a:r>
-              <a:rPr lang="en-US" altLang="ja-JP" sz="1300" dirty="0" err="1"/>
-              <a:t>gt</a:t>
-            </a:r>
-            <a:r>
-              <a:rPr lang="en-US" altLang="ja-JP" sz="1300" dirty="0"/>
-              <a:t>;&lt;/a&gt;</a:t>
-            </a:r>
-          </a:p>
-          <a:p>
-            <a:r>
-              <a:rPr lang="en-US" altLang="ja-JP" sz="1300" dirty="0"/>
-              <a:t>    &lt;/li&gt;</a:t>
-            </a:r>
-          </a:p>
-          <a:p>
-            <a:r>
-              <a:rPr lang="en-US" altLang="ja-JP" sz="1300" dirty="0"/>
-              <a:t>&lt;/</a:t>
-            </a:r>
-            <a:r>
-              <a:rPr lang="en-US" altLang="ja-JP" sz="1300" dirty="0" err="1"/>
-              <a:t>ul</a:t>
-            </a:r>
-            <a:r>
-              <a:rPr lang="en-US" altLang="ja-JP" sz="1300" dirty="0"/>
-              <a:t>&gt;</a:t>
-            </a:r>
-          </a:p>
-        </p:txBody>
-      </p:sp>
-      <p:sp>
-        <p:nvSpPr>
-          <p:cNvPr id="6" name="角丸四角形 5"/>
-          <p:cNvSpPr/>
-          <p:nvPr/>
-        </p:nvSpPr>
-        <p:spPr>
-          <a:xfrm>
-            <a:off x="1795309" y="635557"/>
-            <a:ext cx="237850" cy="221178"/>
+            <a:off x="4176711" y="3106991"/>
+            <a:ext cx="397673" cy="298444"/>
           </a:xfrm>
           <a:prstGeom prst="roundRect">
             <a:avLst/>
@@ -16424,14 +11803,14 @@
       </p:sp>
       <p:sp>
         <p:nvSpPr>
-          <p:cNvPr id="7" name="角丸四角形 6"/>
+          <p:cNvPr id="9" name="角丸四角形 8"/>
           <p:cNvSpPr/>
           <p:nvPr/>
         </p:nvSpPr>
         <p:spPr>
           <a:xfrm>
-            <a:off x="1853513" y="3021610"/>
-            <a:ext cx="2394531" cy="298444"/>
+            <a:off x="4700139" y="3092477"/>
+            <a:ext cx="397673" cy="298444"/>
           </a:xfrm>
           <a:prstGeom prst="roundRect">
             <a:avLst/>
@@ -16472,77 +11851,29 @@
       </p:sp>
       <p:sp>
         <p:nvSpPr>
-          <p:cNvPr id="8" name="角丸四角形 7"/>
-          <p:cNvSpPr/>
-          <p:nvPr/>
-        </p:nvSpPr>
-        <p:spPr>
-          <a:xfrm>
-            <a:off x="4307801" y="3017531"/>
-            <a:ext cx="2445265" cy="298444"/>
-          </a:xfrm>
-          <a:prstGeom prst="roundRect">
+          <p:cNvPr id="10" name="テキスト ボックス 9"/>
+          <p:cNvSpPr txBox="1"/>
+          <p:nvPr/>
+        </p:nvSpPr>
+        <p:spPr>
+          <a:xfrm>
+            <a:off x="4015323" y="2768020"/>
+            <a:ext cx="442750" cy="369332"/>
+          </a:xfrm>
+          <a:prstGeom prst="rect">
             <a:avLst/>
           </a:prstGeom>
           <a:noFill/>
-          <a:ln w="19050">
-            <a:solidFill>
-              <a:schemeClr val="tx2">
-                <a:lumMod val="60000"/>
-                <a:lumOff val="40000"/>
-              </a:schemeClr>
-            </a:solidFill>
-            <a:prstDash val="solid"/>
-          </a:ln>
-        </p:spPr>
-        <p:style>
-          <a:lnRef idx="1">
-            <a:schemeClr val="accent1"/>
-          </a:lnRef>
-          <a:fillRef idx="3">
-            <a:schemeClr val="accent1"/>
-          </a:fillRef>
-          <a:effectRef idx="2">
-            <a:schemeClr val="accent1"/>
-          </a:effectRef>
-          <a:fontRef idx="minor">
-            <a:schemeClr val="lt1"/>
-          </a:fontRef>
-        </p:style>
-        <p:txBody>
-          <a:bodyPr rtlCol="0" anchor="ctr"/>
-          <a:lstStyle/>
-          <a:p>
-            <a:pPr algn="ctr"/>
-            <a:endParaRPr kumimoji="1" lang="ja-JP" altLang="en-US"/>
-          </a:p>
-        </p:txBody>
-      </p:sp>
-      <p:sp>
-        <p:nvSpPr>
-          <p:cNvPr id="9" name="テキスト ボックス 8"/>
-          <p:cNvSpPr txBox="1"/>
-          <p:nvPr/>
-        </p:nvSpPr>
-        <p:spPr>
-          <a:xfrm>
-            <a:off x="1787071" y="773474"/>
-            <a:ext cx="442749" cy="369332"/>
-          </a:xfrm>
-          <a:prstGeom prst="rect">
-            <a:avLst/>
-          </a:prstGeom>
-          <a:noFill/>
-        </p:spPr>
-        <p:txBody>
-          <a:bodyPr wrap="square" rtlCol="0">
+        </p:spPr>
+        <p:txBody>
+          <a:bodyPr wrap="none" rtlCol="0">
             <a:spAutoFit/>
           </a:bodyPr>
           <a:lstStyle/>
           <a:p>
             <a:r>
               <a:rPr kumimoji="1" lang="en-US" altLang="ja-JP" dirty="0" smtClean="0"/>
-              <a:t>(1)</a:t>
+              <a:t>(4)</a:t>
             </a:r>
             <a:endParaRPr kumimoji="1" lang="ja-JP" altLang="en-US" dirty="0"/>
           </a:p>
@@ -16550,14 +11881,14 @@
       </p:sp>
       <p:sp>
         <p:nvSpPr>
-          <p:cNvPr id="10" name="テキスト ボックス 9"/>
+          <p:cNvPr id="11" name="テキスト ボックス 10"/>
           <p:cNvSpPr txBox="1"/>
           <p:nvPr/>
         </p:nvSpPr>
         <p:spPr>
           <a:xfrm>
-            <a:off x="3939194" y="2705865"/>
-            <a:ext cx="442749" cy="369332"/>
+            <a:off x="4567127" y="2756555"/>
+            <a:ext cx="442750" cy="369332"/>
           </a:xfrm>
           <a:prstGeom prst="rect">
             <a:avLst/>
@@ -16565,200 +11896,14 @@
           <a:noFill/>
         </p:spPr>
         <p:txBody>
-          <a:bodyPr wrap="square" rtlCol="0">
+          <a:bodyPr wrap="none" rtlCol="0">
             <a:spAutoFit/>
           </a:bodyPr>
           <a:lstStyle/>
           <a:p>
             <a:r>
               <a:rPr kumimoji="1" lang="en-US" altLang="ja-JP" dirty="0" smtClean="0"/>
-              <a:t>(2)</a:t>
-            </a:r>
-            <a:endParaRPr kumimoji="1" lang="ja-JP" altLang="en-US" dirty="0"/>
-          </a:p>
-        </p:txBody>
-      </p:sp>
-      <p:sp>
-        <p:nvSpPr>
-          <p:cNvPr id="11" name="テキスト ボックス 10"/>
-          <p:cNvSpPr txBox="1"/>
-          <p:nvPr/>
-        </p:nvSpPr>
-        <p:spPr>
-          <a:xfrm>
-            <a:off x="6326793" y="2705865"/>
-            <a:ext cx="442749" cy="369332"/>
-          </a:xfrm>
-          <a:prstGeom prst="rect">
-            <a:avLst/>
-          </a:prstGeom>
-          <a:noFill/>
-        </p:spPr>
-        <p:txBody>
-          <a:bodyPr wrap="square" rtlCol="0">
-            <a:spAutoFit/>
-          </a:bodyPr>
-          <a:lstStyle/>
-          <a:p>
-            <a:r>
-              <a:rPr kumimoji="1" lang="en-US" altLang="ja-JP" dirty="0" smtClean="0"/>
-              <a:t>(3)</a:t>
-            </a:r>
-            <a:endParaRPr kumimoji="1" lang="ja-JP" altLang="en-US" dirty="0"/>
-          </a:p>
-        </p:txBody>
-      </p:sp>
-      <p:sp>
-        <p:nvSpPr>
-          <p:cNvPr id="12" name="角丸四角形 11"/>
-          <p:cNvSpPr/>
-          <p:nvPr/>
-        </p:nvSpPr>
-        <p:spPr>
-          <a:xfrm>
-            <a:off x="6822697" y="3017531"/>
-            <a:ext cx="1045027" cy="298444"/>
-          </a:xfrm>
-          <a:prstGeom prst="roundRect">
-            <a:avLst/>
-          </a:prstGeom>
-          <a:noFill/>
-          <a:ln w="19050">
-            <a:solidFill>
-              <a:schemeClr val="tx2">
-                <a:lumMod val="60000"/>
-                <a:lumOff val="40000"/>
-              </a:schemeClr>
-            </a:solidFill>
-            <a:prstDash val="solid"/>
-          </a:ln>
-        </p:spPr>
-        <p:style>
-          <a:lnRef idx="1">
-            <a:schemeClr val="accent1"/>
-          </a:lnRef>
-          <a:fillRef idx="3">
-            <a:schemeClr val="accent1"/>
-          </a:fillRef>
-          <a:effectRef idx="2">
-            <a:schemeClr val="accent1"/>
-          </a:effectRef>
-          <a:fontRef idx="minor">
-            <a:schemeClr val="lt1"/>
-          </a:fontRef>
-        </p:style>
-        <p:txBody>
-          <a:bodyPr rtlCol="0" anchor="ctr"/>
-          <a:lstStyle/>
-          <a:p>
-            <a:pPr algn="ctr"/>
-            <a:endParaRPr kumimoji="1" lang="ja-JP" altLang="en-US"/>
-          </a:p>
-        </p:txBody>
-      </p:sp>
-      <p:sp>
-        <p:nvSpPr>
-          <p:cNvPr id="13" name="テキスト ボックス 12"/>
-          <p:cNvSpPr txBox="1"/>
-          <p:nvPr/>
-        </p:nvSpPr>
-        <p:spPr>
-          <a:xfrm>
-            <a:off x="7560506" y="2722901"/>
-            <a:ext cx="442749" cy="369332"/>
-          </a:xfrm>
-          <a:prstGeom prst="rect">
-            <a:avLst/>
-          </a:prstGeom>
-          <a:noFill/>
-        </p:spPr>
-        <p:txBody>
-          <a:bodyPr wrap="square" rtlCol="0">
-            <a:spAutoFit/>
-          </a:bodyPr>
-          <a:lstStyle/>
-          <a:p>
-            <a:r>
-              <a:rPr kumimoji="1" lang="en-US" altLang="ja-JP" dirty="0" smtClean="0"/>
-              <a:t>(4)</a:t>
-            </a:r>
-            <a:endParaRPr kumimoji="1" lang="ja-JP" altLang="en-US" dirty="0"/>
-          </a:p>
-        </p:txBody>
-      </p:sp>
-      <p:sp>
-        <p:nvSpPr>
-          <p:cNvPr id="14" name="角丸四角形 13"/>
-          <p:cNvSpPr/>
-          <p:nvPr/>
-        </p:nvSpPr>
-        <p:spPr>
-          <a:xfrm>
-            <a:off x="1853512" y="1806529"/>
-            <a:ext cx="4357818" cy="298444"/>
-          </a:xfrm>
-          <a:prstGeom prst="roundRect">
-            <a:avLst/>
-          </a:prstGeom>
-          <a:noFill/>
-          <a:ln w="19050">
-            <a:solidFill>
-              <a:schemeClr val="tx2">
-                <a:lumMod val="60000"/>
-                <a:lumOff val="40000"/>
-              </a:schemeClr>
-            </a:solidFill>
-            <a:prstDash val="solid"/>
-          </a:ln>
-        </p:spPr>
-        <p:style>
-          <a:lnRef idx="1">
-            <a:schemeClr val="accent1"/>
-          </a:lnRef>
-          <a:fillRef idx="3">
-            <a:schemeClr val="accent1"/>
-          </a:fillRef>
-          <a:effectRef idx="2">
-            <a:schemeClr val="accent1"/>
-          </a:effectRef>
-          <a:fontRef idx="minor">
-            <a:schemeClr val="lt1"/>
-          </a:fontRef>
-        </p:style>
-        <p:txBody>
-          <a:bodyPr rtlCol="0" anchor="ctr"/>
-          <a:lstStyle/>
-          <a:p>
-            <a:pPr algn="ctr"/>
-            <a:endParaRPr kumimoji="1" lang="ja-JP" altLang="en-US"/>
-          </a:p>
-        </p:txBody>
-      </p:sp>
-      <p:sp>
-        <p:nvSpPr>
-          <p:cNvPr id="15" name="テキスト ボックス 14"/>
-          <p:cNvSpPr txBox="1"/>
-          <p:nvPr/>
-        </p:nvSpPr>
-        <p:spPr>
-          <a:xfrm>
-            <a:off x="5847169" y="1445730"/>
-            <a:ext cx="442749" cy="369332"/>
-          </a:xfrm>
-          <a:prstGeom prst="rect">
-            <a:avLst/>
-          </a:prstGeom>
-          <a:noFill/>
-        </p:spPr>
-        <p:txBody>
-          <a:bodyPr wrap="square" rtlCol="0">
-            <a:spAutoFit/>
-          </a:bodyPr>
-          <a:lstStyle/>
-          <a:p>
-            <a:r>
-              <a:rPr kumimoji="1" lang="en-US" altLang="ja-JP" dirty="0" smtClean="0"/>
-              <a:t>(6)</a:t>
+              <a:t>(5)</a:t>
             </a:r>
             <a:endParaRPr kumimoji="1" lang="ja-JP" altLang="en-US" dirty="0"/>
           </a:p>
@@ -16767,7 +11912,7 @@
     </p:spTree>
     <p:extLst>
       <p:ext uri="{BB962C8B-B14F-4D97-AF65-F5344CB8AC3E}">
-        <p14:creationId xmlns:p14="http://schemas.microsoft.com/office/powerpoint/2010/main" val="1924549290"/>
+        <p14:creationId xmlns:p14="http://schemas.microsoft.com/office/powerpoint/2010/main" val="287039117"/>
       </p:ext>
     </p:extLst>
   </p:cSld>
